--- a/instructors/05-intro-to-metadata_v2.0.pptx
+++ b/instructors/05-intro-to-metadata_v2.0.pptx
@@ -5,26 +5,30 @@
     <p:sldMasterId id="2147483648" r:id="rId1"/>
   </p:sldMasterIdLst>
   <p:notesMasterIdLst>
-    <p:notesMasterId r:id="rId19"/>
+    <p:notesMasterId r:id="rId23"/>
   </p:notesMasterIdLst>
   <p:sldIdLst>
     <p:sldId id="256" r:id="rId2"/>
     <p:sldId id="282" r:id="rId3"/>
     <p:sldId id="257" r:id="rId4"/>
     <p:sldId id="280" r:id="rId5"/>
-    <p:sldId id="269" r:id="rId6"/>
-    <p:sldId id="259" r:id="rId7"/>
-    <p:sldId id="270" r:id="rId8"/>
-    <p:sldId id="277" r:id="rId9"/>
-    <p:sldId id="278" r:id="rId10"/>
-    <p:sldId id="276" r:id="rId11"/>
-    <p:sldId id="272" r:id="rId12"/>
-    <p:sldId id="279" r:id="rId13"/>
-    <p:sldId id="275" r:id="rId14"/>
-    <p:sldId id="264" r:id="rId15"/>
-    <p:sldId id="268" r:id="rId16"/>
-    <p:sldId id="284" r:id="rId17"/>
-    <p:sldId id="283" r:id="rId18"/>
+    <p:sldId id="258" r:id="rId6"/>
+    <p:sldId id="274" r:id="rId7"/>
+    <p:sldId id="284" r:id="rId8"/>
+    <p:sldId id="285" r:id="rId9"/>
+    <p:sldId id="286" r:id="rId10"/>
+    <p:sldId id="269" r:id="rId11"/>
+    <p:sldId id="259" r:id="rId12"/>
+    <p:sldId id="270" r:id="rId13"/>
+    <p:sldId id="277" r:id="rId14"/>
+    <p:sldId id="278" r:id="rId15"/>
+    <p:sldId id="276" r:id="rId16"/>
+    <p:sldId id="272" r:id="rId17"/>
+    <p:sldId id="279" r:id="rId18"/>
+    <p:sldId id="275" r:id="rId19"/>
+    <p:sldId id="264" r:id="rId20"/>
+    <p:sldId id="268" r:id="rId21"/>
+    <p:sldId id="283" r:id="rId22"/>
   </p:sldIdLst>
   <p:sldSz cx="12192000" cy="6858000"/>
   <p:notesSz cx="6858000" cy="9144000"/>
@@ -1106,7 +1110,7 @@
   <dgm:whole/>
   <dgm:extLst>
     <a:ext uri="http://schemas.microsoft.com/office/drawing/2008/diagram">
-      <dsp:dataModelExt xmlns:dsp="http://schemas.microsoft.com/office/drawing/2008/diagram" relId="rId6" minVer="http://schemas.openxmlformats.org/drawingml/2006/diagram"/>
+      <dsp:dataModelExt xmlns:dsp="http://schemas.microsoft.com/office/drawing/2008/diagram" relId="rId7" minVer="http://schemas.openxmlformats.org/drawingml/2006/diagram"/>
     </a:ext>
   </dgm:extLst>
 </dgm:dataModel>
@@ -2844,7 +2848,7 @@
           <a:p>
             <a:fld id="{FA57F229-43F7-7D47-A634-B37BDFAB7535}" type="datetimeFigureOut">
               <a:rPr lang="en-GB" smtClean="0"/>
-              <a:t>18/10/2021</a:t>
+              <a:t>19/10/2021</a:t>
             </a:fld>
             <a:endParaRPr lang="en-GB"/>
           </a:p>
@@ -3155,322 +3159,50 @@
           <a:bodyPr/>
           <a:lstStyle/>
           <a:p>
-            <a:r>
-              <a:rPr lang="en-GB" sz="1200" b="1" i="0" kern="1200" dirty="0">
-                <a:solidFill>
-                  <a:schemeClr val="tx1"/>
+            <a:pPr algn="l"/>
+            <a:r>
+              <a:rPr lang="en-GB" b="0" i="0" dirty="0">
+                <a:solidFill>
+                  <a:srgbClr val="000000"/>
                 </a:solidFill>
                 <a:effectLst/>
-                <a:latin typeface="+mn-lt"/>
-                <a:ea typeface="+mn-ea"/>
-                <a:cs typeface="+mn-cs"/>
-              </a:rPr>
-              <a:t>Image metadata</a:t>
-            </a:r>
-          </a:p>
-          <a:p>
-            <a:r>
-              <a:rPr lang="en-GB" sz="1200" b="0" i="0" kern="1200" dirty="0">
-                <a:solidFill>
-                  <a:schemeClr val="tx1"/>
+                <a:latin typeface="Open Sans" panose="020B0606030504020204" pitchFamily="34" charset="0"/>
+              </a:rPr>
+              <a:t>Metadata are data about data. They play an important role in making your data FAIR. Metadata have to be added continuously to your research data, not just at the beginning or at the end of a project. Metadata can be added manually or automatically, and preferably according to a disciplinary standard. From a FAIR perspective, metadata are more important than your data, because metadata would always be openly available and they link research data and publications in the </a:t>
+            </a:r>
+            <a:r>
+              <a:rPr lang="en-GB" b="1" i="1" u="none" strike="noStrike" dirty="0">
+                <a:solidFill>
+                  <a:srgbClr val="49BBB4"/>
                 </a:solidFill>
                 <a:effectLst/>
-                <a:latin typeface="+mn-lt"/>
-                <a:ea typeface="+mn-ea"/>
-                <a:cs typeface="+mn-cs"/>
-              </a:rPr>
-              <a:t>Name: OP50 D10Ad_06.czi Image ID: 3485 Owner: Maria Eugenia Goya ORCID: 0000-0002-5031-2470</a:t>
-            </a:r>
-          </a:p>
-          <a:p>
-            <a:r>
-              <a:rPr lang="en-GB" sz="1200" b="0" i="0" kern="1200" dirty="0">
-                <a:solidFill>
-                  <a:schemeClr val="tx1"/>
+                <a:latin typeface="Open Sans" panose="020B0606030504020204" pitchFamily="34" charset="0"/>
+                <a:hlinkClick r:id="rId3" tooltip="Internet of FAIR Data and Services"/>
+              </a:rPr>
+              <a:t>Internet of FAIR Data and Services</a:t>
+            </a:r>
+            <a:r>
+              <a:rPr lang="en-GB" b="0" i="0" dirty="0">
+                <a:solidFill>
+                  <a:srgbClr val="000000"/>
                 </a:solidFill>
                 <a:effectLst/>
-                <a:latin typeface="+mn-lt"/>
-                <a:ea typeface="+mn-ea"/>
-                <a:cs typeface="+mn-cs"/>
-              </a:rPr>
-              <a:t>Acquisition Date: 2018-12-12 17:53:55 Import Date: 2020-04-30 22:38:59 Dimensions (XY): 1344 x 1024 Pixels Type: uint16 Pixels Size (XYZ) (µm): 0.16 x 0.16 x 1.00 Z-sections/Timepoints: 56 x 1 Channels: TL DIC, </a:t>
-            </a:r>
-            <a:r>
-              <a:rPr lang="en-GB" sz="1200" b="0" i="0" kern="1200" dirty="0" err="1">
-                <a:solidFill>
-                  <a:schemeClr val="tx1"/>
+                <a:latin typeface="Open Sans" panose="020B0606030504020204" pitchFamily="34" charset="0"/>
+              </a:rPr>
+              <a:t>.  </a:t>
+            </a:r>
+          </a:p>
+          <a:p>
+            <a:pPr algn="l"/>
+            <a:r>
+              <a:rPr lang="en-GB" b="0" i="0" dirty="0">
+                <a:solidFill>
+                  <a:srgbClr val="000000"/>
                 </a:solidFill>
                 <a:effectLst/>
-                <a:latin typeface="+mn-lt"/>
-                <a:ea typeface="+mn-ea"/>
-                <a:cs typeface="+mn-cs"/>
-              </a:rPr>
-              <a:t>TagYFP</a:t>
-            </a:r>
-            <a:r>
-              <a:rPr lang="en-GB" sz="1200" b="0" i="0" kern="1200" dirty="0">
-                <a:solidFill>
-                  <a:schemeClr val="tx1"/>
-                </a:solidFill>
-                <a:effectLst/>
-                <a:latin typeface="+mn-lt"/>
-                <a:ea typeface="+mn-ea"/>
-                <a:cs typeface="+mn-cs"/>
-              </a:rPr>
-              <a:t> ROI Count: 0</a:t>
-            </a:r>
-          </a:p>
-          <a:p>
-            <a:r>
-              <a:rPr lang="en-GB" sz="1200" b="0" i="0" kern="1200" dirty="0">
-                <a:solidFill>
-                  <a:schemeClr val="tx1"/>
-                </a:solidFill>
-                <a:effectLst/>
-                <a:latin typeface="+mn-lt"/>
-                <a:ea typeface="+mn-ea"/>
-                <a:cs typeface="+mn-cs"/>
-              </a:rPr>
-              <a:t>Tags: time course; day 10; adults; food switching; E. coli OP50; NL5901; C. elegans</a:t>
-            </a:r>
-          </a:p>
-          <a:p>
-            <a:r>
-              <a:rPr lang="en-GB" sz="1200" b="1" i="0" kern="1200" dirty="0">
-                <a:solidFill>
-                  <a:schemeClr val="tx1"/>
-                </a:solidFill>
-                <a:effectLst/>
-                <a:latin typeface="+mn-lt"/>
-                <a:ea typeface="+mn-ea"/>
-                <a:cs typeface="+mn-cs"/>
-              </a:rPr>
-              <a:t>Dataset metadata</a:t>
-            </a:r>
-          </a:p>
-          <a:p>
-            <a:r>
-              <a:rPr lang="en-GB" sz="1200" b="0" i="0" kern="1200" dirty="0">
-                <a:solidFill>
-                  <a:schemeClr val="tx1"/>
-                </a:solidFill>
-                <a:effectLst/>
-                <a:latin typeface="+mn-lt"/>
-                <a:ea typeface="+mn-ea"/>
-                <a:cs typeface="+mn-cs"/>
-              </a:rPr>
-              <a:t>Name: Figure2_Figure2B Dataset ID: 263 Owner: Maria Eugenia Goya ORCID: 0000-0002-5031-2470</a:t>
-            </a:r>
-          </a:p>
-          <a:p>
-            <a:r>
-              <a:rPr lang="en-GB" sz="1200" b="0" i="0" kern="1200" dirty="0">
-                <a:solidFill>
-                  <a:schemeClr val="tx1"/>
-                </a:solidFill>
-                <a:effectLst/>
-                <a:latin typeface="+mn-lt"/>
-                <a:ea typeface="+mn-ea"/>
-                <a:cs typeface="+mn-cs"/>
-              </a:rPr>
-              <a:t>Description: The datasets contains a time course of </a:t>
-            </a:r>
-            <a:r>
-              <a:rPr lang="el-GR" sz="1200" b="0" i="0" kern="1200" dirty="0">
-                <a:solidFill>
-                  <a:schemeClr val="tx1"/>
-                </a:solidFill>
-                <a:effectLst/>
-                <a:latin typeface="+mn-lt"/>
-                <a:ea typeface="+mn-ea"/>
-                <a:cs typeface="+mn-cs"/>
-              </a:rPr>
-              <a:t>α-</a:t>
-            </a:r>
-            <a:r>
-              <a:rPr lang="en-GB" sz="1200" b="0" i="0" kern="1200" dirty="0" err="1">
-                <a:solidFill>
-                  <a:schemeClr val="tx1"/>
-                </a:solidFill>
-                <a:effectLst/>
-                <a:latin typeface="+mn-lt"/>
-                <a:ea typeface="+mn-ea"/>
-                <a:cs typeface="+mn-cs"/>
-              </a:rPr>
-              <a:t>syn</a:t>
-            </a:r>
-            <a:r>
-              <a:rPr lang="en-GB" sz="1200" b="0" i="0" kern="1200" dirty="0">
-                <a:solidFill>
-                  <a:schemeClr val="tx1"/>
-                </a:solidFill>
-                <a:effectLst/>
-                <a:latin typeface="+mn-lt"/>
-                <a:ea typeface="+mn-ea"/>
-                <a:cs typeface="+mn-cs"/>
-              </a:rPr>
-              <a:t> aggregation in NL5901 C. elegans worms after a food switch at the L4 stage:</a:t>
-            </a:r>
-          </a:p>
-          <a:p>
-            <a:r>
-              <a:rPr lang="en-GB" sz="1200" b="0" i="0" kern="1200" dirty="0">
-                <a:solidFill>
-                  <a:schemeClr val="tx1"/>
-                </a:solidFill>
-                <a:effectLst/>
-                <a:latin typeface="+mn-lt"/>
-                <a:ea typeface="+mn-ea"/>
-                <a:cs typeface="+mn-cs"/>
-              </a:rPr>
-              <a:t>E. coli OP50 to OP50 Day 01 adults Day 03 adults Day 05 adults Day 07 adults Day 10 adults Day 13 adults</a:t>
-            </a:r>
-          </a:p>
-          <a:p>
-            <a:r>
-              <a:rPr lang="en-GB" sz="1200" b="0" i="0" kern="1200" dirty="0">
-                <a:solidFill>
-                  <a:schemeClr val="tx1"/>
-                </a:solidFill>
-                <a:effectLst/>
-                <a:latin typeface="+mn-lt"/>
-                <a:ea typeface="+mn-ea"/>
-                <a:cs typeface="+mn-cs"/>
-              </a:rPr>
-              <a:t>E. coli OP50 to B. subtilis PXN21 Day 01 adults Day 03 adults Day 05 adults Day 07 adults Day 10 adults Day 13 adults</a:t>
-            </a:r>
-          </a:p>
-          <a:p>
-            <a:r>
-              <a:rPr lang="en-GB" sz="1200" b="0" i="0" kern="1200" dirty="0">
-                <a:solidFill>
-                  <a:schemeClr val="tx1"/>
-                </a:solidFill>
-                <a:effectLst/>
-                <a:latin typeface="+mn-lt"/>
-                <a:ea typeface="+mn-ea"/>
-                <a:cs typeface="+mn-cs"/>
-              </a:rPr>
-              <a:t>Images were taken at 6 developmental timepoints (D1Ad, D3Ad, D5Ad, D7Ad, D10Ad, D13Ad)</a:t>
-            </a:r>
-          </a:p>
-          <a:p>
-            <a:r>
-              <a:rPr lang="en-GB" sz="1200" b="0" i="0" kern="1200" dirty="0">
-                <a:solidFill>
-                  <a:schemeClr val="tx1"/>
-                </a:solidFill>
-                <a:effectLst/>
-                <a:latin typeface="+mn-lt"/>
-                <a:ea typeface="+mn-ea"/>
-                <a:cs typeface="+mn-cs"/>
-              </a:rPr>
-              <a:t>* Some images contain more than one nematode.</a:t>
-            </a:r>
-          </a:p>
-          <a:p>
-            <a:r>
-              <a:rPr lang="en-GB" sz="1200" b="0" i="0" kern="1200" dirty="0">
-                <a:solidFill>
-                  <a:schemeClr val="tx1"/>
-                </a:solidFill>
-                <a:effectLst/>
-                <a:latin typeface="+mn-lt"/>
-                <a:ea typeface="+mn-ea"/>
-                <a:cs typeface="+mn-cs"/>
-              </a:rPr>
-              <a:t>Each image contains ~30 (or more) Z-sections, 1 µmeters apart. The </a:t>
-            </a:r>
-            <a:r>
-              <a:rPr lang="en-GB" sz="1200" b="0" i="0" kern="1200" dirty="0" err="1">
-                <a:solidFill>
-                  <a:schemeClr val="tx1"/>
-                </a:solidFill>
-                <a:effectLst/>
-                <a:latin typeface="+mn-lt"/>
-                <a:ea typeface="+mn-ea"/>
-                <a:cs typeface="+mn-cs"/>
-              </a:rPr>
-              <a:t>TagYFP</a:t>
-            </a:r>
-            <a:r>
-              <a:rPr lang="en-GB" sz="1200" b="0" i="0" kern="1200" dirty="0">
-                <a:solidFill>
-                  <a:schemeClr val="tx1"/>
-                </a:solidFill>
-                <a:effectLst/>
-                <a:latin typeface="+mn-lt"/>
-                <a:ea typeface="+mn-ea"/>
-                <a:cs typeface="+mn-cs"/>
-              </a:rPr>
-              <a:t> channel is used to follow the alpha-synuclein particles. The TL DIC channel is used to image the whole nematode head.</a:t>
-            </a:r>
-          </a:p>
-          <a:p>
-            <a:r>
-              <a:rPr lang="en-GB" sz="1200" b="0" i="0" kern="1200" dirty="0">
-                <a:solidFill>
-                  <a:schemeClr val="tx1"/>
-                </a:solidFill>
-                <a:effectLst/>
-                <a:latin typeface="+mn-lt"/>
-                <a:ea typeface="+mn-ea"/>
-                <a:cs typeface="+mn-cs"/>
-              </a:rPr>
-              <a:t>These images were used to construct Figure 2B of the Cell Reports paper (</a:t>
-            </a:r>
-            <a:r>
-              <a:rPr lang="en-GB" sz="1200" b="0" i="0" u="none" strike="noStrike" kern="1200" dirty="0">
-                <a:solidFill>
-                  <a:schemeClr val="tx1"/>
-                </a:solidFill>
-                <a:effectLst/>
-                <a:latin typeface="+mn-lt"/>
-                <a:ea typeface="+mn-ea"/>
-                <a:cs typeface="+mn-cs"/>
-                <a:hlinkClick r:id="rId3"/>
-              </a:rPr>
-              <a:t>https://doi.org/10.1016/j.celrep.2019.12.078</a:t>
-            </a:r>
-            <a:r>
-              <a:rPr lang="en-GB" sz="1200" b="0" i="0" kern="1200" dirty="0">
-                <a:solidFill>
-                  <a:schemeClr val="tx1"/>
-                </a:solidFill>
-                <a:effectLst/>
-                <a:latin typeface="+mn-lt"/>
-                <a:ea typeface="+mn-ea"/>
-                <a:cs typeface="+mn-cs"/>
-              </a:rPr>
-              <a:t>).</a:t>
-            </a:r>
-          </a:p>
-          <a:p>
-            <a:r>
-              <a:rPr lang="en-GB" sz="1200" b="0" i="0" kern="1200" dirty="0">
-                <a:solidFill>
-                  <a:schemeClr val="tx1"/>
-                </a:solidFill>
-                <a:effectLst/>
-                <a:latin typeface="+mn-lt"/>
-                <a:ea typeface="+mn-ea"/>
-                <a:cs typeface="+mn-cs"/>
-              </a:rPr>
-              <a:t>Creation date: 2020-04-30 22:16:39</a:t>
-            </a:r>
-          </a:p>
-          <a:p>
-            <a:r>
-              <a:rPr lang="en-GB" sz="1200" b="0" i="0" kern="1200" dirty="0">
-                <a:solidFill>
-                  <a:schemeClr val="tx1"/>
-                </a:solidFill>
-                <a:effectLst/>
-                <a:latin typeface="+mn-lt"/>
-                <a:ea typeface="+mn-ea"/>
-                <a:cs typeface="+mn-cs"/>
-              </a:rPr>
-              <a:t>Tags: protein aggregation; time course; E. coli OP50 to B. subtilis PXN21; food switching; E. coli OP50; 10.1016/j.celrep.2019.12.078; NL5901; C. elegans</a:t>
+                <a:latin typeface="Open Sans" panose="020B0606030504020204" pitchFamily="34" charset="0"/>
+              </a:rPr>
+              <a:t>While data documentation is meant to be read and understood by humans, metadata (which are sometimes a part of the documentation) are primarily meant to be processed by machines.</a:t>
             </a:r>
           </a:p>
           <a:p>
@@ -3495,7 +3227,7 @@
           <a:p>
             <a:fld id="{CCB04583-82FC-EB4C-9DD9-0626DE3C6BC2}" type="slidenum">
               <a:rPr lang="en-GB" smtClean="0"/>
-              <a:t>3</a:t>
+              <a:t>2</a:t>
             </a:fld>
             <a:endParaRPr lang="en-GB"/>
           </a:p>
@@ -3504,7 +3236,1255 @@
     </p:spTree>
     <p:extLst>
       <p:ext uri="{BB962C8B-B14F-4D97-AF65-F5344CB8AC3E}">
-        <p14:creationId xmlns:p14="http://schemas.microsoft.com/office/powerpoint/2010/main" val="2025502995"/>
+        <p14:creationId xmlns:p14="http://schemas.microsoft.com/office/powerpoint/2010/main" val="2840789022"/>
+      </p:ext>
+    </p:extLst>
+  </p:cSld>
+  <p:clrMapOvr>
+    <a:masterClrMapping/>
+  </p:clrMapOvr>
+</p:notes>
+</file>
+
+<file path=ppt/notesSlides/notesSlide10.xml><?xml version="1.0" encoding="utf-8"?>
+<p:notes xmlns:a="http://schemas.openxmlformats.org/drawingml/2006/main" xmlns:r="http://schemas.openxmlformats.org/officeDocument/2006/relationships" xmlns:p="http://schemas.openxmlformats.org/presentationml/2006/main">
+  <p:cSld>
+    <p:spTree>
+      <p:nvGrpSpPr>
+        <p:cNvPr id="1" name=""/>
+        <p:cNvGrpSpPr/>
+        <p:nvPr/>
+      </p:nvGrpSpPr>
+      <p:grpSpPr>
+        <a:xfrm>
+          <a:off x="0" y="0"/>
+          <a:ext cx="0" cy="0"/>
+          <a:chOff x="0" y="0"/>
+          <a:chExt cx="0" cy="0"/>
+        </a:xfrm>
+      </p:grpSpPr>
+      <p:sp>
+        <p:nvSpPr>
+          <p:cNvPr id="2" name="Slide Image Placeholder 1"/>
+          <p:cNvSpPr>
+            <a:spLocks noGrp="1" noRot="1" noChangeAspect="1"/>
+          </p:cNvSpPr>
+          <p:nvPr>
+            <p:ph type="sldImg"/>
+          </p:nvPr>
+        </p:nvSpPr>
+        <p:spPr/>
+      </p:sp>
+      <p:sp>
+        <p:nvSpPr>
+          <p:cNvPr id="3" name="Notes Placeholder 2"/>
+          <p:cNvSpPr>
+            <a:spLocks noGrp="1"/>
+          </p:cNvSpPr>
+          <p:nvPr>
+            <p:ph type="body" idx="1"/>
+          </p:nvPr>
+        </p:nvSpPr>
+        <p:spPr/>
+        <p:txBody>
+          <a:bodyPr/>
+          <a:lstStyle/>
+          <a:p>
+            <a:endParaRPr lang="en-GB" dirty="0"/>
+          </a:p>
+        </p:txBody>
+      </p:sp>
+      <p:sp>
+        <p:nvSpPr>
+          <p:cNvPr id="4" name="Slide Number Placeholder 3"/>
+          <p:cNvSpPr>
+            <a:spLocks noGrp="1"/>
+          </p:cNvSpPr>
+          <p:nvPr>
+            <p:ph type="sldNum" sz="quarter" idx="5"/>
+          </p:nvPr>
+        </p:nvSpPr>
+        <p:spPr/>
+        <p:txBody>
+          <a:bodyPr/>
+          <a:lstStyle/>
+          <a:p>
+            <a:fld id="{CCB04583-82FC-EB4C-9DD9-0626DE3C6BC2}" type="slidenum">
+              <a:rPr lang="en-GB" smtClean="0"/>
+              <a:t>12</a:t>
+            </a:fld>
+            <a:endParaRPr lang="en-GB"/>
+          </a:p>
+        </p:txBody>
+      </p:sp>
+    </p:spTree>
+    <p:extLst>
+      <p:ext uri="{BB962C8B-B14F-4D97-AF65-F5344CB8AC3E}">
+        <p14:creationId xmlns:p14="http://schemas.microsoft.com/office/powerpoint/2010/main" val="750833953"/>
+      </p:ext>
+    </p:extLst>
+  </p:cSld>
+  <p:clrMapOvr>
+    <a:masterClrMapping/>
+  </p:clrMapOvr>
+</p:notes>
+</file>
+
+<file path=ppt/notesSlides/notesSlide11.xml><?xml version="1.0" encoding="utf-8"?>
+<p:notes xmlns:a="http://schemas.openxmlformats.org/drawingml/2006/main" xmlns:r="http://schemas.openxmlformats.org/officeDocument/2006/relationships" xmlns:p="http://schemas.openxmlformats.org/presentationml/2006/main">
+  <p:cSld>
+    <p:spTree>
+      <p:nvGrpSpPr>
+        <p:cNvPr id="1" name=""/>
+        <p:cNvGrpSpPr/>
+        <p:nvPr/>
+      </p:nvGrpSpPr>
+      <p:grpSpPr>
+        <a:xfrm>
+          <a:off x="0" y="0"/>
+          <a:ext cx="0" cy="0"/>
+          <a:chOff x="0" y="0"/>
+          <a:chExt cx="0" cy="0"/>
+        </a:xfrm>
+      </p:grpSpPr>
+      <p:sp>
+        <p:nvSpPr>
+          <p:cNvPr id="2" name="Slide Image Placeholder 1"/>
+          <p:cNvSpPr>
+            <a:spLocks noGrp="1" noRot="1" noChangeAspect="1"/>
+          </p:cNvSpPr>
+          <p:nvPr>
+            <p:ph type="sldImg"/>
+          </p:nvPr>
+        </p:nvSpPr>
+        <p:spPr/>
+      </p:sp>
+      <p:sp>
+        <p:nvSpPr>
+          <p:cNvPr id="3" name="Notes Placeholder 2"/>
+          <p:cNvSpPr>
+            <a:spLocks noGrp="1"/>
+          </p:cNvSpPr>
+          <p:nvPr>
+            <p:ph type="body" idx="1"/>
+          </p:nvPr>
+        </p:nvSpPr>
+        <p:spPr/>
+        <p:txBody>
+          <a:bodyPr/>
+          <a:lstStyle/>
+          <a:p>
+            <a:pPr marL="0" marR="0" lvl="0" indent="0" algn="l" defTabSz="914400" rtl="0" eaLnBrk="1" fontAlgn="auto" latinLnBrk="0" hangingPunct="1">
+              <a:lnSpc>
+                <a:spcPct val="100000"/>
+              </a:lnSpc>
+              <a:spcBef>
+                <a:spcPts val="0"/>
+              </a:spcBef>
+              <a:spcAft>
+                <a:spcPts val="0"/>
+              </a:spcAft>
+              <a:buClrTx/>
+              <a:buSzTx/>
+              <a:buFontTx/>
+              <a:buNone/>
+              <a:tabLst/>
+              <a:defRPr/>
+            </a:pPr>
+            <a:r>
+              <a:rPr lang="en-GB" b="0" i="0" dirty="0">
+                <a:solidFill>
+                  <a:srgbClr val="000000"/>
+                </a:solidFill>
+                <a:effectLst/>
+                <a:latin typeface="Open Sans" panose="020B0606030504020204" pitchFamily="34" charset="0"/>
+              </a:rPr>
+              <a:t>The distinction between data and metadata is not ontological, but it is grounded in use. What is “data” and what is “metadata” is thereby a matter of perspective: Some researchers’ metadata can be other researchers’ data.  </a:t>
+            </a:r>
+          </a:p>
+          <a:p>
+            <a:endParaRPr lang="en-GB" dirty="0"/>
+          </a:p>
+        </p:txBody>
+      </p:sp>
+      <p:sp>
+        <p:nvSpPr>
+          <p:cNvPr id="4" name="Slide Number Placeholder 3"/>
+          <p:cNvSpPr>
+            <a:spLocks noGrp="1"/>
+          </p:cNvSpPr>
+          <p:nvPr>
+            <p:ph type="sldNum" sz="quarter" idx="5"/>
+          </p:nvPr>
+        </p:nvSpPr>
+        <p:spPr/>
+        <p:txBody>
+          <a:bodyPr/>
+          <a:lstStyle/>
+          <a:p>
+            <a:fld id="{CCB04583-82FC-EB4C-9DD9-0626DE3C6BC2}" type="slidenum">
+              <a:rPr lang="en-GB" smtClean="0"/>
+              <a:t>13</a:t>
+            </a:fld>
+            <a:endParaRPr lang="en-GB"/>
+          </a:p>
+        </p:txBody>
+      </p:sp>
+    </p:spTree>
+    <p:extLst>
+      <p:ext uri="{BB962C8B-B14F-4D97-AF65-F5344CB8AC3E}">
+        <p14:creationId xmlns:p14="http://schemas.microsoft.com/office/powerpoint/2010/main" val="1629634170"/>
+      </p:ext>
+    </p:extLst>
+  </p:cSld>
+  <p:clrMapOvr>
+    <a:masterClrMapping/>
+  </p:clrMapOvr>
+</p:notes>
+</file>
+
+<file path=ppt/notesSlides/notesSlide12.xml><?xml version="1.0" encoding="utf-8"?>
+<p:notes xmlns:a="http://schemas.openxmlformats.org/drawingml/2006/main" xmlns:r="http://schemas.openxmlformats.org/officeDocument/2006/relationships" xmlns:p="http://schemas.openxmlformats.org/presentationml/2006/main">
+  <p:cSld>
+    <p:spTree>
+      <p:nvGrpSpPr>
+        <p:cNvPr id="1" name=""/>
+        <p:cNvGrpSpPr/>
+        <p:nvPr/>
+      </p:nvGrpSpPr>
+      <p:grpSpPr>
+        <a:xfrm>
+          <a:off x="0" y="0"/>
+          <a:ext cx="0" cy="0"/>
+          <a:chOff x="0" y="0"/>
+          <a:chExt cx="0" cy="0"/>
+        </a:xfrm>
+      </p:grpSpPr>
+      <p:sp>
+        <p:nvSpPr>
+          <p:cNvPr id="2" name="Slide Image Placeholder 1"/>
+          <p:cNvSpPr>
+            <a:spLocks noGrp="1" noRot="1" noChangeAspect="1"/>
+          </p:cNvSpPr>
+          <p:nvPr>
+            <p:ph type="sldImg"/>
+          </p:nvPr>
+        </p:nvSpPr>
+        <p:spPr/>
+      </p:sp>
+      <p:sp>
+        <p:nvSpPr>
+          <p:cNvPr id="3" name="Notes Placeholder 2"/>
+          <p:cNvSpPr>
+            <a:spLocks noGrp="1"/>
+          </p:cNvSpPr>
+          <p:nvPr>
+            <p:ph type="body" idx="1"/>
+          </p:nvPr>
+        </p:nvSpPr>
+        <p:spPr/>
+        <p:txBody>
+          <a:bodyPr/>
+          <a:lstStyle/>
+          <a:p>
+            <a:r>
+              <a:rPr lang="en-GB" sz="1200" b="0" i="0" kern="1200" dirty="0">
+                <a:solidFill>
+                  <a:schemeClr val="tx1"/>
+                </a:solidFill>
+                <a:effectLst/>
+                <a:latin typeface="+mn-lt"/>
+                <a:ea typeface="+mn-ea"/>
+                <a:cs typeface="+mn-cs"/>
+              </a:rPr>
+              <a:t>In groups, identify different types of metadata (administrative, descriptive, structural) present in this example.</a:t>
+            </a:r>
+            <a:endParaRPr lang="en-GB" dirty="0"/>
+          </a:p>
+        </p:txBody>
+      </p:sp>
+      <p:sp>
+        <p:nvSpPr>
+          <p:cNvPr id="4" name="Slide Number Placeholder 3"/>
+          <p:cNvSpPr>
+            <a:spLocks noGrp="1"/>
+          </p:cNvSpPr>
+          <p:nvPr>
+            <p:ph type="sldNum" sz="quarter" idx="5"/>
+          </p:nvPr>
+        </p:nvSpPr>
+        <p:spPr/>
+        <p:txBody>
+          <a:bodyPr/>
+          <a:lstStyle/>
+          <a:p>
+            <a:fld id="{CCB04583-82FC-EB4C-9DD9-0626DE3C6BC2}" type="slidenum">
+              <a:rPr lang="en-GB" smtClean="0"/>
+              <a:t>14</a:t>
+            </a:fld>
+            <a:endParaRPr lang="en-GB"/>
+          </a:p>
+        </p:txBody>
+      </p:sp>
+    </p:spTree>
+    <p:extLst>
+      <p:ext uri="{BB962C8B-B14F-4D97-AF65-F5344CB8AC3E}">
+        <p14:creationId xmlns:p14="http://schemas.microsoft.com/office/powerpoint/2010/main" val="688198813"/>
+      </p:ext>
+    </p:extLst>
+  </p:cSld>
+  <p:clrMapOvr>
+    <a:masterClrMapping/>
+  </p:clrMapOvr>
+</p:notes>
+</file>
+
+<file path=ppt/notesSlides/notesSlide13.xml><?xml version="1.0" encoding="utf-8"?>
+<p:notes xmlns:a="http://schemas.openxmlformats.org/drawingml/2006/main" xmlns:r="http://schemas.openxmlformats.org/officeDocument/2006/relationships" xmlns:p="http://schemas.openxmlformats.org/presentationml/2006/main">
+  <p:cSld>
+    <p:spTree>
+      <p:nvGrpSpPr>
+        <p:cNvPr id="1" name=""/>
+        <p:cNvGrpSpPr/>
+        <p:nvPr/>
+      </p:nvGrpSpPr>
+      <p:grpSpPr>
+        <a:xfrm>
+          <a:off x="0" y="0"/>
+          <a:ext cx="0" cy="0"/>
+          <a:chOff x="0" y="0"/>
+          <a:chExt cx="0" cy="0"/>
+        </a:xfrm>
+      </p:grpSpPr>
+      <p:sp>
+        <p:nvSpPr>
+          <p:cNvPr id="2" name="Slide Image Placeholder 1"/>
+          <p:cNvSpPr>
+            <a:spLocks noGrp="1" noRot="1" noChangeAspect="1"/>
+          </p:cNvSpPr>
+          <p:nvPr>
+            <p:ph type="sldImg"/>
+          </p:nvPr>
+        </p:nvSpPr>
+        <p:spPr/>
+      </p:sp>
+      <p:sp>
+        <p:nvSpPr>
+          <p:cNvPr id="3" name="Notes Placeholder 2"/>
+          <p:cNvSpPr>
+            <a:spLocks noGrp="1"/>
+          </p:cNvSpPr>
+          <p:nvPr>
+            <p:ph type="body" idx="1"/>
+          </p:nvPr>
+        </p:nvSpPr>
+        <p:spPr/>
+        <p:txBody>
+          <a:bodyPr/>
+          <a:lstStyle/>
+          <a:p>
+            <a:pPr algn="l"/>
+            <a:r>
+              <a:rPr lang="en-GB" b="0" i="0" dirty="0">
+                <a:solidFill>
+                  <a:srgbClr val="333333"/>
+                </a:solidFill>
+                <a:effectLst/>
+                <a:latin typeface="Ubuntu"/>
+              </a:rPr>
+              <a:t>As we saw metadata can take many forms from as simple as including a ReadMe.txt file, by embedding them inside the Excel files, to using domain specific metadata standards and formats.</a:t>
+            </a:r>
+          </a:p>
+          <a:p>
+            <a:pPr algn="l"/>
+            <a:r>
+              <a:rPr lang="en-GB" b="0" i="0" dirty="0">
+                <a:solidFill>
+                  <a:srgbClr val="333333"/>
+                </a:solidFill>
+                <a:effectLst/>
+                <a:latin typeface="Ubuntu"/>
+              </a:rPr>
+              <a:t>But,</a:t>
+            </a:r>
+          </a:p>
+          <a:p>
+            <a:pPr algn="l">
+              <a:buFont typeface="Arial" panose="020B0604020202020204" pitchFamily="34" charset="0"/>
+              <a:buChar char="•"/>
+            </a:pPr>
+            <a:r>
+              <a:rPr lang="en-GB" b="1" i="0" dirty="0">
+                <a:solidFill>
+                  <a:srgbClr val="333333"/>
+                </a:solidFill>
+                <a:effectLst/>
+                <a:latin typeface="Ubuntu"/>
+              </a:rPr>
+              <a:t>What should be included in metadata?</a:t>
+            </a:r>
+            <a:endParaRPr lang="en-GB" b="0" i="0" dirty="0">
+              <a:solidFill>
+                <a:srgbClr val="333333"/>
+              </a:solidFill>
+              <a:effectLst/>
+              <a:latin typeface="Ubuntu"/>
+            </a:endParaRPr>
+          </a:p>
+          <a:p>
+            <a:pPr algn="l">
+              <a:buFont typeface="Arial" panose="020B0604020202020204" pitchFamily="34" charset="0"/>
+              <a:buChar char="•"/>
+            </a:pPr>
+            <a:r>
+              <a:rPr lang="en-GB" b="1" i="0" dirty="0">
+                <a:solidFill>
+                  <a:srgbClr val="333333"/>
+                </a:solidFill>
+                <a:effectLst/>
+                <a:latin typeface="Ubuntu"/>
+              </a:rPr>
+              <a:t>What terms should be used in descriptions?</a:t>
+            </a:r>
+            <a:endParaRPr lang="en-GB" b="0" i="0" dirty="0">
+              <a:solidFill>
+                <a:srgbClr val="333333"/>
+              </a:solidFill>
+              <a:effectLst/>
+              <a:latin typeface="Ubuntu"/>
+            </a:endParaRPr>
+          </a:p>
+          <a:p>
+            <a:pPr algn="l"/>
+            <a:r>
+              <a:rPr lang="en-GB" b="0" i="0" dirty="0">
+                <a:solidFill>
+                  <a:srgbClr val="333333"/>
+                </a:solidFill>
+                <a:effectLst/>
+                <a:latin typeface="Ubuntu"/>
+              </a:rPr>
+              <a:t>For many assay methods and experiment types, there are defined recommendations and guidelines called </a:t>
+            </a:r>
+            <a:r>
+              <a:rPr lang="en-GB" b="1" i="0" dirty="0">
+                <a:solidFill>
+                  <a:srgbClr val="333333"/>
+                </a:solidFill>
+                <a:effectLst/>
+                <a:latin typeface="Ubuntu"/>
+              </a:rPr>
+              <a:t>Minimal Information Standards</a:t>
+            </a:r>
+            <a:r>
+              <a:rPr lang="en-GB" b="0" i="0" dirty="0">
+                <a:solidFill>
+                  <a:srgbClr val="333333"/>
+                </a:solidFill>
+                <a:effectLst/>
+                <a:latin typeface="Ubuntu"/>
+              </a:rPr>
+              <a:t>.</a:t>
+            </a:r>
+          </a:p>
+          <a:p>
+            <a:endParaRPr lang="en-GB" sz="1200" b="0" i="0" kern="1200" dirty="0">
+              <a:solidFill>
+                <a:schemeClr val="tx1"/>
+              </a:solidFill>
+              <a:effectLst/>
+              <a:latin typeface="+mn-lt"/>
+              <a:ea typeface="+mn-ea"/>
+              <a:cs typeface="+mn-cs"/>
+            </a:endParaRPr>
+          </a:p>
+        </p:txBody>
+      </p:sp>
+      <p:sp>
+        <p:nvSpPr>
+          <p:cNvPr id="4" name="Slide Number Placeholder 3"/>
+          <p:cNvSpPr>
+            <a:spLocks noGrp="1"/>
+          </p:cNvSpPr>
+          <p:nvPr>
+            <p:ph type="sldNum" sz="quarter" idx="5"/>
+          </p:nvPr>
+        </p:nvSpPr>
+        <p:spPr/>
+        <p:txBody>
+          <a:bodyPr/>
+          <a:lstStyle/>
+          <a:p>
+            <a:fld id="{CCB04583-82FC-EB4C-9DD9-0626DE3C6BC2}" type="slidenum">
+              <a:rPr lang="en-GB" smtClean="0"/>
+              <a:t>15</a:t>
+            </a:fld>
+            <a:endParaRPr lang="en-GB"/>
+          </a:p>
+        </p:txBody>
+      </p:sp>
+    </p:spTree>
+    <p:extLst>
+      <p:ext uri="{BB962C8B-B14F-4D97-AF65-F5344CB8AC3E}">
+        <p14:creationId xmlns:p14="http://schemas.microsoft.com/office/powerpoint/2010/main" val="1320972641"/>
+      </p:ext>
+    </p:extLst>
+  </p:cSld>
+  <p:clrMapOvr>
+    <a:masterClrMapping/>
+  </p:clrMapOvr>
+</p:notes>
+</file>
+
+<file path=ppt/notesSlides/notesSlide14.xml><?xml version="1.0" encoding="utf-8"?>
+<p:notes xmlns:a="http://schemas.openxmlformats.org/drawingml/2006/main" xmlns:r="http://schemas.openxmlformats.org/officeDocument/2006/relationships" xmlns:p="http://schemas.openxmlformats.org/presentationml/2006/main">
+  <p:cSld>
+    <p:spTree>
+      <p:nvGrpSpPr>
+        <p:cNvPr id="1" name=""/>
+        <p:cNvGrpSpPr/>
+        <p:nvPr/>
+      </p:nvGrpSpPr>
+      <p:grpSpPr>
+        <a:xfrm>
+          <a:off x="0" y="0"/>
+          <a:ext cx="0" cy="0"/>
+          <a:chOff x="0" y="0"/>
+          <a:chExt cx="0" cy="0"/>
+        </a:xfrm>
+      </p:grpSpPr>
+      <p:sp>
+        <p:nvSpPr>
+          <p:cNvPr id="2" name="Slide Image Placeholder 1"/>
+          <p:cNvSpPr>
+            <a:spLocks noGrp="1" noRot="1" noChangeAspect="1"/>
+          </p:cNvSpPr>
+          <p:nvPr>
+            <p:ph type="sldImg"/>
+          </p:nvPr>
+        </p:nvSpPr>
+        <p:spPr/>
+      </p:sp>
+      <p:sp>
+        <p:nvSpPr>
+          <p:cNvPr id="3" name="Notes Placeholder 2"/>
+          <p:cNvSpPr>
+            <a:spLocks noGrp="1"/>
+          </p:cNvSpPr>
+          <p:nvPr>
+            <p:ph type="body" idx="1"/>
+          </p:nvPr>
+        </p:nvSpPr>
+        <p:spPr/>
+        <p:txBody>
+          <a:bodyPr/>
+          <a:lstStyle/>
+          <a:p>
+            <a:r>
+              <a:rPr lang="en-GB" b="0" i="0" dirty="0">
+                <a:solidFill>
+                  <a:srgbClr val="333333"/>
+                </a:solidFill>
+                <a:effectLst/>
+                <a:latin typeface="Ubuntu"/>
+              </a:rPr>
+              <a:t>The minimum information standard is a set of guidelines for reporting data derived by relevant methods in biosciences. If followed, it ensures that the data can be easily verified, analysed and clearly interpreted by the wider scientific community. Keeping with these recommendations also facilitates the foundation of structuralized databases, public repositories and development of data analysis tools. Individual minimum information standards are brought by the communities of cross-disciplinary specialists focused on issues of the specific method used in experimental biology.</a:t>
+            </a:r>
+          </a:p>
+          <a:p>
+            <a:endParaRPr lang="en-GB" b="0" i="0" dirty="0">
+              <a:solidFill>
+                <a:srgbClr val="333333"/>
+              </a:solidFill>
+              <a:effectLst/>
+              <a:latin typeface="Ubuntu"/>
+            </a:endParaRPr>
+          </a:p>
+          <a:p>
+            <a:pPr algn="l"/>
+            <a:r>
+              <a:rPr lang="en-GB" b="0" i="0" dirty="0">
+                <a:solidFill>
+                  <a:srgbClr val="333333"/>
+                </a:solidFill>
+                <a:effectLst/>
+                <a:latin typeface="Ubuntu"/>
+              </a:rPr>
+              <a:t>Minimum Information for Biological and Biomedical Investigations </a:t>
+            </a:r>
+            <a:r>
+              <a:rPr lang="en-GB" b="0" i="0" u="none" strike="noStrike" dirty="0">
+                <a:solidFill>
+                  <a:srgbClr val="196EBD"/>
+                </a:solidFill>
+                <a:effectLst/>
+                <a:latin typeface="Ubuntu"/>
+                <a:hlinkClick r:id="rId3"/>
+              </a:rPr>
+              <a:t>(MIBBI)</a:t>
+            </a:r>
+            <a:r>
+              <a:rPr lang="en-GB" b="0" i="0" dirty="0">
+                <a:solidFill>
+                  <a:srgbClr val="333333"/>
+                </a:solidFill>
+                <a:effectLst/>
+                <a:latin typeface="Ubuntu"/>
+              </a:rPr>
+              <a:t> is the collection of the most known standards.</a:t>
+            </a:r>
+          </a:p>
+          <a:p>
+            <a:pPr algn="l"/>
+            <a:endParaRPr lang="en-GB" b="0" i="0" u="none" strike="noStrike" dirty="0">
+              <a:solidFill>
+                <a:srgbClr val="196EBD"/>
+              </a:solidFill>
+              <a:effectLst/>
+              <a:latin typeface="Ubuntu"/>
+              <a:hlinkClick r:id="rId4"/>
+            </a:endParaRPr>
+          </a:p>
+          <a:p>
+            <a:pPr algn="l"/>
+            <a:r>
+              <a:rPr lang="en-GB" b="0" i="0" u="none" strike="noStrike" dirty="0" err="1">
+                <a:solidFill>
+                  <a:srgbClr val="196EBD"/>
+                </a:solidFill>
+                <a:effectLst/>
+                <a:latin typeface="Ubuntu"/>
+                <a:hlinkClick r:id="rId4"/>
+              </a:rPr>
+              <a:t>FAIRSharing</a:t>
+            </a:r>
+            <a:r>
+              <a:rPr lang="en-GB" b="0" i="0" dirty="0">
+                <a:solidFill>
+                  <a:srgbClr val="333333"/>
+                </a:solidFill>
+                <a:effectLst/>
+                <a:latin typeface="Ubuntu"/>
+              </a:rPr>
+              <a:t> offers excellent search service for finding standards</a:t>
+            </a:r>
+          </a:p>
+          <a:p>
+            <a:endParaRPr lang="en-GB" dirty="0"/>
+          </a:p>
+        </p:txBody>
+      </p:sp>
+      <p:sp>
+        <p:nvSpPr>
+          <p:cNvPr id="4" name="Slide Number Placeholder 3"/>
+          <p:cNvSpPr>
+            <a:spLocks noGrp="1"/>
+          </p:cNvSpPr>
+          <p:nvPr>
+            <p:ph type="sldNum" sz="quarter" idx="5"/>
+          </p:nvPr>
+        </p:nvSpPr>
+        <p:spPr/>
+        <p:txBody>
+          <a:bodyPr/>
+          <a:lstStyle/>
+          <a:p>
+            <a:fld id="{CCB04583-82FC-EB4C-9DD9-0626DE3C6BC2}" type="slidenum">
+              <a:rPr lang="en-GB" smtClean="0"/>
+              <a:t>16</a:t>
+            </a:fld>
+            <a:endParaRPr lang="en-GB"/>
+          </a:p>
+        </p:txBody>
+      </p:sp>
+    </p:spTree>
+    <p:extLst>
+      <p:ext uri="{BB962C8B-B14F-4D97-AF65-F5344CB8AC3E}">
+        <p14:creationId xmlns:p14="http://schemas.microsoft.com/office/powerpoint/2010/main" val="616882971"/>
+      </p:ext>
+    </p:extLst>
+  </p:cSld>
+  <p:clrMapOvr>
+    <a:masterClrMapping/>
+  </p:clrMapOvr>
+</p:notes>
+</file>
+
+<file path=ppt/notesSlides/notesSlide15.xml><?xml version="1.0" encoding="utf-8"?>
+<p:notes xmlns:a="http://schemas.openxmlformats.org/drawingml/2006/main" xmlns:r="http://schemas.openxmlformats.org/officeDocument/2006/relationships" xmlns:p="http://schemas.openxmlformats.org/presentationml/2006/main">
+  <p:cSld>
+    <p:spTree>
+      <p:nvGrpSpPr>
+        <p:cNvPr id="1" name=""/>
+        <p:cNvGrpSpPr/>
+        <p:nvPr/>
+      </p:nvGrpSpPr>
+      <p:grpSpPr>
+        <a:xfrm>
+          <a:off x="0" y="0"/>
+          <a:ext cx="0" cy="0"/>
+          <a:chOff x="0" y="0"/>
+          <a:chExt cx="0" cy="0"/>
+        </a:xfrm>
+      </p:grpSpPr>
+      <p:sp>
+        <p:nvSpPr>
+          <p:cNvPr id="2" name="Slide Image Placeholder 1"/>
+          <p:cNvSpPr>
+            <a:spLocks noGrp="1" noRot="1" noChangeAspect="1"/>
+          </p:cNvSpPr>
+          <p:nvPr>
+            <p:ph type="sldImg"/>
+          </p:nvPr>
+        </p:nvSpPr>
+        <p:spPr/>
+      </p:sp>
+      <p:sp>
+        <p:nvSpPr>
+          <p:cNvPr id="3" name="Notes Placeholder 2"/>
+          <p:cNvSpPr>
+            <a:spLocks noGrp="1"/>
+          </p:cNvSpPr>
+          <p:nvPr>
+            <p:ph type="body" idx="1"/>
+          </p:nvPr>
+        </p:nvSpPr>
+        <p:spPr/>
+        <p:txBody>
+          <a:bodyPr/>
+          <a:lstStyle/>
+          <a:p>
+            <a:pPr algn="l"/>
+            <a:r>
+              <a:rPr lang="en-GB" b="0" i="0" dirty="0">
+                <a:solidFill>
+                  <a:srgbClr val="333333"/>
+                </a:solidFill>
+                <a:effectLst/>
+                <a:latin typeface="Ubuntu"/>
+              </a:rPr>
+              <a:t>Scroll to </a:t>
+            </a:r>
+            <a:r>
+              <a:rPr lang="en-GB" b="0" i="1" dirty="0">
+                <a:solidFill>
+                  <a:srgbClr val="333333"/>
+                </a:solidFill>
+                <a:effectLst/>
+                <a:latin typeface="Ubuntu"/>
+              </a:rPr>
+              <a:t>Reporting requirement</a:t>
+            </a:r>
+            <a:r>
+              <a:rPr lang="en-GB" b="0" i="0" dirty="0">
+                <a:solidFill>
+                  <a:srgbClr val="333333"/>
+                </a:solidFill>
+                <a:effectLst/>
+                <a:latin typeface="Ubuntu"/>
+              </a:rPr>
+              <a:t> and decide which of the points 1-8 are:</a:t>
+            </a:r>
+          </a:p>
+          <a:p>
+            <a:pPr algn="l">
+              <a:buFont typeface="Arial" panose="020B0604020202020204" pitchFamily="34" charset="0"/>
+              <a:buChar char="•"/>
+            </a:pPr>
+            <a:r>
+              <a:rPr lang="en-GB" b="0" i="0" dirty="0">
+                <a:solidFill>
+                  <a:srgbClr val="333333"/>
+                </a:solidFill>
+                <a:effectLst/>
+                <a:latin typeface="Ubuntu"/>
+              </a:rPr>
+              <a:t>a) important for understanding and reuse of data</a:t>
+            </a:r>
+          </a:p>
+          <a:p>
+            <a:pPr lvl="1" algn="l">
+              <a:buFont typeface="Arial" panose="020B0604020202020204" pitchFamily="34" charset="0"/>
+              <a:buChar char="•"/>
+            </a:pPr>
+            <a:r>
+              <a:rPr lang="pt-BR" b="0" i="0" dirty="0">
+                <a:solidFill>
+                  <a:srgbClr val="333333"/>
+                </a:solidFill>
+                <a:effectLst/>
+                <a:latin typeface="Ubuntu"/>
+              </a:rPr>
+              <a:t>2, 3, 4, 5, 6, 8</a:t>
+            </a:r>
+            <a:endParaRPr lang="en-GB" b="0" i="0" dirty="0">
+              <a:solidFill>
+                <a:srgbClr val="333333"/>
+              </a:solidFill>
+              <a:effectLst/>
+              <a:latin typeface="Ubuntu"/>
+            </a:endParaRPr>
+          </a:p>
+          <a:p>
+            <a:pPr algn="l">
+              <a:buFont typeface="Arial" panose="020B0604020202020204" pitchFamily="34" charset="0"/>
+              <a:buChar char="•"/>
+            </a:pPr>
+            <a:r>
+              <a:rPr lang="en-GB" b="0" i="0" dirty="0">
+                <a:solidFill>
+                  <a:srgbClr val="333333"/>
+                </a:solidFill>
+                <a:effectLst/>
+                <a:latin typeface="Ubuntu"/>
+              </a:rPr>
+              <a:t>b) important for technical replication</a:t>
+            </a:r>
+          </a:p>
+          <a:p>
+            <a:pPr lvl="1" algn="l">
+              <a:buFont typeface="Arial" panose="020B0604020202020204" pitchFamily="34" charset="0"/>
+              <a:buChar char="•"/>
+            </a:pPr>
+            <a:r>
+              <a:rPr lang="en-GB" b="0" i="0" dirty="0">
+                <a:solidFill>
+                  <a:srgbClr val="333333"/>
+                </a:solidFill>
+                <a:effectLst/>
+                <a:latin typeface="Ubuntu"/>
+              </a:rPr>
+              <a:t>2, 3, 7</a:t>
+            </a:r>
+          </a:p>
+          <a:p>
+            <a:pPr algn="l">
+              <a:buFont typeface="Arial" panose="020B0604020202020204" pitchFamily="34" charset="0"/>
+              <a:buChar char="•"/>
+            </a:pPr>
+            <a:r>
+              <a:rPr lang="en-GB" b="0" i="0" dirty="0">
+                <a:solidFill>
+                  <a:srgbClr val="333333"/>
+                </a:solidFill>
+                <a:effectLst/>
+                <a:latin typeface="Ubuntu"/>
+              </a:rPr>
+              <a:t>c) could be applied to other experiments in neuroscience</a:t>
+            </a:r>
+          </a:p>
+          <a:p>
+            <a:pPr lvl="1" algn="l">
+              <a:buFont typeface="Arial" panose="020B0604020202020204" pitchFamily="34" charset="0"/>
+              <a:buChar char="•"/>
+            </a:pPr>
+            <a:r>
+              <a:rPr lang="en-GB" b="0" i="0" dirty="0">
+                <a:solidFill>
+                  <a:srgbClr val="333333"/>
+                </a:solidFill>
+                <a:effectLst/>
+                <a:latin typeface="Ubuntu"/>
+              </a:rPr>
+              <a:t>1, 2, 3, 4, 5, 6, 8</a:t>
+            </a:r>
+          </a:p>
+          <a:p>
+            <a:pPr lvl="0" algn="l">
+              <a:buFont typeface="Arial" panose="020B0604020202020204" pitchFamily="34" charset="0"/>
+              <a:buNone/>
+            </a:pPr>
+            <a:endParaRPr lang="en-GB" b="0" i="0" dirty="0">
+              <a:solidFill>
+                <a:srgbClr val="333333"/>
+              </a:solidFill>
+              <a:effectLst/>
+              <a:latin typeface="Ubuntu"/>
+            </a:endParaRPr>
+          </a:p>
+          <a:p>
+            <a:pPr lvl="0" algn="l">
+              <a:buFont typeface="Arial" panose="020B0604020202020204" pitchFamily="34" charset="0"/>
+              <a:buNone/>
+            </a:pPr>
+            <a:r>
+              <a:rPr lang="en-GB" b="0" i="0" dirty="0">
+                <a:solidFill>
+                  <a:srgbClr val="333333"/>
+                </a:solidFill>
+                <a:effectLst/>
+                <a:latin typeface="Ubuntu"/>
+              </a:rPr>
+              <a:t>Structural metadata!!!</a:t>
+            </a:r>
+          </a:p>
+          <a:p>
+            <a:endParaRPr lang="en-GB" dirty="0"/>
+          </a:p>
+        </p:txBody>
+      </p:sp>
+      <p:sp>
+        <p:nvSpPr>
+          <p:cNvPr id="4" name="Slide Number Placeholder 3"/>
+          <p:cNvSpPr>
+            <a:spLocks noGrp="1"/>
+          </p:cNvSpPr>
+          <p:nvPr>
+            <p:ph type="sldNum" sz="quarter" idx="5"/>
+          </p:nvPr>
+        </p:nvSpPr>
+        <p:spPr/>
+        <p:txBody>
+          <a:bodyPr/>
+          <a:lstStyle/>
+          <a:p>
+            <a:fld id="{CCB04583-82FC-EB4C-9DD9-0626DE3C6BC2}" type="slidenum">
+              <a:rPr lang="en-GB" smtClean="0"/>
+              <a:t>17</a:t>
+            </a:fld>
+            <a:endParaRPr lang="en-GB"/>
+          </a:p>
+        </p:txBody>
+      </p:sp>
+    </p:spTree>
+    <p:extLst>
+      <p:ext uri="{BB962C8B-B14F-4D97-AF65-F5344CB8AC3E}">
+        <p14:creationId xmlns:p14="http://schemas.microsoft.com/office/powerpoint/2010/main" val="2789846474"/>
+      </p:ext>
+    </p:extLst>
+  </p:cSld>
+  <p:clrMapOvr>
+    <a:masterClrMapping/>
+  </p:clrMapOvr>
+</p:notes>
+</file>
+
+<file path=ppt/notesSlides/notesSlide16.xml><?xml version="1.0" encoding="utf-8"?>
+<p:notes xmlns:a="http://schemas.openxmlformats.org/drawingml/2006/main" xmlns:r="http://schemas.openxmlformats.org/officeDocument/2006/relationships" xmlns:p="http://schemas.openxmlformats.org/presentationml/2006/main">
+  <p:cSld>
+    <p:spTree>
+      <p:nvGrpSpPr>
+        <p:cNvPr id="1" name=""/>
+        <p:cNvGrpSpPr/>
+        <p:nvPr/>
+      </p:nvGrpSpPr>
+      <p:grpSpPr>
+        <a:xfrm>
+          <a:off x="0" y="0"/>
+          <a:ext cx="0" cy="0"/>
+          <a:chOff x="0" y="0"/>
+          <a:chExt cx="0" cy="0"/>
+        </a:xfrm>
+      </p:grpSpPr>
+      <p:sp>
+        <p:nvSpPr>
+          <p:cNvPr id="2" name="Slide Image Placeholder 1"/>
+          <p:cNvSpPr>
+            <a:spLocks noGrp="1" noRot="1" noChangeAspect="1"/>
+          </p:cNvSpPr>
+          <p:nvPr>
+            <p:ph type="sldImg"/>
+          </p:nvPr>
+        </p:nvSpPr>
+        <p:spPr/>
+      </p:sp>
+      <p:sp>
+        <p:nvSpPr>
+          <p:cNvPr id="3" name="Notes Placeholder 2"/>
+          <p:cNvSpPr>
+            <a:spLocks noGrp="1"/>
+          </p:cNvSpPr>
+          <p:nvPr>
+            <p:ph type="body" idx="1"/>
+          </p:nvPr>
+        </p:nvSpPr>
+        <p:spPr/>
+        <p:txBody>
+          <a:bodyPr/>
+          <a:lstStyle/>
+          <a:p>
+            <a:r>
+              <a:rPr lang="en-GB" sz="1200" b="0" i="0" kern="1200" dirty="0">
+                <a:solidFill>
+                  <a:schemeClr val="tx1"/>
+                </a:solidFill>
+                <a:effectLst/>
+                <a:latin typeface="+mn-lt"/>
+                <a:ea typeface="+mn-ea"/>
+                <a:cs typeface="+mn-cs"/>
+              </a:rPr>
+              <a:t>What can you do if there are no metadata standards defined for your data / field of research?</a:t>
+            </a:r>
+          </a:p>
+          <a:p>
+            <a:r>
+              <a:rPr lang="en-GB" sz="1200" b="0" i="0" kern="1200" dirty="0">
+                <a:solidFill>
+                  <a:schemeClr val="tx1"/>
+                </a:solidFill>
+                <a:effectLst/>
+                <a:latin typeface="+mn-lt"/>
+                <a:ea typeface="+mn-ea"/>
+                <a:cs typeface="+mn-cs"/>
+              </a:rPr>
+              <a:t>Think about the minimum information that someone else (from your lab or from any other lab in the world) would need to know about your dataset to be able to work with it without any further inputs from you.</a:t>
+            </a:r>
+          </a:p>
+          <a:p>
+            <a:r>
+              <a:rPr lang="en-GB" sz="1200" b="1" i="0" kern="1200" dirty="0">
+                <a:solidFill>
+                  <a:schemeClr val="tx1"/>
+                </a:solidFill>
+                <a:effectLst/>
+                <a:latin typeface="+mn-lt"/>
+                <a:ea typeface="+mn-ea"/>
+                <a:cs typeface="+mn-cs"/>
+              </a:rPr>
+              <a:t>Think as a consumer</a:t>
+            </a:r>
+            <a:r>
+              <a:rPr lang="en-GB" sz="1200" b="0" i="0" kern="1200" dirty="0">
+                <a:solidFill>
+                  <a:schemeClr val="tx1"/>
+                </a:solidFill>
+                <a:effectLst/>
+                <a:latin typeface="+mn-lt"/>
+                <a:ea typeface="+mn-ea"/>
+                <a:cs typeface="+mn-cs"/>
+              </a:rPr>
+              <a:t> of your data not the producer!</a:t>
+            </a:r>
+          </a:p>
+          <a:p>
+            <a:endParaRPr lang="en-GB" dirty="0"/>
+          </a:p>
+        </p:txBody>
+      </p:sp>
+      <p:sp>
+        <p:nvSpPr>
+          <p:cNvPr id="4" name="Slide Number Placeholder 3"/>
+          <p:cNvSpPr>
+            <a:spLocks noGrp="1"/>
+          </p:cNvSpPr>
+          <p:nvPr>
+            <p:ph type="sldNum" sz="quarter" idx="5"/>
+          </p:nvPr>
+        </p:nvSpPr>
+        <p:spPr/>
+        <p:txBody>
+          <a:bodyPr/>
+          <a:lstStyle/>
+          <a:p>
+            <a:fld id="{CCB04583-82FC-EB4C-9DD9-0626DE3C6BC2}" type="slidenum">
+              <a:rPr lang="en-GB" smtClean="0"/>
+              <a:t>18</a:t>
+            </a:fld>
+            <a:endParaRPr lang="en-GB"/>
+          </a:p>
+        </p:txBody>
+      </p:sp>
+    </p:spTree>
+    <p:extLst>
+      <p:ext uri="{BB962C8B-B14F-4D97-AF65-F5344CB8AC3E}">
+        <p14:creationId xmlns:p14="http://schemas.microsoft.com/office/powerpoint/2010/main" val="3141681582"/>
+      </p:ext>
+    </p:extLst>
+  </p:cSld>
+  <p:clrMapOvr>
+    <a:masterClrMapping/>
+  </p:clrMapOvr>
+</p:notes>
+</file>
+
+<file path=ppt/notesSlides/notesSlide17.xml><?xml version="1.0" encoding="utf-8"?>
+<p:notes xmlns:a="http://schemas.openxmlformats.org/drawingml/2006/main" xmlns:r="http://schemas.openxmlformats.org/officeDocument/2006/relationships" xmlns:p="http://schemas.openxmlformats.org/presentationml/2006/main">
+  <p:cSld>
+    <p:spTree>
+      <p:nvGrpSpPr>
+        <p:cNvPr id="1" name=""/>
+        <p:cNvGrpSpPr/>
+        <p:nvPr/>
+      </p:nvGrpSpPr>
+      <p:grpSpPr>
+        <a:xfrm>
+          <a:off x="0" y="0"/>
+          <a:ext cx="0" cy="0"/>
+          <a:chOff x="0" y="0"/>
+          <a:chExt cx="0" cy="0"/>
+        </a:xfrm>
+      </p:grpSpPr>
+      <p:sp>
+        <p:nvSpPr>
+          <p:cNvPr id="2" name="Slide Image Placeholder 1"/>
+          <p:cNvSpPr>
+            <a:spLocks noGrp="1" noRot="1" noChangeAspect="1"/>
+          </p:cNvSpPr>
+          <p:nvPr>
+            <p:ph type="sldImg"/>
+          </p:nvPr>
+        </p:nvSpPr>
+        <p:spPr/>
+      </p:sp>
+      <p:sp>
+        <p:nvSpPr>
+          <p:cNvPr id="3" name="Notes Placeholder 2"/>
+          <p:cNvSpPr>
+            <a:spLocks noGrp="1"/>
+          </p:cNvSpPr>
+          <p:nvPr>
+            <p:ph type="body" idx="1"/>
+          </p:nvPr>
+        </p:nvSpPr>
+        <p:spPr/>
+        <p:txBody>
+          <a:bodyPr/>
+          <a:lstStyle/>
+          <a:p>
+            <a:pPr algn="l"/>
+            <a:r>
+              <a:rPr lang="en-GB" b="0" i="0" dirty="0">
+                <a:solidFill>
+                  <a:srgbClr val="333333"/>
+                </a:solidFill>
+                <a:effectLst/>
+                <a:latin typeface="Ubuntu"/>
+              </a:rPr>
+              <a:t>Some typical elements are:</a:t>
+            </a:r>
+          </a:p>
+          <a:p>
+            <a:pPr algn="l">
+              <a:buFont typeface="Arial" panose="020B0604020202020204" pitchFamily="34" charset="0"/>
+              <a:buChar char="•"/>
+            </a:pPr>
+            <a:r>
+              <a:rPr lang="en-GB" b="0" i="0" dirty="0">
+                <a:solidFill>
+                  <a:srgbClr val="333333"/>
+                </a:solidFill>
+                <a:effectLst/>
+                <a:latin typeface="Ubuntu"/>
+              </a:rPr>
+              <a:t>biological material, e.g. Species, Genotypes, Tissue type, Age, Health conditions</a:t>
+            </a:r>
+          </a:p>
+          <a:p>
+            <a:pPr algn="l">
+              <a:buFont typeface="Arial" panose="020B0604020202020204" pitchFamily="34" charset="0"/>
+              <a:buChar char="•"/>
+            </a:pPr>
+            <a:r>
+              <a:rPr lang="en-GB" b="0" i="0" dirty="0">
+                <a:solidFill>
+                  <a:srgbClr val="333333"/>
+                </a:solidFill>
+                <a:effectLst/>
+                <a:latin typeface="Ubuntu"/>
+              </a:rPr>
+              <a:t>biological context, e.g. </a:t>
+            </a:r>
+            <a:r>
+              <a:rPr lang="en-GB" b="0" i="0" dirty="0" err="1">
+                <a:solidFill>
+                  <a:srgbClr val="333333"/>
+                </a:solidFill>
+                <a:effectLst/>
+                <a:latin typeface="Ubuntu"/>
+              </a:rPr>
+              <a:t>speciment</a:t>
+            </a:r>
+            <a:r>
+              <a:rPr lang="en-GB" b="0" i="0" dirty="0">
+                <a:solidFill>
+                  <a:srgbClr val="333333"/>
+                </a:solidFill>
+                <a:effectLst/>
+                <a:latin typeface="Ubuntu"/>
+              </a:rPr>
+              <a:t> growth, entrainment, samples preparation</a:t>
+            </a:r>
+          </a:p>
+          <a:p>
+            <a:pPr algn="l">
+              <a:buFont typeface="Arial" panose="020B0604020202020204" pitchFamily="34" charset="0"/>
+              <a:buChar char="•"/>
+            </a:pPr>
+            <a:r>
+              <a:rPr lang="en-GB" b="0" i="0" dirty="0">
+                <a:solidFill>
+                  <a:srgbClr val="333333"/>
+                </a:solidFill>
+                <a:effectLst/>
+                <a:latin typeface="Ubuntu"/>
+              </a:rPr>
+              <a:t>experimental factors and conditions, e.g. drug treatments, stress factors</a:t>
+            </a:r>
+          </a:p>
+          <a:p>
+            <a:pPr algn="l">
+              <a:buFont typeface="Arial" panose="020B0604020202020204" pitchFamily="34" charset="0"/>
+              <a:buChar char="•"/>
+            </a:pPr>
+            <a:r>
+              <a:rPr lang="en-GB" b="0" i="0" dirty="0">
+                <a:solidFill>
+                  <a:srgbClr val="333333"/>
+                </a:solidFill>
+                <a:effectLst/>
+                <a:latin typeface="Ubuntu"/>
+              </a:rPr>
+              <a:t>specifics of data acquisition</a:t>
+            </a:r>
+          </a:p>
+          <a:p>
+            <a:pPr algn="l">
+              <a:buFont typeface="Arial" panose="020B0604020202020204" pitchFamily="34" charset="0"/>
+              <a:buChar char="•"/>
+            </a:pPr>
+            <a:r>
+              <a:rPr lang="en-GB" b="0" i="0" dirty="0">
+                <a:solidFill>
+                  <a:srgbClr val="333333"/>
+                </a:solidFill>
+                <a:effectLst/>
+                <a:latin typeface="Ubuntu"/>
+              </a:rPr>
+              <a:t>specifics of data processing and analysis</a:t>
+            </a:r>
+          </a:p>
+          <a:p>
+            <a:endParaRPr lang="en-GB" dirty="0"/>
+          </a:p>
+        </p:txBody>
+      </p:sp>
+      <p:sp>
+        <p:nvSpPr>
+          <p:cNvPr id="4" name="Slide Number Placeholder 3"/>
+          <p:cNvSpPr>
+            <a:spLocks noGrp="1"/>
+          </p:cNvSpPr>
+          <p:nvPr>
+            <p:ph type="sldNum" sz="quarter" idx="5"/>
+          </p:nvPr>
+        </p:nvSpPr>
+        <p:spPr/>
+        <p:txBody>
+          <a:bodyPr/>
+          <a:lstStyle/>
+          <a:p>
+            <a:fld id="{CCB04583-82FC-EB4C-9DD9-0626DE3C6BC2}" type="slidenum">
+              <a:rPr lang="en-GB" smtClean="0"/>
+              <a:t>19</a:t>
+            </a:fld>
+            <a:endParaRPr lang="en-GB"/>
+          </a:p>
+        </p:txBody>
+      </p:sp>
+    </p:spTree>
+    <p:extLst>
+      <p:ext uri="{BB962C8B-B14F-4D97-AF65-F5344CB8AC3E}">
+        <p14:creationId xmlns:p14="http://schemas.microsoft.com/office/powerpoint/2010/main" val="2267482270"/>
       </p:ext>
     </p:extLst>
   </p:cSld>
@@ -3898,7 +4878,7 @@
           <a:p>
             <a:fld id="{CCB04583-82FC-EB4C-9DD9-0626DE3C6BC2}" type="slidenum">
               <a:rPr lang="en-GB" smtClean="0"/>
-              <a:t>4</a:t>
+              <a:t>3</a:t>
             </a:fld>
             <a:endParaRPr lang="en-GB"/>
           </a:p>
@@ -3907,7 +4887,7 @@
     </p:spTree>
     <p:extLst>
       <p:ext uri="{BB962C8B-B14F-4D97-AF65-F5344CB8AC3E}">
-        <p14:creationId xmlns:p14="http://schemas.microsoft.com/office/powerpoint/2010/main" val="2888819149"/>
+        <p14:creationId xmlns:p14="http://schemas.microsoft.com/office/powerpoint/2010/main" val="2025502995"/>
       </p:ext>
     </p:extLst>
   </p:cSld>
@@ -3962,7 +4942,7 @@
           <a:lstStyle/>
           <a:p>
             <a:r>
-              <a:rPr lang="en-GB" sz="1200" b="0" i="0" kern="1200" dirty="0">
+              <a:rPr lang="en-GB" sz="1200" b="1" i="0" kern="1200" dirty="0">
                 <a:solidFill>
                   <a:schemeClr val="tx1"/>
                 </a:solidFill>
@@ -3971,8 +4951,315 @@
                 <a:ea typeface="+mn-ea"/>
                 <a:cs typeface="+mn-cs"/>
               </a:rPr>
-              <a:t>In groups, identify different types of metadata (administrative, descriptive, structural) present in this example.</a:t>
-            </a:r>
+              <a:t>Image metadata</a:t>
+            </a:r>
+          </a:p>
+          <a:p>
+            <a:r>
+              <a:rPr lang="en-GB" sz="1200" b="0" i="0" kern="1200" dirty="0">
+                <a:solidFill>
+                  <a:schemeClr val="tx1"/>
+                </a:solidFill>
+                <a:effectLst/>
+                <a:latin typeface="+mn-lt"/>
+                <a:ea typeface="+mn-ea"/>
+                <a:cs typeface="+mn-cs"/>
+              </a:rPr>
+              <a:t>Name: OP50 D10Ad_06.czi Image ID: 3485 Owner: Maria Eugenia Goya ORCID: 0000-0002-5031-2470</a:t>
+            </a:r>
+          </a:p>
+          <a:p>
+            <a:r>
+              <a:rPr lang="en-GB" sz="1200" b="0" i="0" kern="1200" dirty="0">
+                <a:solidFill>
+                  <a:schemeClr val="tx1"/>
+                </a:solidFill>
+                <a:effectLst/>
+                <a:latin typeface="+mn-lt"/>
+                <a:ea typeface="+mn-ea"/>
+                <a:cs typeface="+mn-cs"/>
+              </a:rPr>
+              <a:t>Acquisition Date: 2018-12-12 17:53:55 Import Date: 2020-04-30 22:38:59 Dimensions (XY): 1344 x 1024 Pixels Type: uint16 Pixels Size (XYZ) (µm): 0.16 x 0.16 x 1.00 Z-sections/Timepoints: 56 x 1 Channels: TL DIC, </a:t>
+            </a:r>
+            <a:r>
+              <a:rPr lang="en-GB" sz="1200" b="0" i="0" kern="1200" dirty="0" err="1">
+                <a:solidFill>
+                  <a:schemeClr val="tx1"/>
+                </a:solidFill>
+                <a:effectLst/>
+                <a:latin typeface="+mn-lt"/>
+                <a:ea typeface="+mn-ea"/>
+                <a:cs typeface="+mn-cs"/>
+              </a:rPr>
+              <a:t>TagYFP</a:t>
+            </a:r>
+            <a:r>
+              <a:rPr lang="en-GB" sz="1200" b="0" i="0" kern="1200" dirty="0">
+                <a:solidFill>
+                  <a:schemeClr val="tx1"/>
+                </a:solidFill>
+                <a:effectLst/>
+                <a:latin typeface="+mn-lt"/>
+                <a:ea typeface="+mn-ea"/>
+                <a:cs typeface="+mn-cs"/>
+              </a:rPr>
+              <a:t> ROI Count: 0</a:t>
+            </a:r>
+          </a:p>
+          <a:p>
+            <a:r>
+              <a:rPr lang="en-GB" sz="1200" b="0" i="0" kern="1200" dirty="0">
+                <a:solidFill>
+                  <a:schemeClr val="tx1"/>
+                </a:solidFill>
+                <a:effectLst/>
+                <a:latin typeface="+mn-lt"/>
+                <a:ea typeface="+mn-ea"/>
+                <a:cs typeface="+mn-cs"/>
+              </a:rPr>
+              <a:t>Tags: time course; day 10; adults; food switching; E. coli OP50; NL5901; C. elegans</a:t>
+            </a:r>
+          </a:p>
+          <a:p>
+            <a:r>
+              <a:rPr lang="en-GB" sz="1200" b="1" i="0" kern="1200" dirty="0">
+                <a:solidFill>
+                  <a:schemeClr val="tx1"/>
+                </a:solidFill>
+                <a:effectLst/>
+                <a:latin typeface="+mn-lt"/>
+                <a:ea typeface="+mn-ea"/>
+                <a:cs typeface="+mn-cs"/>
+              </a:rPr>
+              <a:t>Dataset metadata</a:t>
+            </a:r>
+          </a:p>
+          <a:p>
+            <a:r>
+              <a:rPr lang="en-GB" sz="1200" b="0" i="0" kern="1200" dirty="0">
+                <a:solidFill>
+                  <a:schemeClr val="tx1"/>
+                </a:solidFill>
+                <a:effectLst/>
+                <a:latin typeface="+mn-lt"/>
+                <a:ea typeface="+mn-ea"/>
+                <a:cs typeface="+mn-cs"/>
+              </a:rPr>
+              <a:t>Name: Figure2_Figure2B Dataset ID: 263 Owner: Maria Eugenia Goya ORCID: 0000-0002-5031-2470</a:t>
+            </a:r>
+          </a:p>
+          <a:p>
+            <a:r>
+              <a:rPr lang="en-GB" sz="1200" b="0" i="0" kern="1200" dirty="0">
+                <a:solidFill>
+                  <a:schemeClr val="tx1"/>
+                </a:solidFill>
+                <a:effectLst/>
+                <a:latin typeface="+mn-lt"/>
+                <a:ea typeface="+mn-ea"/>
+                <a:cs typeface="+mn-cs"/>
+              </a:rPr>
+              <a:t>Description: The datasets contains a time course of </a:t>
+            </a:r>
+            <a:r>
+              <a:rPr lang="el-GR" sz="1200" b="0" i="0" kern="1200" dirty="0">
+                <a:solidFill>
+                  <a:schemeClr val="tx1"/>
+                </a:solidFill>
+                <a:effectLst/>
+                <a:latin typeface="+mn-lt"/>
+                <a:ea typeface="+mn-ea"/>
+                <a:cs typeface="+mn-cs"/>
+              </a:rPr>
+              <a:t>α-</a:t>
+            </a:r>
+            <a:r>
+              <a:rPr lang="en-GB" sz="1200" b="0" i="0" kern="1200" dirty="0" err="1">
+                <a:solidFill>
+                  <a:schemeClr val="tx1"/>
+                </a:solidFill>
+                <a:effectLst/>
+                <a:latin typeface="+mn-lt"/>
+                <a:ea typeface="+mn-ea"/>
+                <a:cs typeface="+mn-cs"/>
+              </a:rPr>
+              <a:t>syn</a:t>
+            </a:r>
+            <a:r>
+              <a:rPr lang="en-GB" sz="1200" b="0" i="0" kern="1200" dirty="0">
+                <a:solidFill>
+                  <a:schemeClr val="tx1"/>
+                </a:solidFill>
+                <a:effectLst/>
+                <a:latin typeface="+mn-lt"/>
+                <a:ea typeface="+mn-ea"/>
+                <a:cs typeface="+mn-cs"/>
+              </a:rPr>
+              <a:t> aggregation in NL5901 C. elegans worms after a food switch at the L4 stage:</a:t>
+            </a:r>
+          </a:p>
+          <a:p>
+            <a:r>
+              <a:rPr lang="en-GB" sz="1200" b="0" i="0" kern="1200" dirty="0">
+                <a:solidFill>
+                  <a:schemeClr val="tx1"/>
+                </a:solidFill>
+                <a:effectLst/>
+                <a:latin typeface="+mn-lt"/>
+                <a:ea typeface="+mn-ea"/>
+                <a:cs typeface="+mn-cs"/>
+              </a:rPr>
+              <a:t>E. coli OP50 to OP50 Day 01 adults Day 03 adults Day 05 adults Day 07 adults Day 10 adults Day 13 adults</a:t>
+            </a:r>
+          </a:p>
+          <a:p>
+            <a:r>
+              <a:rPr lang="en-GB" sz="1200" b="0" i="0" kern="1200" dirty="0">
+                <a:solidFill>
+                  <a:schemeClr val="tx1"/>
+                </a:solidFill>
+                <a:effectLst/>
+                <a:latin typeface="+mn-lt"/>
+                <a:ea typeface="+mn-ea"/>
+                <a:cs typeface="+mn-cs"/>
+              </a:rPr>
+              <a:t>E. coli OP50 to B. subtilis PXN21 Day 01 adults Day 03 adults Day 05 adults Day 07 adults Day 10 adults Day 13 adults</a:t>
+            </a:r>
+          </a:p>
+          <a:p>
+            <a:r>
+              <a:rPr lang="en-GB" sz="1200" b="0" i="0" kern="1200" dirty="0">
+                <a:solidFill>
+                  <a:schemeClr val="tx1"/>
+                </a:solidFill>
+                <a:effectLst/>
+                <a:latin typeface="+mn-lt"/>
+                <a:ea typeface="+mn-ea"/>
+                <a:cs typeface="+mn-cs"/>
+              </a:rPr>
+              <a:t>Images were taken at 6 developmental timepoints (D1Ad, D3Ad, D5Ad, D7Ad, D10Ad, D13Ad)</a:t>
+            </a:r>
+          </a:p>
+          <a:p>
+            <a:r>
+              <a:rPr lang="en-GB" sz="1200" b="0" i="0" kern="1200" dirty="0">
+                <a:solidFill>
+                  <a:schemeClr val="tx1"/>
+                </a:solidFill>
+                <a:effectLst/>
+                <a:latin typeface="+mn-lt"/>
+                <a:ea typeface="+mn-ea"/>
+                <a:cs typeface="+mn-cs"/>
+              </a:rPr>
+              <a:t>* Some images contain more than one nematode.</a:t>
+            </a:r>
+          </a:p>
+          <a:p>
+            <a:r>
+              <a:rPr lang="en-GB" sz="1200" b="0" i="0" kern="1200" dirty="0">
+                <a:solidFill>
+                  <a:schemeClr val="tx1"/>
+                </a:solidFill>
+                <a:effectLst/>
+                <a:latin typeface="+mn-lt"/>
+                <a:ea typeface="+mn-ea"/>
+                <a:cs typeface="+mn-cs"/>
+              </a:rPr>
+              <a:t>Each image contains ~30 (or more) Z-sections, 1 µmeters apart. The </a:t>
+            </a:r>
+            <a:r>
+              <a:rPr lang="en-GB" sz="1200" b="0" i="0" kern="1200" dirty="0" err="1">
+                <a:solidFill>
+                  <a:schemeClr val="tx1"/>
+                </a:solidFill>
+                <a:effectLst/>
+                <a:latin typeface="+mn-lt"/>
+                <a:ea typeface="+mn-ea"/>
+                <a:cs typeface="+mn-cs"/>
+              </a:rPr>
+              <a:t>TagYFP</a:t>
+            </a:r>
+            <a:r>
+              <a:rPr lang="en-GB" sz="1200" b="0" i="0" kern="1200" dirty="0">
+                <a:solidFill>
+                  <a:schemeClr val="tx1"/>
+                </a:solidFill>
+                <a:effectLst/>
+                <a:latin typeface="+mn-lt"/>
+                <a:ea typeface="+mn-ea"/>
+                <a:cs typeface="+mn-cs"/>
+              </a:rPr>
+              <a:t> channel is used to follow the alpha-synuclein particles. The TL DIC channel is used to image the whole nematode head.</a:t>
+            </a:r>
+          </a:p>
+          <a:p>
+            <a:r>
+              <a:rPr lang="en-GB" sz="1200" b="0" i="0" kern="1200" dirty="0">
+                <a:solidFill>
+                  <a:schemeClr val="tx1"/>
+                </a:solidFill>
+                <a:effectLst/>
+                <a:latin typeface="+mn-lt"/>
+                <a:ea typeface="+mn-ea"/>
+                <a:cs typeface="+mn-cs"/>
+              </a:rPr>
+              <a:t>These images were used to construct Figure 2B of the Cell Reports paper (</a:t>
+            </a:r>
+            <a:r>
+              <a:rPr lang="en-GB" sz="1200" b="0" i="0" u="none" strike="noStrike" kern="1200" dirty="0">
+                <a:solidFill>
+                  <a:schemeClr val="tx1"/>
+                </a:solidFill>
+                <a:effectLst/>
+                <a:latin typeface="+mn-lt"/>
+                <a:ea typeface="+mn-ea"/>
+                <a:cs typeface="+mn-cs"/>
+                <a:hlinkClick r:id="rId3"/>
+              </a:rPr>
+              <a:t>https://doi.org/10.1016/j.celrep.2019.12.078</a:t>
+            </a:r>
+            <a:r>
+              <a:rPr lang="en-GB" sz="1200" b="0" i="0" kern="1200" dirty="0">
+                <a:solidFill>
+                  <a:schemeClr val="tx1"/>
+                </a:solidFill>
+                <a:effectLst/>
+                <a:latin typeface="+mn-lt"/>
+                <a:ea typeface="+mn-ea"/>
+                <a:cs typeface="+mn-cs"/>
+              </a:rPr>
+              <a:t>).</a:t>
+            </a:r>
+          </a:p>
+          <a:p>
+            <a:r>
+              <a:rPr lang="en-GB" sz="1200" b="0" i="0" kern="1200" dirty="0">
+                <a:solidFill>
+                  <a:schemeClr val="tx1"/>
+                </a:solidFill>
+                <a:effectLst/>
+                <a:latin typeface="+mn-lt"/>
+                <a:ea typeface="+mn-ea"/>
+                <a:cs typeface="+mn-cs"/>
+              </a:rPr>
+              <a:t>Creation date: 2020-04-30 22:16:39</a:t>
+            </a:r>
+          </a:p>
+          <a:p>
+            <a:r>
+              <a:rPr lang="en-GB" sz="1200" b="0" i="0" kern="1200" dirty="0">
+                <a:solidFill>
+                  <a:schemeClr val="tx1"/>
+                </a:solidFill>
+                <a:effectLst/>
+                <a:latin typeface="+mn-lt"/>
+                <a:ea typeface="+mn-ea"/>
+                <a:cs typeface="+mn-cs"/>
+              </a:rPr>
+              <a:t>Tags: protein aggregation; time course; E. coli OP50 to B. subtilis PXN21; food switching; E. coli OP50; 10.1016/j.celrep.2019.12.078; NL5901; C. elegans</a:t>
+            </a:r>
+          </a:p>
+          <a:p>
             <a:endParaRPr lang="en-GB" dirty="0"/>
           </a:p>
         </p:txBody>
@@ -3994,7 +5281,7 @@
           <a:p>
             <a:fld id="{CCB04583-82FC-EB4C-9DD9-0626DE3C6BC2}" type="slidenum">
               <a:rPr lang="en-GB" smtClean="0"/>
-              <a:t>6</a:t>
+              <a:t>4</a:t>
             </a:fld>
             <a:endParaRPr lang="en-GB"/>
           </a:p>
@@ -4003,7 +5290,7 @@
     </p:spTree>
     <p:extLst>
       <p:ext uri="{BB962C8B-B14F-4D97-AF65-F5344CB8AC3E}">
-        <p14:creationId xmlns:p14="http://schemas.microsoft.com/office/powerpoint/2010/main" val="2758379892"/>
+        <p14:creationId xmlns:p14="http://schemas.microsoft.com/office/powerpoint/2010/main" val="2888819149"/>
       </p:ext>
     </p:extLst>
   </p:cSld>
@@ -4057,6 +5344,14 @@
           <a:bodyPr/>
           <a:lstStyle/>
           <a:p>
+            <a:r>
+              <a:rPr lang="en-GB" dirty="0"/>
+              <a:t>Within</a:t>
+            </a:r>
+            <a:r>
+              <a:rPr lang="en-GB" baseline="0" dirty="0"/>
+              <a:t> each project, the data is organised in datasets</a:t>
+            </a:r>
             <a:endParaRPr lang="en-GB" dirty="0"/>
           </a:p>
         </p:txBody>
@@ -4068,7 +5363,7 @@
             <a:spLocks noGrp="1"/>
           </p:cNvSpPr>
           <p:nvPr>
-            <p:ph type="sldNum" sz="quarter" idx="5"/>
+            <p:ph type="sldNum" sz="quarter" idx="10"/>
           </p:nvPr>
         </p:nvSpPr>
         <p:spPr/>
@@ -4076,9 +5371,9 @@
           <a:bodyPr/>
           <a:lstStyle/>
           <a:p>
-            <a:fld id="{CCB04583-82FC-EB4C-9DD9-0626DE3C6BC2}" type="slidenum">
+            <a:fld id="{8A9899FE-D3B3-4A4B-8E57-3D4AA8C88C69}" type="slidenum">
               <a:rPr lang="en-GB" smtClean="0"/>
-              <a:t>7</a:t>
+              <a:t>5</a:t>
             </a:fld>
             <a:endParaRPr lang="en-GB"/>
           </a:p>
@@ -4087,7 +5382,7 @@
     </p:spTree>
     <p:extLst>
       <p:ext uri="{BB962C8B-B14F-4D97-AF65-F5344CB8AC3E}">
-        <p14:creationId xmlns:p14="http://schemas.microsoft.com/office/powerpoint/2010/main" val="750833953"/>
+        <p14:creationId xmlns:p14="http://schemas.microsoft.com/office/powerpoint/2010/main" val="2212837901"/>
       </p:ext>
     </p:extLst>
   </p:cSld>
@@ -4151,7 +5446,7 @@
                 <a:ea typeface="+mn-ea"/>
                 <a:cs typeface="+mn-cs"/>
               </a:rPr>
-              <a:t>What can you do if there are no metadata standards defined for your data / field of research?</a:t>
+              <a:t>DETAILS:</a:t>
             </a:r>
           </a:p>
           <a:p>
@@ -4165,10 +5460,8 @@
                 <a:ea typeface="+mn-ea"/>
                 <a:cs typeface="+mn-cs"/>
               </a:rPr>
-              <a:t>Think about the minimum information that someone else (from your lab or from any other lab in the world) would need to know about your dataset to be able to work with it without any further inputs from you.</a:t>
-            </a:r>
-          </a:p>
-          <a:p>
+              <a:t>When describing the image:</a:t>
+            </a:r>
             <a:r>
               <a:rPr lang="en-GB" sz="1200" b="1" i="0" kern="1200" dirty="0">
                 <a:solidFill>
@@ -4179,8 +5472,19 @@
                 <a:ea typeface="+mn-ea"/>
                 <a:cs typeface="+mn-cs"/>
               </a:rPr>
-              <a:t>Think as a consumer</a:t>
-            </a:r>
+              <a:t> </a:t>
+            </a:r>
+            <a:endParaRPr lang="en-GB" sz="1200" b="0" i="0" kern="1200" dirty="0">
+              <a:solidFill>
+                <a:schemeClr val="tx1"/>
+              </a:solidFill>
+              <a:effectLst/>
+              <a:latin typeface="+mn-lt"/>
+              <a:ea typeface="+mn-ea"/>
+              <a:cs typeface="+mn-cs"/>
+            </a:endParaRPr>
+          </a:p>
+          <a:p>
             <a:r>
               <a:rPr lang="en-GB" sz="1200" b="0" i="0" kern="1200" dirty="0">
                 <a:solidFill>
@@ -4191,7 +5495,464 @@
                 <a:ea typeface="+mn-ea"/>
                 <a:cs typeface="+mn-cs"/>
               </a:rPr>
-              <a:t> of your data not the producer!</a:t>
+              <a:t>Information that should be added to help make sense of the pixel information but are NOT usually saved in the files:</a:t>
+            </a:r>
+          </a:p>
+          <a:p>
+            <a:pPr marL="628650" lvl="1" indent="-171450">
+              <a:buFont typeface="Arial" panose="020B0604020202020204" pitchFamily="34" charset="0"/>
+              <a:buChar char="•"/>
+            </a:pPr>
+            <a:r>
+              <a:rPr lang="en-GB" sz="1200" b="0" i="0" kern="1200" dirty="0">
+                <a:solidFill>
+                  <a:schemeClr val="tx1"/>
+                </a:solidFill>
+                <a:effectLst/>
+                <a:latin typeface="+mn-lt"/>
+                <a:ea typeface="+mn-ea"/>
+                <a:cs typeface="+mn-cs"/>
+              </a:rPr>
+              <a:t>Type of sample (e.g.: cell line, organism, </a:t>
+            </a:r>
+            <a:r>
+              <a:rPr lang="en-GB" sz="1200" b="0" i="0" kern="1200" dirty="0" err="1">
+                <a:solidFill>
+                  <a:schemeClr val="tx1"/>
+                </a:solidFill>
+                <a:effectLst/>
+                <a:latin typeface="+mn-lt"/>
+                <a:ea typeface="+mn-ea"/>
+                <a:cs typeface="+mn-cs"/>
+              </a:rPr>
+              <a:t>etc</a:t>
+            </a:r>
+            <a:r>
+              <a:rPr lang="en-GB" sz="1200" b="0" i="0" kern="1200" dirty="0">
+                <a:solidFill>
+                  <a:schemeClr val="tx1"/>
+                </a:solidFill>
+                <a:effectLst/>
+                <a:latin typeface="+mn-lt"/>
+                <a:ea typeface="+mn-ea"/>
+                <a:cs typeface="+mn-cs"/>
+              </a:rPr>
+              <a:t>)</a:t>
+            </a:r>
+          </a:p>
+          <a:p>
+            <a:endParaRPr lang="en-GB" sz="1200" b="0" i="0" kern="1200" dirty="0">
+              <a:solidFill>
+                <a:schemeClr val="tx1"/>
+              </a:solidFill>
+              <a:effectLst/>
+              <a:latin typeface="+mn-lt"/>
+              <a:ea typeface="+mn-ea"/>
+              <a:cs typeface="+mn-cs"/>
+            </a:endParaRPr>
+          </a:p>
+          <a:p>
+            <a:r>
+              <a:rPr lang="en-GB" sz="1200" b="0" i="0" kern="1200" dirty="0">
+                <a:solidFill>
+                  <a:schemeClr val="tx1"/>
+                </a:solidFill>
+                <a:effectLst/>
+                <a:latin typeface="+mn-lt"/>
+                <a:ea typeface="+mn-ea"/>
+                <a:cs typeface="+mn-cs"/>
+              </a:rPr>
+              <a:t>If this is different from what was explained for the entire dataset, then also include:</a:t>
+            </a:r>
+          </a:p>
+          <a:p>
+            <a:pPr marL="628650" lvl="1" indent="-171450">
+              <a:buFont typeface="Arial" panose="020B0604020202020204" pitchFamily="34" charset="0"/>
+              <a:buChar char="•"/>
+            </a:pPr>
+            <a:r>
+              <a:rPr lang="en-GB" sz="1200" b="0" i="0" kern="1200" dirty="0">
+                <a:solidFill>
+                  <a:schemeClr val="tx1"/>
+                </a:solidFill>
+                <a:effectLst/>
+                <a:latin typeface="+mn-lt"/>
+                <a:ea typeface="+mn-ea"/>
+                <a:cs typeface="+mn-cs"/>
+              </a:rPr>
+              <a:t>Element used to hold the sample (e.g.: slide / dish, glass vs. plastic, coating, </a:t>
+            </a:r>
+            <a:r>
+              <a:rPr lang="en-GB" sz="1200" b="0" i="0" kern="1200" dirty="0" err="1">
+                <a:solidFill>
+                  <a:schemeClr val="tx1"/>
+                </a:solidFill>
+                <a:effectLst/>
+                <a:latin typeface="+mn-lt"/>
+                <a:ea typeface="+mn-ea"/>
+                <a:cs typeface="+mn-cs"/>
+              </a:rPr>
+              <a:t>etc</a:t>
+            </a:r>
+            <a:r>
+              <a:rPr lang="en-GB" sz="1200" b="0" i="0" kern="1200" dirty="0">
+                <a:solidFill>
+                  <a:schemeClr val="tx1"/>
+                </a:solidFill>
+                <a:effectLst/>
+                <a:latin typeface="+mn-lt"/>
+                <a:ea typeface="+mn-ea"/>
+                <a:cs typeface="+mn-cs"/>
+              </a:rPr>
+              <a:t>)</a:t>
+            </a:r>
+          </a:p>
+          <a:p>
+            <a:pPr marL="628650" lvl="1" indent="-171450">
+              <a:buFont typeface="Arial" panose="020B0604020202020204" pitchFamily="34" charset="0"/>
+              <a:buChar char="•"/>
+            </a:pPr>
+            <a:r>
+              <a:rPr lang="en-GB" sz="1200" b="0" i="0" kern="1200" dirty="0">
+                <a:solidFill>
+                  <a:schemeClr val="tx1"/>
+                </a:solidFill>
+                <a:effectLst/>
+                <a:latin typeface="+mn-lt"/>
+                <a:ea typeface="+mn-ea"/>
+                <a:cs typeface="+mn-cs"/>
+              </a:rPr>
+              <a:t>Sample preparation (e.g.: live, fixation method, </a:t>
+            </a:r>
+            <a:r>
+              <a:rPr lang="en-GB" sz="1200" b="0" i="0" kern="1200" dirty="0" err="1">
+                <a:solidFill>
+                  <a:schemeClr val="tx1"/>
+                </a:solidFill>
+                <a:effectLst/>
+                <a:latin typeface="+mn-lt"/>
+                <a:ea typeface="+mn-ea"/>
+                <a:cs typeface="+mn-cs"/>
+              </a:rPr>
+              <a:t>etc</a:t>
+            </a:r>
+            <a:r>
+              <a:rPr lang="en-GB" sz="1200" b="0" i="0" kern="1200" dirty="0">
+                <a:solidFill>
+                  <a:schemeClr val="tx1"/>
+                </a:solidFill>
+                <a:effectLst/>
+                <a:latin typeface="+mn-lt"/>
+                <a:ea typeface="+mn-ea"/>
+                <a:cs typeface="+mn-cs"/>
+              </a:rPr>
+              <a:t>)</a:t>
+            </a:r>
+          </a:p>
+          <a:p>
+            <a:pPr marL="628650" lvl="1" indent="-171450">
+              <a:buFont typeface="Arial" panose="020B0604020202020204" pitchFamily="34" charset="0"/>
+              <a:buChar char="•"/>
+            </a:pPr>
+            <a:r>
+              <a:rPr lang="en-GB" sz="1200" b="0" i="0" kern="1200" dirty="0">
+                <a:solidFill>
+                  <a:schemeClr val="tx1"/>
+                </a:solidFill>
+                <a:effectLst/>
+                <a:latin typeface="+mn-lt"/>
+                <a:ea typeface="+mn-ea"/>
+                <a:cs typeface="+mn-cs"/>
+              </a:rPr>
+              <a:t>Type of </a:t>
+            </a:r>
+            <a:r>
+              <a:rPr lang="en-GB" sz="1200" b="0" i="0" kern="1200" dirty="0" err="1">
+                <a:solidFill>
+                  <a:schemeClr val="tx1"/>
+                </a:solidFill>
+                <a:effectLst/>
+                <a:latin typeface="+mn-lt"/>
+                <a:ea typeface="+mn-ea"/>
+                <a:cs typeface="+mn-cs"/>
+              </a:rPr>
+              <a:t>labeling</a:t>
+            </a:r>
+            <a:r>
+              <a:rPr lang="en-GB" sz="1200" b="0" i="0" kern="1200" dirty="0">
+                <a:solidFill>
+                  <a:schemeClr val="tx1"/>
+                </a:solidFill>
+                <a:effectLst/>
+                <a:latin typeface="+mn-lt"/>
+                <a:ea typeface="+mn-ea"/>
+                <a:cs typeface="+mn-cs"/>
+              </a:rPr>
+              <a:t> (e.g.: fluorescent protein, dyes, antibodies, </a:t>
+            </a:r>
+            <a:r>
+              <a:rPr lang="en-GB" sz="1200" b="0" i="0" kern="1200" dirty="0" err="1">
+                <a:solidFill>
+                  <a:schemeClr val="tx1"/>
+                </a:solidFill>
+                <a:effectLst/>
+                <a:latin typeface="+mn-lt"/>
+                <a:ea typeface="+mn-ea"/>
+                <a:cs typeface="+mn-cs"/>
+              </a:rPr>
+              <a:t>etc</a:t>
+            </a:r>
+            <a:r>
+              <a:rPr lang="en-GB" sz="1200" b="0" i="0" kern="1200" dirty="0">
+                <a:solidFill>
+                  <a:schemeClr val="tx1"/>
+                </a:solidFill>
+                <a:effectLst/>
+                <a:latin typeface="+mn-lt"/>
+                <a:ea typeface="+mn-ea"/>
+                <a:cs typeface="+mn-cs"/>
+              </a:rPr>
+              <a:t>)</a:t>
+            </a:r>
+          </a:p>
+          <a:p>
+            <a:pPr marL="628650" lvl="1" indent="-171450">
+              <a:buFont typeface="Arial" panose="020B0604020202020204" pitchFamily="34" charset="0"/>
+              <a:buChar char="•"/>
+            </a:pPr>
+            <a:r>
+              <a:rPr lang="en-GB" sz="1200" b="0" i="0" kern="1200" dirty="0">
+                <a:solidFill>
+                  <a:schemeClr val="tx1"/>
+                </a:solidFill>
+                <a:effectLst/>
+                <a:latin typeface="+mn-lt"/>
+                <a:ea typeface="+mn-ea"/>
+                <a:cs typeface="+mn-cs"/>
+              </a:rPr>
+              <a:t>Describe </a:t>
+            </a:r>
+            <a:r>
+              <a:rPr lang="en-GB" sz="1200" b="0" i="0" kern="1200" dirty="0" err="1">
+                <a:solidFill>
+                  <a:schemeClr val="tx1"/>
+                </a:solidFill>
+                <a:effectLst/>
+                <a:latin typeface="+mn-lt"/>
+                <a:ea typeface="+mn-ea"/>
+                <a:cs typeface="+mn-cs"/>
+              </a:rPr>
+              <a:t>labeling</a:t>
+            </a:r>
+            <a:r>
+              <a:rPr lang="en-GB" sz="1200" b="0" i="0" kern="1200" dirty="0">
+                <a:solidFill>
+                  <a:schemeClr val="tx1"/>
+                </a:solidFill>
+                <a:effectLst/>
+                <a:latin typeface="+mn-lt"/>
+                <a:ea typeface="+mn-ea"/>
+                <a:cs typeface="+mn-cs"/>
+              </a:rPr>
+              <a:t> protocols (e.g.: blocking, incubation times, concentrations, transfections, </a:t>
+            </a:r>
+            <a:r>
+              <a:rPr lang="en-GB" sz="1200" b="0" i="0" kern="1200" dirty="0" err="1">
+                <a:solidFill>
+                  <a:schemeClr val="tx1"/>
+                </a:solidFill>
+                <a:effectLst/>
+                <a:latin typeface="+mn-lt"/>
+                <a:ea typeface="+mn-ea"/>
+                <a:cs typeface="+mn-cs"/>
+              </a:rPr>
+              <a:t>etc</a:t>
+            </a:r>
+            <a:r>
+              <a:rPr lang="en-GB" sz="1200" b="0" i="0" kern="1200" dirty="0">
+                <a:solidFill>
+                  <a:schemeClr val="tx1"/>
+                </a:solidFill>
+                <a:effectLst/>
+                <a:latin typeface="+mn-lt"/>
+                <a:ea typeface="+mn-ea"/>
+                <a:cs typeface="+mn-cs"/>
+              </a:rPr>
+              <a:t>)</a:t>
+            </a:r>
+          </a:p>
+          <a:p>
+            <a:pPr marL="628650" lvl="1" indent="-171450">
+              <a:buFont typeface="Arial" panose="020B0604020202020204" pitchFamily="34" charset="0"/>
+              <a:buChar char="•"/>
+            </a:pPr>
+            <a:r>
+              <a:rPr lang="en-GB" sz="1200" b="0" i="0" kern="1200" dirty="0">
+                <a:solidFill>
+                  <a:schemeClr val="tx1"/>
+                </a:solidFill>
+                <a:effectLst/>
+                <a:latin typeface="+mn-lt"/>
+                <a:ea typeface="+mn-ea"/>
+                <a:cs typeface="+mn-cs"/>
+              </a:rPr>
+              <a:t>Otherwise, you could also point the reader to the section of the manuscript were this is described.</a:t>
+            </a:r>
+          </a:p>
+          <a:p>
+            <a:endParaRPr lang="en-GB" sz="1200" b="0" i="0" kern="1200" dirty="0">
+              <a:solidFill>
+                <a:schemeClr val="tx1"/>
+              </a:solidFill>
+              <a:effectLst/>
+              <a:latin typeface="+mn-lt"/>
+              <a:ea typeface="+mn-ea"/>
+              <a:cs typeface="+mn-cs"/>
+            </a:endParaRPr>
+          </a:p>
+          <a:p>
+            <a:r>
+              <a:rPr lang="en-GB" sz="1200" b="0" i="0" kern="1200" dirty="0">
+                <a:solidFill>
+                  <a:schemeClr val="tx1"/>
+                </a:solidFill>
+                <a:effectLst/>
+                <a:latin typeface="+mn-lt"/>
+                <a:ea typeface="+mn-ea"/>
+                <a:cs typeface="+mn-cs"/>
+              </a:rPr>
+              <a:t>Include any additional information you believe is important regarding the experimental conditions used to generate the image.</a:t>
+            </a:r>
+          </a:p>
+          <a:p>
+            <a:endParaRPr lang="en-GB" dirty="0"/>
+          </a:p>
+          <a:p>
+            <a:r>
+              <a:rPr lang="en-GB" dirty="0"/>
+              <a:t>TAGS:</a:t>
+            </a:r>
+          </a:p>
+          <a:p>
+            <a:r>
+              <a:rPr lang="en-GB" sz="1200" b="0" i="0" kern="1200" dirty="0">
+                <a:solidFill>
+                  <a:schemeClr val="tx1"/>
+                </a:solidFill>
+                <a:effectLst/>
+                <a:latin typeface="+mn-lt"/>
+                <a:ea typeface="+mn-ea"/>
+                <a:cs typeface="+mn-cs"/>
+              </a:rPr>
+              <a:t>When deciding which tags to include:</a:t>
+            </a:r>
+          </a:p>
+          <a:p>
+            <a:pPr marL="628650" lvl="1" indent="-171450">
+              <a:buFont typeface="Arial" panose="020B0604020202020204" pitchFamily="34" charset="0"/>
+              <a:buChar char="•"/>
+            </a:pPr>
+            <a:r>
+              <a:rPr lang="en-GB" sz="1200" b="0" i="0" kern="1200" dirty="0">
+                <a:solidFill>
+                  <a:schemeClr val="tx1"/>
+                </a:solidFill>
+                <a:effectLst/>
+                <a:latin typeface="+mn-lt"/>
+                <a:ea typeface="+mn-ea"/>
+                <a:cs typeface="+mn-cs"/>
+              </a:rPr>
+              <a:t>You can include all the proper tags that were already used when describing the dataset</a:t>
+            </a:r>
+          </a:p>
+          <a:p>
+            <a:pPr marL="628650" lvl="1" indent="-171450">
+              <a:buFont typeface="Arial" panose="020B0604020202020204" pitchFamily="34" charset="0"/>
+              <a:buChar char="•"/>
+            </a:pPr>
+            <a:r>
+              <a:rPr lang="en-GB" sz="1200" b="0" i="0" kern="1200" dirty="0">
+                <a:solidFill>
+                  <a:schemeClr val="tx1"/>
+                </a:solidFill>
+                <a:effectLst/>
+                <a:latin typeface="+mn-lt"/>
+                <a:ea typeface="+mn-ea"/>
+                <a:cs typeface="+mn-cs"/>
+              </a:rPr>
+              <a:t>Include the experimenters that acquired the image</a:t>
+            </a:r>
+          </a:p>
+          <a:p>
+            <a:pPr marL="628650" lvl="1" indent="-171450">
+              <a:buFont typeface="Arial" panose="020B0604020202020204" pitchFamily="34" charset="0"/>
+              <a:buChar char="•"/>
+            </a:pPr>
+            <a:r>
+              <a:rPr lang="en-GB" sz="1200" b="0" i="0" kern="1200" dirty="0">
+                <a:solidFill>
+                  <a:schemeClr val="tx1"/>
+                </a:solidFill>
+                <a:effectLst/>
+                <a:latin typeface="+mn-lt"/>
+                <a:ea typeface="+mn-ea"/>
+                <a:cs typeface="+mn-cs"/>
+              </a:rPr>
+              <a:t>Include the date the image was taken</a:t>
+            </a:r>
+          </a:p>
+          <a:p>
+            <a:pPr marL="628650" lvl="1" indent="-171450">
+              <a:buFont typeface="Arial" panose="020B0604020202020204" pitchFamily="34" charset="0"/>
+              <a:buChar char="•"/>
+            </a:pPr>
+            <a:r>
+              <a:rPr lang="en-GB" sz="1200" b="0" i="0" kern="1200" dirty="0">
+                <a:solidFill>
+                  <a:schemeClr val="tx1"/>
+                </a:solidFill>
+                <a:effectLst/>
+                <a:latin typeface="+mn-lt"/>
+                <a:ea typeface="+mn-ea"/>
+                <a:cs typeface="+mn-cs"/>
+              </a:rPr>
+              <a:t>Include the organisms and strains (if applicable)</a:t>
+            </a:r>
+          </a:p>
+          <a:p>
+            <a:pPr marL="628650" lvl="1" indent="-171450">
+              <a:buFont typeface="Arial" panose="020B0604020202020204" pitchFamily="34" charset="0"/>
+              <a:buChar char="•"/>
+            </a:pPr>
+            <a:r>
+              <a:rPr lang="en-GB" sz="1200" b="0" i="0" kern="1200" dirty="0">
+                <a:solidFill>
+                  <a:schemeClr val="tx1"/>
+                </a:solidFill>
+                <a:effectLst/>
+                <a:latin typeface="+mn-lt"/>
+                <a:ea typeface="+mn-ea"/>
+                <a:cs typeface="+mn-cs"/>
+              </a:rPr>
+              <a:t>Include the DOI of the publication (if it is the same as in the dataset description, this becomes optional)</a:t>
+            </a:r>
+          </a:p>
+          <a:p>
+            <a:pPr marL="628650" lvl="1" indent="-171450">
+              <a:buFont typeface="Arial" panose="020B0604020202020204" pitchFamily="34" charset="0"/>
+              <a:buChar char="•"/>
+            </a:pPr>
+            <a:r>
+              <a:rPr lang="en-GB" sz="1200" b="0" i="0" kern="1200" dirty="0">
+                <a:solidFill>
+                  <a:schemeClr val="tx1"/>
+                </a:solidFill>
+                <a:effectLst/>
+                <a:latin typeface="+mn-lt"/>
+                <a:ea typeface="+mn-ea"/>
+                <a:cs typeface="+mn-cs"/>
+              </a:rPr>
+              <a:t>Consider including information on which figures / tables were generated using this image</a:t>
             </a:r>
           </a:p>
           <a:p>
@@ -4206,7 +5967,7 @@
             <a:spLocks noGrp="1"/>
           </p:cNvSpPr>
           <p:nvPr>
-            <p:ph type="sldNum" sz="quarter" idx="5"/>
+            <p:ph type="sldNum" sz="quarter" idx="10"/>
           </p:nvPr>
         </p:nvSpPr>
         <p:spPr/>
@@ -4214,9 +5975,9 @@
           <a:bodyPr/>
           <a:lstStyle/>
           <a:p>
-            <a:fld id="{CCB04583-82FC-EB4C-9DD9-0626DE3C6BC2}" type="slidenum">
+            <a:fld id="{8A9899FE-D3B3-4A4B-8E57-3D4AA8C88C69}" type="slidenum">
               <a:rPr lang="en-GB" smtClean="0"/>
-              <a:t>8</a:t>
+              <a:t>6</a:t>
             </a:fld>
             <a:endParaRPr lang="en-GB"/>
           </a:p>
@@ -4225,7 +5986,7 @@
     </p:spTree>
     <p:extLst>
       <p:ext uri="{BB962C8B-B14F-4D97-AF65-F5344CB8AC3E}">
-        <p14:creationId xmlns:p14="http://schemas.microsoft.com/office/powerpoint/2010/main" val="1629634170"/>
+        <p14:creationId xmlns:p14="http://schemas.microsoft.com/office/powerpoint/2010/main" val="1958832885"/>
       </p:ext>
     </p:extLst>
   </p:cSld>
@@ -4289,8 +6050,182 @@
                 <a:ea typeface="+mn-ea"/>
                 <a:cs typeface="+mn-cs"/>
               </a:rPr>
-              <a:t>In groups, identify different types of metadata (administrative, descriptive, structural) present in this example.</a:t>
-            </a:r>
+              <a:t>The details section of the dataset should contain multiple sections:</a:t>
+            </a:r>
+          </a:p>
+          <a:p>
+            <a:pPr lvl="1"/>
+            <a:r>
+              <a:rPr lang="en-GB" sz="1200" b="1" i="0" kern="1200" dirty="0">
+                <a:solidFill>
+                  <a:schemeClr val="tx1"/>
+                </a:solidFill>
+                <a:effectLst/>
+                <a:latin typeface="+mn-lt"/>
+                <a:ea typeface="+mn-ea"/>
+                <a:cs typeface="+mn-cs"/>
+              </a:rPr>
+              <a:t>Dataset content: </a:t>
+            </a:r>
+            <a:r>
+              <a:rPr lang="en-GB" sz="1200" b="0" i="0" kern="1200" dirty="0">
+                <a:solidFill>
+                  <a:schemeClr val="tx1"/>
+                </a:solidFill>
+                <a:effectLst/>
+                <a:latin typeface="+mn-lt"/>
+                <a:ea typeface="+mn-ea"/>
+                <a:cs typeface="+mn-cs"/>
+              </a:rPr>
+              <a:t>Describe what the dataset contains </a:t>
+            </a:r>
+          </a:p>
+          <a:p>
+            <a:pPr lvl="1"/>
+            <a:r>
+              <a:rPr lang="en-GB" sz="1200" b="1" i="0" kern="1200" dirty="0">
+                <a:solidFill>
+                  <a:schemeClr val="tx1"/>
+                </a:solidFill>
+                <a:effectLst/>
+                <a:latin typeface="+mn-lt"/>
+                <a:ea typeface="+mn-ea"/>
+                <a:cs typeface="+mn-cs"/>
+              </a:rPr>
+              <a:t>Aim </a:t>
+            </a:r>
+            <a:r>
+              <a:rPr lang="en-GB" sz="1200" b="0" i="0" kern="1200" dirty="0">
+                <a:solidFill>
+                  <a:schemeClr val="tx1"/>
+                </a:solidFill>
+                <a:effectLst/>
+                <a:latin typeface="+mn-lt"/>
+                <a:ea typeface="+mn-ea"/>
+                <a:cs typeface="+mn-cs"/>
+              </a:rPr>
+              <a:t>Briefly explain the aim of the dataset</a:t>
+            </a:r>
+          </a:p>
+          <a:p>
+            <a:pPr lvl="1"/>
+            <a:r>
+              <a:rPr lang="en-GB" sz="1200" b="1" i="0" kern="1200" dirty="0">
+                <a:solidFill>
+                  <a:schemeClr val="tx1"/>
+                </a:solidFill>
+                <a:effectLst/>
+                <a:latin typeface="+mn-lt"/>
+                <a:ea typeface="+mn-ea"/>
+                <a:cs typeface="+mn-cs"/>
+              </a:rPr>
+              <a:t>Biological material </a:t>
+            </a:r>
+            <a:r>
+              <a:rPr lang="en-GB" sz="1200" b="0" i="0" kern="1200" dirty="0">
+                <a:solidFill>
+                  <a:schemeClr val="tx1"/>
+                </a:solidFill>
+                <a:effectLst/>
+                <a:latin typeface="+mn-lt"/>
+                <a:ea typeface="+mn-ea"/>
+                <a:cs typeface="+mn-cs"/>
+              </a:rPr>
+              <a:t>List which species and strains were used in the dataset (if applicable)</a:t>
+            </a:r>
+          </a:p>
+          <a:p>
+            <a:pPr lvl="1"/>
+            <a:r>
+              <a:rPr lang="en-GB" sz="1200" b="1" i="0" kern="1200" dirty="0">
+                <a:solidFill>
+                  <a:schemeClr val="tx1"/>
+                </a:solidFill>
+                <a:effectLst/>
+                <a:latin typeface="+mn-lt"/>
+                <a:ea typeface="+mn-ea"/>
+                <a:cs typeface="+mn-cs"/>
+              </a:rPr>
+              <a:t>Experimental conditions </a:t>
+            </a:r>
+            <a:r>
+              <a:rPr lang="en-GB" sz="1200" b="0" i="0" kern="1200" dirty="0">
+                <a:solidFill>
+                  <a:schemeClr val="tx1"/>
+                </a:solidFill>
+                <a:effectLst/>
+                <a:latin typeface="+mn-lt"/>
+                <a:ea typeface="+mn-ea"/>
+                <a:cs typeface="+mn-cs"/>
+              </a:rPr>
+              <a:t>List the experimental protocols used to generate the dataset.</a:t>
+            </a:r>
+          </a:p>
+          <a:p>
+            <a:pPr lvl="1"/>
+            <a:r>
+              <a:rPr lang="en-GB" sz="1200" b="1" i="0" kern="1200" dirty="0">
+                <a:solidFill>
+                  <a:schemeClr val="tx1"/>
+                </a:solidFill>
+                <a:effectLst/>
+                <a:latin typeface="+mn-lt"/>
+                <a:ea typeface="+mn-ea"/>
+                <a:cs typeface="+mn-cs"/>
+              </a:rPr>
+              <a:t>Additional Comments </a:t>
+            </a:r>
+            <a:r>
+              <a:rPr lang="en-GB" sz="1200" b="0" i="0" kern="1200" dirty="0">
+                <a:solidFill>
+                  <a:schemeClr val="tx1"/>
+                </a:solidFill>
+                <a:effectLst/>
+                <a:latin typeface="+mn-lt"/>
+                <a:ea typeface="+mn-ea"/>
+                <a:cs typeface="+mn-cs"/>
+              </a:rPr>
+              <a:t>Include any comments you believe are important regarding the experimental conditions used to generate the dataset (if applicable)</a:t>
+            </a:r>
+          </a:p>
+          <a:p>
+            <a:pPr lvl="1"/>
+            <a:endParaRPr lang="en-GB" sz="1200" b="0" i="0" kern="1200" dirty="0">
+              <a:solidFill>
+                <a:schemeClr val="tx1"/>
+              </a:solidFill>
+              <a:effectLst/>
+              <a:latin typeface="+mn-lt"/>
+              <a:ea typeface="+mn-ea"/>
+              <a:cs typeface="+mn-cs"/>
+            </a:endParaRPr>
+          </a:p>
+          <a:p>
+            <a:pPr lvl="1"/>
+            <a:endParaRPr lang="en-GB" sz="1200" b="0" i="0" kern="1200" dirty="0">
+              <a:solidFill>
+                <a:schemeClr val="tx1"/>
+              </a:solidFill>
+              <a:effectLst/>
+              <a:latin typeface="+mn-lt"/>
+              <a:ea typeface="+mn-ea"/>
+              <a:cs typeface="+mn-cs"/>
+            </a:endParaRPr>
+          </a:p>
+          <a:p>
+            <a:pPr lvl="2"/>
+            <a:endParaRPr lang="en-GB" sz="1200" b="0" i="0" kern="1200" dirty="0">
+              <a:solidFill>
+                <a:schemeClr val="tx1"/>
+              </a:solidFill>
+              <a:effectLst/>
+              <a:latin typeface="+mn-lt"/>
+              <a:ea typeface="+mn-ea"/>
+              <a:cs typeface="+mn-cs"/>
+            </a:endParaRPr>
+          </a:p>
+          <a:p>
+            <a:pPr lvl="1"/>
             <a:endParaRPr lang="en-GB" dirty="0"/>
           </a:p>
         </p:txBody>
@@ -4302,7 +6237,7 @@
             <a:spLocks noGrp="1"/>
           </p:cNvSpPr>
           <p:nvPr>
-            <p:ph type="sldNum" sz="quarter" idx="5"/>
+            <p:ph type="sldNum" sz="quarter" idx="10"/>
           </p:nvPr>
         </p:nvSpPr>
         <p:spPr/>
@@ -4310,9 +6245,9 @@
           <a:bodyPr/>
           <a:lstStyle/>
           <a:p>
-            <a:fld id="{CCB04583-82FC-EB4C-9DD9-0626DE3C6BC2}" type="slidenum">
+            <a:fld id="{8A9899FE-D3B3-4A4B-8E57-3D4AA8C88C69}" type="slidenum">
               <a:rPr lang="en-GB" smtClean="0"/>
-              <a:t>9</a:t>
+              <a:t>7</a:t>
             </a:fld>
             <a:endParaRPr lang="en-GB"/>
           </a:p>
@@ -4321,7 +6256,7 @@
     </p:spTree>
     <p:extLst>
       <p:ext uri="{BB962C8B-B14F-4D97-AF65-F5344CB8AC3E}">
-        <p14:creationId xmlns:p14="http://schemas.microsoft.com/office/powerpoint/2010/main" val="688198813"/>
+        <p14:creationId xmlns:p14="http://schemas.microsoft.com/office/powerpoint/2010/main" val="1530782929"/>
       </p:ext>
     </p:extLst>
   </p:cSld>
@@ -4375,60 +6310,6 @@
           <a:bodyPr/>
           <a:lstStyle/>
           <a:p>
-            <a:r>
-              <a:rPr lang="en-GB" sz="1200" b="0" i="0" kern="1200" dirty="0">
-                <a:solidFill>
-                  <a:schemeClr val="tx1"/>
-                </a:solidFill>
-                <a:effectLst/>
-                <a:latin typeface="+mn-lt"/>
-                <a:ea typeface="+mn-ea"/>
-                <a:cs typeface="+mn-cs"/>
-              </a:rPr>
-              <a:t>What can you do if there are no metadata standards defined for your data / field of research?</a:t>
-            </a:r>
-          </a:p>
-          <a:p>
-            <a:r>
-              <a:rPr lang="en-GB" sz="1200" b="0" i="0" kern="1200" dirty="0">
-                <a:solidFill>
-                  <a:schemeClr val="tx1"/>
-                </a:solidFill>
-                <a:effectLst/>
-                <a:latin typeface="+mn-lt"/>
-                <a:ea typeface="+mn-ea"/>
-                <a:cs typeface="+mn-cs"/>
-              </a:rPr>
-              <a:t>Think about the minimum information that someone else (from your lab or from any other lab in the world) would need to know about your dataset to be able to work with it without any further inputs from you.</a:t>
-            </a:r>
-          </a:p>
-          <a:p>
-            <a:r>
-              <a:rPr lang="en-GB" sz="1200" b="1" i="0" kern="1200" dirty="0">
-                <a:solidFill>
-                  <a:schemeClr val="tx1"/>
-                </a:solidFill>
-                <a:effectLst/>
-                <a:latin typeface="+mn-lt"/>
-                <a:ea typeface="+mn-ea"/>
-                <a:cs typeface="+mn-cs"/>
-              </a:rPr>
-              <a:t>Think as a consumer</a:t>
-            </a:r>
-            <a:r>
-              <a:rPr lang="en-GB" sz="1200" b="0" i="0" kern="1200" dirty="0">
-                <a:solidFill>
-                  <a:schemeClr val="tx1"/>
-                </a:solidFill>
-                <a:effectLst/>
-                <a:latin typeface="+mn-lt"/>
-                <a:ea typeface="+mn-ea"/>
-                <a:cs typeface="+mn-cs"/>
-              </a:rPr>
-              <a:t> of your data not the producer!</a:t>
-            </a:r>
-          </a:p>
-          <a:p>
             <a:endParaRPr lang="en-GB" dirty="0"/>
           </a:p>
         </p:txBody>
@@ -4450,7 +6331,7 @@
           <a:p>
             <a:fld id="{CCB04583-82FC-EB4C-9DD9-0626DE3C6BC2}" type="slidenum">
               <a:rPr lang="en-GB" smtClean="0"/>
-              <a:t>10</a:t>
+              <a:t>8</a:t>
             </a:fld>
             <a:endParaRPr lang="en-GB"/>
           </a:p>
@@ -4459,7 +6340,7 @@
     </p:spTree>
     <p:extLst>
       <p:ext uri="{BB962C8B-B14F-4D97-AF65-F5344CB8AC3E}">
-        <p14:creationId xmlns:p14="http://schemas.microsoft.com/office/powerpoint/2010/main" val="1320972641"/>
+        <p14:creationId xmlns:p14="http://schemas.microsoft.com/office/powerpoint/2010/main" val="1006465512"/>
       </p:ext>
     </p:extLst>
   </p:cSld>
@@ -4513,57 +6394,107 @@
           <a:bodyPr/>
           <a:lstStyle/>
           <a:p>
-            <a:r>
-              <a:rPr lang="en-GB" sz="1200" b="0" i="0" kern="1200" dirty="0">
-                <a:solidFill>
-                  <a:schemeClr val="tx1"/>
+            <a:pPr algn="l">
+              <a:buFont typeface="Arial" panose="020B0604020202020204" pitchFamily="34" charset="0"/>
+              <a:buChar char="•"/>
+            </a:pPr>
+            <a:r>
+              <a:rPr lang="en-GB" b="0" i="1" dirty="0">
+                <a:solidFill>
+                  <a:srgbClr val="000000"/>
                 </a:solidFill>
                 <a:effectLst/>
-                <a:latin typeface="+mn-lt"/>
-                <a:ea typeface="+mn-ea"/>
-                <a:cs typeface="+mn-cs"/>
-              </a:rPr>
-              <a:t>What can you do if there are no metadata standards defined for your data / field of research?</a:t>
-            </a:r>
-          </a:p>
-          <a:p>
-            <a:r>
-              <a:rPr lang="en-GB" sz="1200" b="0" i="0" kern="1200" dirty="0">
-                <a:solidFill>
-                  <a:schemeClr val="tx1"/>
+                <a:latin typeface="Open Sans" panose="020B0606030504020204" pitchFamily="34" charset="0"/>
+              </a:rPr>
+              <a:t>Administrative metadata </a:t>
+            </a:r>
+            <a:r>
+              <a:rPr lang="en-GB" b="0" i="0" dirty="0">
+                <a:solidFill>
+                  <a:srgbClr val="000000"/>
                 </a:solidFill>
                 <a:effectLst/>
-                <a:latin typeface="+mn-lt"/>
-                <a:ea typeface="+mn-ea"/>
-                <a:cs typeface="+mn-cs"/>
-              </a:rPr>
-              <a:t>Think about the minimum information that someone else (from your lab or from any other lab in the world) would need to know about your dataset to be able to work with it without any further inputs from you.</a:t>
-            </a:r>
-          </a:p>
-          <a:p>
-            <a:r>
-              <a:rPr lang="en-GB" sz="1200" b="1" i="0" kern="1200" dirty="0">
-                <a:solidFill>
-                  <a:schemeClr val="tx1"/>
+                <a:latin typeface="Open Sans" panose="020B0606030504020204" pitchFamily="34" charset="0"/>
+              </a:rPr>
+              <a:t>are data about a project or resource that are relevant for managing it; for example, project/ resource owner, principal investigator, project collaborators, funder, project period, etc. They are usually assigned to the data, before you collect or create them.  </a:t>
+            </a:r>
+          </a:p>
+          <a:p>
+            <a:pPr algn="l">
+              <a:buFont typeface="Arial" panose="020B0604020202020204" pitchFamily="34" charset="0"/>
+              <a:buNone/>
+            </a:pPr>
+            <a:endParaRPr lang="en-GB" b="0" i="0" dirty="0">
+              <a:solidFill>
+                <a:srgbClr val="000000"/>
+              </a:solidFill>
+              <a:effectLst/>
+              <a:latin typeface="Open Sans" panose="020B0606030504020204" pitchFamily="34" charset="0"/>
+            </a:endParaRPr>
+          </a:p>
+          <a:p>
+            <a:pPr algn="l">
+              <a:buFont typeface="Arial" panose="020B0604020202020204" pitchFamily="34" charset="0"/>
+              <a:buChar char="•"/>
+            </a:pPr>
+            <a:r>
+              <a:rPr lang="en-GB" b="0" i="1" dirty="0">
+                <a:solidFill>
+                  <a:srgbClr val="000000"/>
                 </a:solidFill>
                 <a:effectLst/>
-                <a:latin typeface="+mn-lt"/>
-                <a:ea typeface="+mn-ea"/>
-                <a:cs typeface="+mn-cs"/>
-              </a:rPr>
-              <a:t>Think as a consumer</a:t>
-            </a:r>
-            <a:r>
-              <a:rPr lang="en-GB" sz="1200" b="0" i="0" kern="1200" dirty="0">
-                <a:solidFill>
-                  <a:schemeClr val="tx1"/>
+                <a:latin typeface="Open Sans" panose="020B0606030504020204" pitchFamily="34" charset="0"/>
+              </a:rPr>
+              <a:t>Descriptive or citation metadata</a:t>
+            </a:r>
+            <a:r>
+              <a:rPr lang="en-GB" b="0" i="0" dirty="0">
+                <a:solidFill>
+                  <a:srgbClr val="000000"/>
                 </a:solidFill>
                 <a:effectLst/>
-                <a:latin typeface="+mn-lt"/>
-                <a:ea typeface="+mn-ea"/>
-                <a:cs typeface="+mn-cs"/>
-              </a:rPr>
-              <a:t> of your data not the producer!</a:t>
+                <a:latin typeface="Open Sans" panose="020B0606030504020204" pitchFamily="34" charset="0"/>
+              </a:rPr>
+              <a:t> are data about a dataset or resource that allow people to discover and identify it; for example, authors, title, abstract, keywords, persistent identifier, related publications, etc.  </a:t>
+            </a:r>
+          </a:p>
+          <a:p>
+            <a:pPr algn="l">
+              <a:buFont typeface="Arial" panose="020B0604020202020204" pitchFamily="34" charset="0"/>
+              <a:buNone/>
+            </a:pPr>
+            <a:endParaRPr lang="en-GB" b="0" i="0" dirty="0">
+              <a:solidFill>
+                <a:srgbClr val="000000"/>
+              </a:solidFill>
+              <a:effectLst/>
+              <a:latin typeface="Open Sans" panose="020B0606030504020204" pitchFamily="34" charset="0"/>
+            </a:endParaRPr>
+          </a:p>
+          <a:p>
+            <a:pPr algn="l">
+              <a:buFont typeface="Arial" panose="020B0604020202020204" pitchFamily="34" charset="0"/>
+              <a:buChar char="•"/>
+            </a:pPr>
+            <a:r>
+              <a:rPr lang="en-GB" b="0" i="1" dirty="0">
+                <a:solidFill>
+                  <a:srgbClr val="000000"/>
+                </a:solidFill>
+                <a:effectLst/>
+                <a:latin typeface="Open Sans" panose="020B0606030504020204" pitchFamily="34" charset="0"/>
+              </a:rPr>
+              <a:t>Structural metadata </a:t>
+            </a:r>
+            <a:r>
+              <a:rPr lang="en-GB" b="0" i="0" dirty="0">
+                <a:solidFill>
+                  <a:srgbClr val="000000"/>
+                </a:solidFill>
+                <a:effectLst/>
+                <a:latin typeface="Open Sans" panose="020B0606030504020204" pitchFamily="34" charset="0"/>
+              </a:rPr>
+              <a:t>are data about how a dataset or resource came about, but also how it is internally structured. Structural metadata describe, for example, the unit of analysis, collection method, sampling procedure, sample size, categories, variables, etc. Structural metadata have to be gathered by the researchers according to best practice in their research community and will be published together with the data. Descriptive and structural metadata should be added continuously throughout the project.</a:t>
             </a:r>
           </a:p>
           <a:p>
@@ -4588,7 +6519,7 @@
           <a:p>
             <a:fld id="{CCB04583-82FC-EB4C-9DD9-0626DE3C6BC2}" type="slidenum">
               <a:rPr lang="en-GB" smtClean="0"/>
-              <a:t>11</a:t>
+              <a:t>10</a:t>
             </a:fld>
             <a:endParaRPr lang="en-GB"/>
           </a:p>
@@ -4597,7 +6528,7 @@
     </p:spTree>
     <p:extLst>
       <p:ext uri="{BB962C8B-B14F-4D97-AF65-F5344CB8AC3E}">
-        <p14:creationId xmlns:p14="http://schemas.microsoft.com/office/powerpoint/2010/main" val="616882971"/>
+        <p14:creationId xmlns:p14="http://schemas.microsoft.com/office/powerpoint/2010/main" val="2866932615"/>
       </p:ext>
     </p:extLst>
   </p:cSld>
@@ -4661,50 +6592,8 @@
                 <a:ea typeface="+mn-ea"/>
                 <a:cs typeface="+mn-cs"/>
               </a:rPr>
-              <a:t>What can you do if there are no metadata standards defined for your data / field of research?</a:t>
-            </a:r>
-          </a:p>
-          <a:p>
-            <a:r>
-              <a:rPr lang="en-GB" sz="1200" b="0" i="0" kern="1200" dirty="0">
-                <a:solidFill>
-                  <a:schemeClr val="tx1"/>
-                </a:solidFill>
-                <a:effectLst/>
-                <a:latin typeface="+mn-lt"/>
-                <a:ea typeface="+mn-ea"/>
-                <a:cs typeface="+mn-cs"/>
-              </a:rPr>
-              <a:t>Think about the minimum information that someone else (from your lab or from any other lab in the world) would need to know about your dataset to be able to work with it without any further inputs from you.</a:t>
-            </a:r>
-          </a:p>
-          <a:p>
-            <a:r>
-              <a:rPr lang="en-GB" sz="1200" b="1" i="0" kern="1200" dirty="0">
-                <a:solidFill>
-                  <a:schemeClr val="tx1"/>
-                </a:solidFill>
-                <a:effectLst/>
-                <a:latin typeface="+mn-lt"/>
-                <a:ea typeface="+mn-ea"/>
-                <a:cs typeface="+mn-cs"/>
-              </a:rPr>
-              <a:t>Think as a consumer</a:t>
-            </a:r>
-            <a:r>
-              <a:rPr lang="en-GB" sz="1200" b="0" i="0" kern="1200" dirty="0">
-                <a:solidFill>
-                  <a:schemeClr val="tx1"/>
-                </a:solidFill>
-                <a:effectLst/>
-                <a:latin typeface="+mn-lt"/>
-                <a:ea typeface="+mn-ea"/>
-                <a:cs typeface="+mn-cs"/>
-              </a:rPr>
-              <a:t> of your data not the producer!</a:t>
-            </a:r>
-          </a:p>
-          <a:p>
+              <a:t>In groups, identify different types of metadata (administrative, descriptive, structural) present in this example.</a:t>
+            </a:r>
             <a:endParaRPr lang="en-GB" dirty="0"/>
           </a:p>
         </p:txBody>
@@ -4726,7 +6615,7 @@
           <a:p>
             <a:fld id="{CCB04583-82FC-EB4C-9DD9-0626DE3C6BC2}" type="slidenum">
               <a:rPr lang="en-GB" smtClean="0"/>
-              <a:t>12</a:t>
+              <a:t>11</a:t>
             </a:fld>
             <a:endParaRPr lang="en-GB"/>
           </a:p>
@@ -4735,7 +6624,7 @@
     </p:spTree>
     <p:extLst>
       <p:ext uri="{BB962C8B-B14F-4D97-AF65-F5344CB8AC3E}">
-        <p14:creationId xmlns:p14="http://schemas.microsoft.com/office/powerpoint/2010/main" val="2789846474"/>
+        <p14:creationId xmlns:p14="http://schemas.microsoft.com/office/powerpoint/2010/main" val="2758379892"/>
       </p:ext>
     </p:extLst>
   </p:cSld>
@@ -4911,7 +6800,7 @@
             <a:fld id="{5913FB77-D8DB-4AB9-8EA5-EE8C3B57A5E1}" type="datetimeFigureOut">
               <a:rPr lang="en-GB" smtClean="0"/>
               <a:pPr/>
-              <a:t>18/10/2021</a:t>
+              <a:t>19/10/2021</a:t>
             </a:fld>
             <a:endParaRPr lang="en-GB"/>
           </a:p>
@@ -5175,7 +7064,7 @@
           <a:p>
             <a:fld id="{5913FB77-D8DB-4AB9-8EA5-EE8C3B57A5E1}" type="datetimeFigureOut">
               <a:rPr lang="en-GB" smtClean="0"/>
-              <a:t>18/10/2021</a:t>
+              <a:t>19/10/2021</a:t>
             </a:fld>
             <a:endParaRPr lang="en-GB"/>
           </a:p>
@@ -5385,7 +7274,7 @@
           <a:p>
             <a:fld id="{5913FB77-D8DB-4AB9-8EA5-EE8C3B57A5E1}" type="datetimeFigureOut">
               <a:rPr lang="en-GB" smtClean="0"/>
-              <a:t>18/10/2021</a:t>
+              <a:t>19/10/2021</a:t>
             </a:fld>
             <a:endParaRPr lang="en-GB"/>
           </a:p>
@@ -5585,7 +7474,7 @@
           <a:p>
             <a:fld id="{5913FB77-D8DB-4AB9-8EA5-EE8C3B57A5E1}" type="datetimeFigureOut">
               <a:rPr lang="en-GB" smtClean="0"/>
-              <a:t>18/10/2021</a:t>
+              <a:t>19/10/2021</a:t>
             </a:fld>
             <a:endParaRPr lang="en-GB"/>
           </a:p>
@@ -5861,7 +7750,7 @@
           <a:p>
             <a:fld id="{5913FB77-D8DB-4AB9-8EA5-EE8C3B57A5E1}" type="datetimeFigureOut">
               <a:rPr lang="en-GB" smtClean="0"/>
-              <a:t>18/10/2021</a:t>
+              <a:t>19/10/2021</a:t>
             </a:fld>
             <a:endParaRPr lang="en-GB"/>
           </a:p>
@@ -6129,7 +8018,7 @@
           <a:p>
             <a:fld id="{5913FB77-D8DB-4AB9-8EA5-EE8C3B57A5E1}" type="datetimeFigureOut">
               <a:rPr lang="en-GB" smtClean="0"/>
-              <a:t>18/10/2021</a:t>
+              <a:t>19/10/2021</a:t>
             </a:fld>
             <a:endParaRPr lang="en-GB"/>
           </a:p>
@@ -6544,7 +8433,7 @@
           <a:p>
             <a:fld id="{5913FB77-D8DB-4AB9-8EA5-EE8C3B57A5E1}" type="datetimeFigureOut">
               <a:rPr lang="en-GB" smtClean="0"/>
-              <a:t>18/10/2021</a:t>
+              <a:t>19/10/2021</a:t>
             </a:fld>
             <a:endParaRPr lang="en-GB"/>
           </a:p>
@@ -6686,7 +8575,7 @@
           <a:p>
             <a:fld id="{5913FB77-D8DB-4AB9-8EA5-EE8C3B57A5E1}" type="datetimeFigureOut">
               <a:rPr lang="en-GB" smtClean="0"/>
-              <a:t>18/10/2021</a:t>
+              <a:t>19/10/2021</a:t>
             </a:fld>
             <a:endParaRPr lang="en-GB"/>
           </a:p>
@@ -6799,7 +8688,7 @@
           <a:p>
             <a:fld id="{5913FB77-D8DB-4AB9-8EA5-EE8C3B57A5E1}" type="datetimeFigureOut">
               <a:rPr lang="en-GB" smtClean="0"/>
-              <a:t>18/10/2021</a:t>
+              <a:t>19/10/2021</a:t>
             </a:fld>
             <a:endParaRPr lang="en-GB"/>
           </a:p>
@@ -7112,7 +9001,7 @@
           <a:p>
             <a:fld id="{5913FB77-D8DB-4AB9-8EA5-EE8C3B57A5E1}" type="datetimeFigureOut">
               <a:rPr lang="en-GB" smtClean="0"/>
-              <a:t>18/10/2021</a:t>
+              <a:t>19/10/2021</a:t>
             </a:fld>
             <a:endParaRPr lang="en-GB"/>
           </a:p>
@@ -7401,7 +9290,7 @@
           <a:p>
             <a:fld id="{5913FB77-D8DB-4AB9-8EA5-EE8C3B57A5E1}" type="datetimeFigureOut">
               <a:rPr lang="en-GB" smtClean="0"/>
-              <a:t>18/10/2021</a:t>
+              <a:t>19/10/2021</a:t>
             </a:fld>
             <a:endParaRPr lang="en-GB"/>
           </a:p>
@@ -7643,7 +9532,7 @@
             <a:fld id="{5913FB77-D8DB-4AB9-8EA5-EE8C3B57A5E1}" type="datetimeFigureOut">
               <a:rPr lang="en-GB" smtClean="0"/>
               <a:pPr/>
-              <a:t>18/10/2021</a:t>
+              <a:t>19/10/2021</a:t>
             </a:fld>
             <a:endParaRPr lang="en-GB"/>
           </a:p>
@@ -8387,6 +10276,934 @@
       </p:grpSpPr>
       <p:sp>
         <p:nvSpPr>
+          <p:cNvPr id="5" name="TextBox 4">
+            <a:extLst>
+              <a:ext uri="{FF2B5EF4-FFF2-40B4-BE49-F238E27FC236}">
+                <a16:creationId xmlns:a16="http://schemas.microsoft.com/office/drawing/2014/main" id="{3A7A1F5C-9C70-4DE3-BA39-7835B2935EB3}"/>
+              </a:ext>
+            </a:extLst>
+          </p:cNvPr>
+          <p:cNvSpPr txBox="1"/>
+          <p:nvPr/>
+        </p:nvSpPr>
+        <p:spPr>
+          <a:xfrm>
+            <a:off x="970418" y="1659285"/>
+            <a:ext cx="9464530" cy="3539430"/>
+          </a:xfrm>
+          <a:prstGeom prst="rect">
+            <a:avLst/>
+          </a:prstGeom>
+          <a:noFill/>
+        </p:spPr>
+        <p:txBody>
+          <a:bodyPr wrap="square">
+            <a:spAutoFit/>
+          </a:bodyPr>
+          <a:lstStyle/>
+          <a:p>
+            <a:pPr marL="457200" indent="-457200">
+              <a:buFont typeface="Arial" panose="020B0604020202020204" pitchFamily="34" charset="0"/>
+              <a:buChar char="•"/>
+            </a:pPr>
+            <a:r>
+              <a:rPr lang="en-GB" sz="2800" dirty="0">
+                <a:solidFill>
+                  <a:srgbClr val="0070C0"/>
+                </a:solidFill>
+              </a:rPr>
+              <a:t>Administrative: relevant to managing it </a:t>
+            </a:r>
+          </a:p>
+          <a:p>
+            <a:r>
+              <a:rPr lang="en-GB" sz="2800" dirty="0">
+                <a:solidFill>
+                  <a:srgbClr val="0070C0"/>
+                </a:solidFill>
+              </a:rPr>
+              <a:t>	e.g. Experimental code, PI</a:t>
+            </a:r>
+          </a:p>
+          <a:p>
+            <a:endParaRPr lang="en-GB" sz="2800" dirty="0">
+              <a:solidFill>
+                <a:srgbClr val="0070C0"/>
+              </a:solidFill>
+            </a:endParaRPr>
+          </a:p>
+          <a:p>
+            <a:pPr marL="457200" indent="-457200">
+              <a:buFont typeface="Arial" panose="020B0604020202020204" pitchFamily="34" charset="0"/>
+              <a:buChar char="•"/>
+            </a:pPr>
+            <a:r>
+              <a:rPr lang="en-GB" sz="2800" dirty="0">
+                <a:solidFill>
+                  <a:srgbClr val="0070C0"/>
+                </a:solidFill>
+              </a:rPr>
+              <a:t>Descriptive/citation: assists with discovery/identity </a:t>
+            </a:r>
+          </a:p>
+          <a:p>
+            <a:r>
+              <a:rPr lang="en-GB" sz="2800" dirty="0">
+                <a:solidFill>
+                  <a:srgbClr val="0070C0"/>
+                </a:solidFill>
+              </a:rPr>
+              <a:t>	e.g. Authors, persistent identifier</a:t>
+            </a:r>
+          </a:p>
+          <a:p>
+            <a:endParaRPr lang="en-GB" sz="2800" dirty="0">
+              <a:solidFill>
+                <a:srgbClr val="0070C0"/>
+              </a:solidFill>
+            </a:endParaRPr>
+          </a:p>
+          <a:p>
+            <a:pPr marL="457200" indent="-457200">
+              <a:buFont typeface="Arial" panose="020B0604020202020204" pitchFamily="34" charset="0"/>
+              <a:buChar char="•"/>
+            </a:pPr>
+            <a:r>
+              <a:rPr lang="en-GB" sz="2800" dirty="0">
+                <a:solidFill>
+                  <a:srgbClr val="0070C0"/>
+                </a:solidFill>
+              </a:rPr>
+              <a:t>Structural: how the data came about &amp; is structured </a:t>
+            </a:r>
+          </a:p>
+          <a:p>
+            <a:r>
+              <a:rPr lang="en-GB" sz="2800" dirty="0">
+                <a:solidFill>
+                  <a:srgbClr val="0070C0"/>
+                </a:solidFill>
+              </a:rPr>
+              <a:t>	e.g. Collection method, folder structures</a:t>
+            </a:r>
+          </a:p>
+        </p:txBody>
+      </p:sp>
+      <p:sp>
+        <p:nvSpPr>
+          <p:cNvPr id="7" name="Title 1">
+            <a:extLst>
+              <a:ext uri="{FF2B5EF4-FFF2-40B4-BE49-F238E27FC236}">
+                <a16:creationId xmlns:a16="http://schemas.microsoft.com/office/drawing/2014/main" id="{4B35E320-09F7-A249-9D11-797D5A963554}"/>
+              </a:ext>
+            </a:extLst>
+          </p:cNvPr>
+          <p:cNvSpPr>
+            <a:spLocks noGrp="1"/>
+          </p:cNvSpPr>
+          <p:nvPr>
+            <p:ph type="title"/>
+          </p:nvPr>
+        </p:nvSpPr>
+        <p:spPr>
+          <a:xfrm>
+            <a:off x="838200" y="365125"/>
+            <a:ext cx="10515600" cy="1325563"/>
+          </a:xfrm>
+        </p:spPr>
+        <p:txBody>
+          <a:bodyPr/>
+          <a:lstStyle/>
+          <a:p>
+            <a:r>
+              <a:rPr lang="pl-PL" dirty="0" err="1"/>
+              <a:t>Types</a:t>
+            </a:r>
+            <a:r>
+              <a:rPr lang="pl-PL" dirty="0"/>
+              <a:t> of </a:t>
+            </a:r>
+            <a:r>
+              <a:rPr lang="pl-PL" dirty="0" err="1"/>
+              <a:t>metadata</a:t>
+            </a:r>
+            <a:endParaRPr lang="en-GB" dirty="0"/>
+          </a:p>
+        </p:txBody>
+      </p:sp>
+      <p:pic>
+        <p:nvPicPr>
+          <p:cNvPr id="2" name="Picture 1">
+            <a:extLst>
+              <a:ext uri="{FF2B5EF4-FFF2-40B4-BE49-F238E27FC236}">
+                <a16:creationId xmlns:a16="http://schemas.microsoft.com/office/drawing/2014/main" id="{9EF2F0A7-F56E-44DB-BAA9-477F4C82CB93}"/>
+              </a:ext>
+            </a:extLst>
+          </p:cNvPr>
+          <p:cNvPicPr>
+            <a:picLocks noChangeAspect="1"/>
+          </p:cNvPicPr>
+          <p:nvPr/>
+        </p:nvPicPr>
+        <p:blipFill>
+          <a:blip r:embed="rId3"/>
+          <a:stretch>
+            <a:fillRect/>
+          </a:stretch>
+        </p:blipFill>
+        <p:spPr>
+          <a:xfrm>
+            <a:off x="9240252" y="573673"/>
+            <a:ext cx="2245765" cy="1520210"/>
+          </a:xfrm>
+          <a:prstGeom prst="rect">
+            <a:avLst/>
+          </a:prstGeom>
+        </p:spPr>
+      </p:pic>
+    </p:spTree>
+    <p:extLst>
+      <p:ext uri="{BB962C8B-B14F-4D97-AF65-F5344CB8AC3E}">
+        <p14:creationId xmlns:p14="http://schemas.microsoft.com/office/powerpoint/2010/main" val="269579055"/>
+      </p:ext>
+    </p:extLst>
+  </p:cSld>
+  <p:clrMapOvr>
+    <a:masterClrMapping/>
+  </p:clrMapOvr>
+</p:sld>
+</file>
+
+<file path=ppt/slides/slide11.xml><?xml version="1.0" encoding="utf-8"?>
+<p:sld xmlns:a="http://schemas.openxmlformats.org/drawingml/2006/main" xmlns:r="http://schemas.openxmlformats.org/officeDocument/2006/relationships" xmlns:p="http://schemas.openxmlformats.org/presentationml/2006/main">
+  <p:cSld>
+    <p:spTree>
+      <p:nvGrpSpPr>
+        <p:cNvPr id="1" name=""/>
+        <p:cNvGrpSpPr/>
+        <p:nvPr/>
+      </p:nvGrpSpPr>
+      <p:grpSpPr>
+        <a:xfrm>
+          <a:off x="0" y="0"/>
+          <a:ext cx="0" cy="0"/>
+          <a:chOff x="0" y="0"/>
+          <a:chExt cx="0" cy="0"/>
+        </a:xfrm>
+      </p:grpSpPr>
+      <p:sp>
+        <p:nvSpPr>
+          <p:cNvPr id="5" name="TextBox 4">
+            <a:extLst>
+              <a:ext uri="{FF2B5EF4-FFF2-40B4-BE49-F238E27FC236}">
+                <a16:creationId xmlns:a16="http://schemas.microsoft.com/office/drawing/2014/main" id="{3A7A1F5C-9C70-4DE3-BA39-7835B2935EB3}"/>
+              </a:ext>
+            </a:extLst>
+          </p:cNvPr>
+          <p:cNvSpPr txBox="1"/>
+          <p:nvPr/>
+        </p:nvSpPr>
+        <p:spPr>
+          <a:xfrm>
+            <a:off x="729767" y="100234"/>
+            <a:ext cx="9464530" cy="954107"/>
+          </a:xfrm>
+          <a:prstGeom prst="rect">
+            <a:avLst/>
+          </a:prstGeom>
+          <a:noFill/>
+        </p:spPr>
+        <p:txBody>
+          <a:bodyPr wrap="square">
+            <a:spAutoFit/>
+          </a:bodyPr>
+          <a:lstStyle/>
+          <a:p>
+            <a:r>
+              <a:rPr lang="en-GB" sz="2800" dirty="0">
+                <a:solidFill>
+                  <a:srgbClr val="0070C0"/>
+                </a:solidFill>
+              </a:rPr>
+              <a:t>Exercise/challenge 1: </a:t>
+            </a:r>
+          </a:p>
+          <a:p>
+            <a:pPr algn="ctr"/>
+            <a:r>
+              <a:rPr lang="en-GB" sz="2800" dirty="0">
+                <a:solidFill>
+                  <a:srgbClr val="0070C0"/>
+                </a:solidFill>
+              </a:rPr>
+              <a:t>Identifying metadata types</a:t>
+            </a:r>
+          </a:p>
+        </p:txBody>
+      </p:sp>
+      <p:sp>
+        <p:nvSpPr>
+          <p:cNvPr id="4" name="TextBox 3">
+            <a:extLst>
+              <a:ext uri="{FF2B5EF4-FFF2-40B4-BE49-F238E27FC236}">
+                <a16:creationId xmlns:a16="http://schemas.microsoft.com/office/drawing/2014/main" id="{544FEB5C-3600-FE4E-B43F-A4B3E93657F2}"/>
+              </a:ext>
+            </a:extLst>
+          </p:cNvPr>
+          <p:cNvSpPr txBox="1"/>
+          <p:nvPr/>
+        </p:nvSpPr>
+        <p:spPr>
+          <a:xfrm>
+            <a:off x="6749144" y="6480767"/>
+            <a:ext cx="3812596" cy="276999"/>
+          </a:xfrm>
+          <a:prstGeom prst="rect">
+            <a:avLst/>
+          </a:prstGeom>
+          <a:noFill/>
+        </p:spPr>
+        <p:txBody>
+          <a:bodyPr wrap="square">
+            <a:spAutoFit/>
+          </a:bodyPr>
+          <a:lstStyle/>
+          <a:p>
+            <a:r>
+              <a:rPr lang="en-GB" sz="1200" b="0" i="1" dirty="0">
+                <a:solidFill>
+                  <a:srgbClr val="333333"/>
+                </a:solidFill>
+                <a:effectLst/>
+                <a:latin typeface="Ubuntu"/>
+              </a:rPr>
+              <a:t>Figure credits: </a:t>
+            </a:r>
+            <a:r>
+              <a:rPr lang="en-GB" sz="1200" i="1" dirty="0">
+                <a:solidFill>
+                  <a:srgbClr val="333333"/>
+                </a:solidFill>
+                <a:latin typeface="Ubuntu"/>
+              </a:rPr>
+              <a:t>Tomasz Zielinski and Andrés Romanowski</a:t>
+            </a:r>
+            <a:endParaRPr lang="en-GB" sz="1200" dirty="0"/>
+          </a:p>
+        </p:txBody>
+      </p:sp>
+      <p:pic>
+        <p:nvPicPr>
+          <p:cNvPr id="3" name="Picture 2" descr="Graphical user interface, application, table, Excel&#10;&#10;Description automatically generated">
+            <a:extLst>
+              <a:ext uri="{FF2B5EF4-FFF2-40B4-BE49-F238E27FC236}">
+                <a16:creationId xmlns:a16="http://schemas.microsoft.com/office/drawing/2014/main" id="{45120055-0C4E-A64A-A666-D4512601C814}"/>
+              </a:ext>
+            </a:extLst>
+          </p:cNvPr>
+          <p:cNvPicPr>
+            <a:picLocks noChangeAspect="1"/>
+          </p:cNvPicPr>
+          <p:nvPr/>
+        </p:nvPicPr>
+        <p:blipFill rotWithShape="1">
+          <a:blip r:embed="rId3">
+            <a:extLst>
+              <a:ext uri="{28A0092B-C50C-407E-A947-70E740481C1C}">
+                <a14:useLocalDpi xmlns:a14="http://schemas.microsoft.com/office/drawing/2010/main" val="0"/>
+              </a:ext>
+            </a:extLst>
+          </a:blip>
+          <a:srcRect r="2407" b="3419"/>
+          <a:stretch/>
+        </p:blipFill>
+        <p:spPr>
+          <a:xfrm>
+            <a:off x="456350" y="1054341"/>
+            <a:ext cx="10301760" cy="5139630"/>
+          </a:xfrm>
+          <a:prstGeom prst="rect">
+            <a:avLst/>
+          </a:prstGeom>
+        </p:spPr>
+      </p:pic>
+    </p:spTree>
+    <p:extLst>
+      <p:ext uri="{BB962C8B-B14F-4D97-AF65-F5344CB8AC3E}">
+        <p14:creationId xmlns:p14="http://schemas.microsoft.com/office/powerpoint/2010/main" val="4286087962"/>
+      </p:ext>
+    </p:extLst>
+  </p:cSld>
+  <p:clrMapOvr>
+    <a:masterClrMapping/>
+  </p:clrMapOvr>
+</p:sld>
+</file>
+
+<file path=ppt/slides/slide12.xml><?xml version="1.0" encoding="utf-8"?>
+<p:sld xmlns:a="http://schemas.openxmlformats.org/drawingml/2006/main" xmlns:r="http://schemas.openxmlformats.org/officeDocument/2006/relationships" xmlns:p="http://schemas.openxmlformats.org/presentationml/2006/main">
+  <p:cSld>
+    <p:spTree>
+      <p:nvGrpSpPr>
+        <p:cNvPr id="1" name=""/>
+        <p:cNvGrpSpPr/>
+        <p:nvPr/>
+      </p:nvGrpSpPr>
+      <p:grpSpPr>
+        <a:xfrm>
+          <a:off x="0" y="0"/>
+          <a:ext cx="0" cy="0"/>
+          <a:chOff x="0" y="0"/>
+          <a:chExt cx="0" cy="0"/>
+        </a:xfrm>
+      </p:grpSpPr>
+      <p:sp>
+        <p:nvSpPr>
+          <p:cNvPr id="5" name="TextBox 4">
+            <a:extLst>
+              <a:ext uri="{FF2B5EF4-FFF2-40B4-BE49-F238E27FC236}">
+                <a16:creationId xmlns:a16="http://schemas.microsoft.com/office/drawing/2014/main" id="{3A7A1F5C-9C70-4DE3-BA39-7835B2935EB3}"/>
+              </a:ext>
+            </a:extLst>
+          </p:cNvPr>
+          <p:cNvSpPr txBox="1"/>
+          <p:nvPr/>
+        </p:nvSpPr>
+        <p:spPr>
+          <a:xfrm>
+            <a:off x="729767" y="100234"/>
+            <a:ext cx="9464530" cy="954107"/>
+          </a:xfrm>
+          <a:prstGeom prst="rect">
+            <a:avLst/>
+          </a:prstGeom>
+          <a:noFill/>
+        </p:spPr>
+        <p:txBody>
+          <a:bodyPr wrap="square">
+            <a:spAutoFit/>
+          </a:bodyPr>
+          <a:lstStyle/>
+          <a:p>
+            <a:r>
+              <a:rPr lang="en-GB" sz="2800" dirty="0">
+                <a:solidFill>
+                  <a:srgbClr val="0070C0"/>
+                </a:solidFill>
+              </a:rPr>
+              <a:t>Exercise/challenge 1: </a:t>
+            </a:r>
+          </a:p>
+          <a:p>
+            <a:pPr algn="ctr"/>
+            <a:r>
+              <a:rPr lang="en-GB" sz="2800" dirty="0">
+                <a:solidFill>
+                  <a:srgbClr val="0070C0"/>
+                </a:solidFill>
+              </a:rPr>
+              <a:t>Identifying metadata types</a:t>
+            </a:r>
+          </a:p>
+        </p:txBody>
+      </p:sp>
+      <p:sp>
+        <p:nvSpPr>
+          <p:cNvPr id="4" name="TextBox 3">
+            <a:extLst>
+              <a:ext uri="{FF2B5EF4-FFF2-40B4-BE49-F238E27FC236}">
+                <a16:creationId xmlns:a16="http://schemas.microsoft.com/office/drawing/2014/main" id="{544FEB5C-3600-FE4E-B43F-A4B3E93657F2}"/>
+              </a:ext>
+            </a:extLst>
+          </p:cNvPr>
+          <p:cNvSpPr txBox="1"/>
+          <p:nvPr/>
+        </p:nvSpPr>
+        <p:spPr>
+          <a:xfrm>
+            <a:off x="6749144" y="6480767"/>
+            <a:ext cx="3812596" cy="276999"/>
+          </a:xfrm>
+          <a:prstGeom prst="rect">
+            <a:avLst/>
+          </a:prstGeom>
+          <a:noFill/>
+        </p:spPr>
+        <p:txBody>
+          <a:bodyPr wrap="square">
+            <a:spAutoFit/>
+          </a:bodyPr>
+          <a:lstStyle/>
+          <a:p>
+            <a:r>
+              <a:rPr lang="en-GB" sz="1200" b="0" i="1" dirty="0">
+                <a:solidFill>
+                  <a:srgbClr val="333333"/>
+                </a:solidFill>
+                <a:effectLst/>
+                <a:latin typeface="Ubuntu"/>
+              </a:rPr>
+              <a:t>Figure credits: </a:t>
+            </a:r>
+            <a:r>
+              <a:rPr lang="en-GB" sz="1200" i="1" dirty="0">
+                <a:solidFill>
+                  <a:srgbClr val="333333"/>
+                </a:solidFill>
+                <a:latin typeface="Ubuntu"/>
+              </a:rPr>
+              <a:t>Tomasz Zielinski and Andrés Romanowski</a:t>
+            </a:r>
+            <a:endParaRPr lang="en-GB" sz="1200" dirty="0"/>
+          </a:p>
+        </p:txBody>
+      </p:sp>
+      <p:pic>
+        <p:nvPicPr>
+          <p:cNvPr id="7" name="Picture 6" descr="Graphical user interface, application, table, Excel&#10;&#10;Description automatically generated">
+            <a:extLst>
+              <a:ext uri="{FF2B5EF4-FFF2-40B4-BE49-F238E27FC236}">
+                <a16:creationId xmlns:a16="http://schemas.microsoft.com/office/drawing/2014/main" id="{BC560355-C489-6649-9863-0DEC79A7969B}"/>
+              </a:ext>
+            </a:extLst>
+          </p:cNvPr>
+          <p:cNvPicPr>
+            <a:picLocks noChangeAspect="1"/>
+          </p:cNvPicPr>
+          <p:nvPr/>
+        </p:nvPicPr>
+        <p:blipFill rotWithShape="1">
+          <a:blip r:embed="rId3">
+            <a:extLst>
+              <a:ext uri="{28A0092B-C50C-407E-A947-70E740481C1C}">
+                <a14:useLocalDpi xmlns:a14="http://schemas.microsoft.com/office/drawing/2010/main" val="0"/>
+              </a:ext>
+            </a:extLst>
+          </a:blip>
+          <a:srcRect r="2304" b="3640"/>
+          <a:stretch/>
+        </p:blipFill>
+        <p:spPr>
+          <a:xfrm>
+            <a:off x="426914" y="1067206"/>
+            <a:ext cx="10287737" cy="5185596"/>
+          </a:xfrm>
+          <a:prstGeom prst="rect">
+            <a:avLst/>
+          </a:prstGeom>
+        </p:spPr>
+      </p:pic>
+      <p:sp>
+        <p:nvSpPr>
+          <p:cNvPr id="8" name="Rectangle 7">
+            <a:extLst>
+              <a:ext uri="{FF2B5EF4-FFF2-40B4-BE49-F238E27FC236}">
+                <a16:creationId xmlns:a16="http://schemas.microsoft.com/office/drawing/2014/main" id="{41AA8545-5391-1A40-B90D-6ABD28C838D1}"/>
+              </a:ext>
+            </a:extLst>
+          </p:cNvPr>
+          <p:cNvSpPr/>
+          <p:nvPr/>
+        </p:nvSpPr>
+        <p:spPr>
+          <a:xfrm>
+            <a:off x="9470571" y="201022"/>
+            <a:ext cx="2550124" cy="1384995"/>
+          </a:xfrm>
+          <a:prstGeom prst="rect">
+            <a:avLst/>
+          </a:prstGeom>
+          <a:solidFill>
+            <a:schemeClr val="tx1">
+              <a:lumMod val="50000"/>
+              <a:lumOff val="50000"/>
+            </a:schemeClr>
+          </a:solidFill>
+        </p:spPr>
+        <p:txBody>
+          <a:bodyPr wrap="square">
+            <a:spAutoFit/>
+          </a:bodyPr>
+          <a:lstStyle/>
+          <a:p>
+            <a:pPr algn="ctr"/>
+            <a:r>
+              <a:rPr lang="en-GB" sz="2800" b="1" dirty="0">
+                <a:solidFill>
+                  <a:schemeClr val="accent1">
+                    <a:lumMod val="40000"/>
+                    <a:lumOff val="60000"/>
+                  </a:schemeClr>
+                </a:solidFill>
+              </a:rPr>
+              <a:t>Administrative</a:t>
+            </a:r>
+            <a:endParaRPr lang="en-GB" sz="2800" dirty="0"/>
+          </a:p>
+          <a:p>
+            <a:pPr algn="ctr"/>
+            <a:r>
+              <a:rPr lang="en-GB" sz="2800" b="1" dirty="0">
+                <a:solidFill>
+                  <a:schemeClr val="accent4">
+                    <a:lumMod val="40000"/>
+                    <a:lumOff val="60000"/>
+                  </a:schemeClr>
+                </a:solidFill>
+              </a:rPr>
+              <a:t>Descriptive</a:t>
+            </a:r>
+            <a:endParaRPr lang="en-GB" sz="2800" dirty="0"/>
+          </a:p>
+          <a:p>
+            <a:pPr algn="ctr"/>
+            <a:r>
+              <a:rPr lang="en-GB" sz="2800" b="1" dirty="0">
+                <a:solidFill>
+                  <a:schemeClr val="accent6">
+                    <a:lumMod val="60000"/>
+                    <a:lumOff val="40000"/>
+                  </a:schemeClr>
+                </a:solidFill>
+              </a:rPr>
+              <a:t>Structural</a:t>
+            </a:r>
+            <a:endParaRPr lang="en-GB" sz="2800" b="0" i="0" dirty="0">
+              <a:effectLst/>
+            </a:endParaRPr>
+          </a:p>
+        </p:txBody>
+      </p:sp>
+    </p:spTree>
+    <p:extLst>
+      <p:ext uri="{BB962C8B-B14F-4D97-AF65-F5344CB8AC3E}">
+        <p14:creationId xmlns:p14="http://schemas.microsoft.com/office/powerpoint/2010/main" val="983723164"/>
+      </p:ext>
+    </p:extLst>
+  </p:cSld>
+  <p:clrMapOvr>
+    <a:masterClrMapping/>
+  </p:clrMapOvr>
+</p:sld>
+</file>
+
+<file path=ppt/slides/slide13.xml><?xml version="1.0" encoding="utf-8"?>
+<p:sld xmlns:a="http://schemas.openxmlformats.org/drawingml/2006/main" xmlns:r="http://schemas.openxmlformats.org/officeDocument/2006/relationships" xmlns:p="http://schemas.openxmlformats.org/presentationml/2006/main">
+  <p:cSld>
+    <p:spTree>
+      <p:nvGrpSpPr>
+        <p:cNvPr id="1" name=""/>
+        <p:cNvGrpSpPr/>
+        <p:nvPr/>
+      </p:nvGrpSpPr>
+      <p:grpSpPr>
+        <a:xfrm>
+          <a:off x="0" y="0"/>
+          <a:ext cx="0" cy="0"/>
+          <a:chOff x="0" y="0"/>
+          <a:chExt cx="0" cy="0"/>
+        </a:xfrm>
+      </p:grpSpPr>
+      <p:sp>
+        <p:nvSpPr>
+          <p:cNvPr id="2" name="Rectangle 1"/>
+          <p:cNvSpPr/>
+          <p:nvPr/>
+        </p:nvSpPr>
+        <p:spPr>
+          <a:xfrm>
+            <a:off x="765728" y="1690688"/>
+            <a:ext cx="10304584" cy="2308324"/>
+          </a:xfrm>
+          <a:prstGeom prst="rect">
+            <a:avLst/>
+          </a:prstGeom>
+        </p:spPr>
+        <p:txBody>
+          <a:bodyPr wrap="square">
+            <a:spAutoFit/>
+          </a:bodyPr>
+          <a:lstStyle/>
+          <a:p>
+            <a:r>
+              <a:rPr lang="en-GB" sz="2400" dirty="0">
+                <a:solidFill>
+                  <a:srgbClr val="0070C0"/>
+                </a:solidFill>
+              </a:rPr>
+              <a:t>What is "data" and what is "metadata" can be a matter of perspective: </a:t>
+            </a:r>
+            <a:endParaRPr lang="pl-PL" sz="2400" dirty="0">
+              <a:solidFill>
+                <a:srgbClr val="0070C0"/>
+              </a:solidFill>
+            </a:endParaRPr>
+          </a:p>
+          <a:p>
+            <a:endParaRPr lang="pl-PL" sz="2400" dirty="0">
+              <a:solidFill>
+                <a:srgbClr val="0070C0"/>
+              </a:solidFill>
+            </a:endParaRPr>
+          </a:p>
+          <a:p>
+            <a:r>
+              <a:rPr lang="en-GB" sz="2400" b="1" dirty="0">
+                <a:solidFill>
+                  <a:srgbClr val="0070C0"/>
+                </a:solidFill>
+              </a:rPr>
+              <a:t>Some researchers' metadata can be other researchers' data.</a:t>
+            </a:r>
+            <a:endParaRPr lang="pl-PL" sz="2400" dirty="0">
+              <a:solidFill>
+                <a:srgbClr val="0070C0"/>
+              </a:solidFill>
+            </a:endParaRPr>
+          </a:p>
+          <a:p>
+            <a:pPr marL="285750" indent="-285750">
+              <a:buFont typeface="Arial" panose="020B0604020202020204" pitchFamily="34" charset="0"/>
+              <a:buChar char="•"/>
+            </a:pPr>
+            <a:endParaRPr lang="pl-PL" sz="2400" dirty="0">
+              <a:solidFill>
+                <a:srgbClr val="0070C0"/>
+              </a:solidFill>
+            </a:endParaRPr>
+          </a:p>
+          <a:p>
+            <a:r>
+              <a:rPr lang="pl-PL" sz="2400" dirty="0">
+                <a:solidFill>
+                  <a:srgbClr val="0070C0"/>
+                </a:solidFill>
+              </a:rPr>
+              <a:t>Think of </a:t>
+            </a:r>
+            <a:r>
+              <a:rPr lang="pl-PL" sz="2400" dirty="0" err="1">
+                <a:solidFill>
+                  <a:srgbClr val="0070C0"/>
+                </a:solidFill>
+              </a:rPr>
+              <a:t>an</a:t>
+            </a:r>
+            <a:r>
+              <a:rPr lang="pl-PL" sz="2400" dirty="0">
+                <a:solidFill>
+                  <a:srgbClr val="0070C0"/>
+                </a:solidFill>
+              </a:rPr>
+              <a:t> </a:t>
+            </a:r>
+            <a:r>
+              <a:rPr lang="pl-PL" sz="2400" dirty="0" err="1">
+                <a:solidFill>
+                  <a:srgbClr val="0070C0"/>
+                </a:solidFill>
+              </a:rPr>
+              <a:t>example</a:t>
+            </a:r>
+            <a:r>
+              <a:rPr lang="pl-PL" sz="2400" dirty="0">
+                <a:solidFill>
+                  <a:srgbClr val="0070C0"/>
+                </a:solidFill>
+              </a:rPr>
+              <a:t> from our „excel” table</a:t>
+            </a:r>
+          </a:p>
+          <a:p>
+            <a:endParaRPr lang="en-GB" sz="2400" dirty="0">
+              <a:solidFill>
+                <a:srgbClr val="0070C0"/>
+              </a:solidFill>
+            </a:endParaRPr>
+          </a:p>
+        </p:txBody>
+      </p:sp>
+      <p:sp>
+        <p:nvSpPr>
+          <p:cNvPr id="5" name="Title 1">
+            <a:extLst>
+              <a:ext uri="{FF2B5EF4-FFF2-40B4-BE49-F238E27FC236}">
+                <a16:creationId xmlns:a16="http://schemas.microsoft.com/office/drawing/2014/main" id="{52653BC0-E458-4F4C-982A-94720B229AC9}"/>
+              </a:ext>
+            </a:extLst>
+          </p:cNvPr>
+          <p:cNvSpPr>
+            <a:spLocks noGrp="1"/>
+          </p:cNvSpPr>
+          <p:nvPr>
+            <p:ph type="title"/>
+          </p:nvPr>
+        </p:nvSpPr>
+        <p:spPr>
+          <a:xfrm>
+            <a:off x="838200" y="365125"/>
+            <a:ext cx="10515600" cy="1325563"/>
+          </a:xfrm>
+        </p:spPr>
+        <p:txBody>
+          <a:bodyPr/>
+          <a:lstStyle/>
+          <a:p>
+            <a:r>
+              <a:rPr lang="en-GB" dirty="0"/>
+              <a:t>Where does data end and metadata start?</a:t>
+            </a:r>
+          </a:p>
+        </p:txBody>
+      </p:sp>
+    </p:spTree>
+    <p:extLst>
+      <p:ext uri="{BB962C8B-B14F-4D97-AF65-F5344CB8AC3E}">
+        <p14:creationId xmlns:p14="http://schemas.microsoft.com/office/powerpoint/2010/main" val="4064081264"/>
+      </p:ext>
+    </p:extLst>
+  </p:cSld>
+  <p:clrMapOvr>
+    <a:masterClrMapping/>
+  </p:clrMapOvr>
+</p:sld>
+</file>
+
+<file path=ppt/slides/slide14.xml><?xml version="1.0" encoding="utf-8"?>
+<p:sld xmlns:a="http://schemas.openxmlformats.org/drawingml/2006/main" xmlns:r="http://schemas.openxmlformats.org/officeDocument/2006/relationships" xmlns:p="http://schemas.openxmlformats.org/presentationml/2006/main">
+  <p:cSld>
+    <p:spTree>
+      <p:nvGrpSpPr>
+        <p:cNvPr id="1" name=""/>
+        <p:cNvGrpSpPr/>
+        <p:nvPr/>
+      </p:nvGrpSpPr>
+      <p:grpSpPr>
+        <a:xfrm>
+          <a:off x="0" y="0"/>
+          <a:ext cx="0" cy="0"/>
+          <a:chOff x="0" y="0"/>
+          <a:chExt cx="0" cy="0"/>
+        </a:xfrm>
+      </p:grpSpPr>
+      <p:sp>
+        <p:nvSpPr>
+          <p:cNvPr id="4" name="TextBox 3">
+            <a:extLst>
+              <a:ext uri="{FF2B5EF4-FFF2-40B4-BE49-F238E27FC236}">
+                <a16:creationId xmlns:a16="http://schemas.microsoft.com/office/drawing/2014/main" id="{544FEB5C-3600-FE4E-B43F-A4B3E93657F2}"/>
+              </a:ext>
+            </a:extLst>
+          </p:cNvPr>
+          <p:cNvSpPr txBox="1"/>
+          <p:nvPr/>
+        </p:nvSpPr>
+        <p:spPr>
+          <a:xfrm>
+            <a:off x="6749144" y="6480767"/>
+            <a:ext cx="3812596" cy="276999"/>
+          </a:xfrm>
+          <a:prstGeom prst="rect">
+            <a:avLst/>
+          </a:prstGeom>
+          <a:noFill/>
+        </p:spPr>
+        <p:txBody>
+          <a:bodyPr wrap="square">
+            <a:spAutoFit/>
+          </a:bodyPr>
+          <a:lstStyle/>
+          <a:p>
+            <a:r>
+              <a:rPr lang="en-GB" sz="1200" b="0" i="1" dirty="0">
+                <a:solidFill>
+                  <a:srgbClr val="333333"/>
+                </a:solidFill>
+                <a:effectLst/>
+                <a:latin typeface="Ubuntu"/>
+              </a:rPr>
+              <a:t>Figure credits: </a:t>
+            </a:r>
+            <a:r>
+              <a:rPr lang="en-GB" sz="1200" i="1" dirty="0">
+                <a:solidFill>
+                  <a:srgbClr val="333333"/>
+                </a:solidFill>
+                <a:latin typeface="Ubuntu"/>
+              </a:rPr>
+              <a:t>Tomasz Zielinski and Andrés Romanowski</a:t>
+            </a:r>
+            <a:endParaRPr lang="en-GB" sz="1200" dirty="0"/>
+          </a:p>
+        </p:txBody>
+      </p:sp>
+      <p:pic>
+        <p:nvPicPr>
+          <p:cNvPr id="3" name="Picture 2" descr="Graphical user interface, application, table, Excel&#10;&#10;Description automatically generated">
+            <a:extLst>
+              <a:ext uri="{FF2B5EF4-FFF2-40B4-BE49-F238E27FC236}">
+                <a16:creationId xmlns:a16="http://schemas.microsoft.com/office/drawing/2014/main" id="{45120055-0C4E-A64A-A666-D4512601C814}"/>
+              </a:ext>
+            </a:extLst>
+          </p:cNvPr>
+          <p:cNvPicPr>
+            <a:picLocks noChangeAspect="1"/>
+          </p:cNvPicPr>
+          <p:nvPr/>
+        </p:nvPicPr>
+        <p:blipFill rotWithShape="1">
+          <a:blip r:embed="rId3">
+            <a:extLst>
+              <a:ext uri="{28A0092B-C50C-407E-A947-70E740481C1C}">
+                <a14:useLocalDpi xmlns:a14="http://schemas.microsoft.com/office/drawing/2010/main" val="0"/>
+              </a:ext>
+            </a:extLst>
+          </a:blip>
+          <a:srcRect r="2407" b="3419"/>
+          <a:stretch/>
+        </p:blipFill>
+        <p:spPr>
+          <a:xfrm>
+            <a:off x="456350" y="1054341"/>
+            <a:ext cx="10301760" cy="5139630"/>
+          </a:xfrm>
+          <a:prstGeom prst="rect">
+            <a:avLst/>
+          </a:prstGeom>
+        </p:spPr>
+      </p:pic>
+    </p:spTree>
+    <p:extLst>
+      <p:ext uri="{BB962C8B-B14F-4D97-AF65-F5344CB8AC3E}">
+        <p14:creationId xmlns:p14="http://schemas.microsoft.com/office/powerpoint/2010/main" val="840223466"/>
+      </p:ext>
+    </p:extLst>
+  </p:cSld>
+  <p:clrMapOvr>
+    <a:masterClrMapping/>
+  </p:clrMapOvr>
+</p:sld>
+</file>
+
+<file path=ppt/slides/slide15.xml><?xml version="1.0" encoding="utf-8"?>
+<p:sld xmlns:a="http://schemas.openxmlformats.org/drawingml/2006/main" xmlns:r="http://schemas.openxmlformats.org/officeDocument/2006/relationships" xmlns:p="http://schemas.openxmlformats.org/presentationml/2006/main">
+  <p:cSld>
+    <p:spTree>
+      <p:nvGrpSpPr>
+        <p:cNvPr id="1" name=""/>
+        <p:cNvGrpSpPr/>
+        <p:nvPr/>
+      </p:nvGrpSpPr>
+      <p:grpSpPr>
+        <a:xfrm>
+          <a:off x="0" y="0"/>
+          <a:ext cx="0" cy="0"/>
+          <a:chOff x="0" y="0"/>
+          <a:chExt cx="0" cy="0"/>
+        </a:xfrm>
+      </p:grpSpPr>
+      <p:sp>
+        <p:nvSpPr>
           <p:cNvPr id="2" name="Rectangle 1"/>
           <p:cNvSpPr/>
           <p:nvPr/>
@@ -8686,7 +11503,7 @@
 </p:sld>
 </file>
 
-<file path=ppt/slides/slide11.xml><?xml version="1.0" encoding="utf-8"?>
+<file path=ppt/slides/slide16.xml><?xml version="1.0" encoding="utf-8"?>
 <p:sld xmlns:a="http://schemas.openxmlformats.org/drawingml/2006/main" xmlns:r="http://schemas.openxmlformats.org/officeDocument/2006/relationships" xmlns:p="http://schemas.openxmlformats.org/presentationml/2006/main">
   <p:cSld>
     <p:spTree>
@@ -8797,7 +11614,7 @@
 </p:sld>
 </file>
 
-<file path=ppt/slides/slide12.xml><?xml version="1.0" encoding="utf-8"?>
+<file path=ppt/slides/slide17.xml><?xml version="1.0" encoding="utf-8"?>
 <p:sld xmlns:a="http://schemas.openxmlformats.org/drawingml/2006/main" xmlns:r="http://schemas.openxmlformats.org/officeDocument/2006/relationships" xmlns:p="http://schemas.openxmlformats.org/presentationml/2006/main">
   <p:cSld>
     <p:spTree>
@@ -9008,7 +11825,7 @@
 </p:sld>
 </file>
 
-<file path=ppt/slides/slide13.xml><?xml version="1.0" encoding="utf-8"?>
+<file path=ppt/slides/slide18.xml><?xml version="1.0" encoding="utf-8"?>
 <p:sld xmlns:a="http://schemas.openxmlformats.org/drawingml/2006/main" xmlns:r="http://schemas.openxmlformats.org/officeDocument/2006/relationships" xmlns:p="http://schemas.openxmlformats.org/presentationml/2006/main">
   <p:cSld>
     <p:bg>
@@ -9238,7 +12055,7 @@
         </p:xfrm>
         <a:graphic>
           <a:graphicData uri="http://schemas.openxmlformats.org/drawingml/2006/diagram">
-            <dgm:relIds xmlns:dgm="http://schemas.openxmlformats.org/drawingml/2006/diagram" xmlns:r="http://schemas.openxmlformats.org/officeDocument/2006/relationships" r:dm="rId2" r:lo="rId3" r:qs="rId4" r:cs="rId5"/>
+            <dgm:relIds xmlns:dgm="http://schemas.openxmlformats.org/drawingml/2006/diagram" xmlns:r="http://schemas.openxmlformats.org/officeDocument/2006/relationships" r:dm="rId3" r:lo="rId4" r:qs="rId5" r:cs="rId6"/>
           </a:graphicData>
         </a:graphic>
       </p:graphicFrame>
@@ -9255,7 +12072,7 @@
 </p:sld>
 </file>
 
-<file path=ppt/slides/slide14.xml><?xml version="1.0" encoding="utf-8"?>
+<file path=ppt/slides/slide19.xml><?xml version="1.0" encoding="utf-8"?>
 <p:sld xmlns:a="http://schemas.openxmlformats.org/drawingml/2006/main" xmlns:r="http://schemas.openxmlformats.org/officeDocument/2006/relationships" xmlns:p="http://schemas.openxmlformats.org/presentationml/2006/main">
   <p:cSld>
     <p:spTree>
@@ -9367,7 +12184,7 @@
 </p:sld>
 </file>
 
-<file path=ppt/slides/slide15.xml><?xml version="1.0" encoding="utf-8"?>
+<file path=ppt/slides/slide2.xml><?xml version="1.0" encoding="utf-8"?>
 <p:sld xmlns:a="http://schemas.openxmlformats.org/drawingml/2006/main" xmlns:r="http://schemas.openxmlformats.org/officeDocument/2006/relationships" xmlns:p="http://schemas.openxmlformats.org/presentationml/2006/main">
   <p:cSld>
     <p:spTree>
@@ -9386,90 +12203,10 @@
       </p:grpSpPr>
       <p:sp>
         <p:nvSpPr>
-          <p:cNvPr id="8" name="TextBox 7">
+          <p:cNvPr id="2" name="Title 1">
             <a:extLst>
               <a:ext uri="{FF2B5EF4-FFF2-40B4-BE49-F238E27FC236}">
-                <a16:creationId xmlns:a16="http://schemas.microsoft.com/office/drawing/2014/main" id="{D8565959-91AC-416B-8E5F-D550B9E166C9}"/>
-              </a:ext>
-            </a:extLst>
-          </p:cNvPr>
-          <p:cNvSpPr txBox="1"/>
-          <p:nvPr/>
-        </p:nvSpPr>
-        <p:spPr>
-          <a:xfrm>
-            <a:off x="838200" y="1690688"/>
-            <a:ext cx="10206318" cy="3359061"/>
-          </a:xfrm>
-          <a:prstGeom prst="rect">
-            <a:avLst/>
-          </a:prstGeom>
-          <a:noFill/>
-        </p:spPr>
-        <p:txBody>
-          <a:bodyPr wrap="square">
-            <a:spAutoFit/>
-          </a:bodyPr>
-          <a:lstStyle/>
-          <a:p>
-            <a:pPr marL="285750" indent="-285750">
-              <a:lnSpc>
-                <a:spcPct val="150000"/>
-              </a:lnSpc>
-              <a:buFont typeface="Arial" panose="020B0604020202020204" pitchFamily="34" charset="0"/>
-              <a:buChar char="•"/>
-            </a:pPr>
-            <a:r>
-              <a:rPr lang="en-GB" sz="2400" dirty="0">
-                <a:solidFill>
-                  <a:srgbClr val="0070C0"/>
-                </a:solidFill>
-              </a:rPr>
-              <a:t>Metadata provides extreme valuable information for us and others to be able to interpret, process, reuse and reproduce the research data it accompanies.</a:t>
-            </a:r>
-          </a:p>
-          <a:p>
-            <a:pPr marL="285750" indent="-285750">
-              <a:lnSpc>
-                <a:spcPct val="150000"/>
-              </a:lnSpc>
-              <a:buFont typeface="Arial" panose="020B0604020202020204" pitchFamily="34" charset="0"/>
-              <a:buChar char="•"/>
-            </a:pPr>
-            <a:r>
-              <a:rPr lang="en-GB" sz="2400" dirty="0">
-                <a:solidFill>
-                  <a:srgbClr val="0070C0"/>
-                </a:solidFill>
-              </a:rPr>
-              <a:t>Because metadata are data about data, all of the FAIR principles i.e. Findable, Accessible, Interoperable and Reusable apply to metadata.</a:t>
-            </a:r>
-          </a:p>
-          <a:p>
-            <a:pPr marL="285750" indent="-285750">
-              <a:lnSpc>
-                <a:spcPct val="150000"/>
-              </a:lnSpc>
-              <a:buFont typeface="Arial" panose="020B0604020202020204" pitchFamily="34" charset="0"/>
-              <a:buChar char="•"/>
-            </a:pPr>
-            <a:r>
-              <a:rPr lang="en-GB" sz="2400" dirty="0">
-                <a:solidFill>
-                  <a:srgbClr val="0070C0"/>
-                </a:solidFill>
-              </a:rPr>
-              <a:t>Ideally, metadata should not only be machine-readable, but also interoperable so that they can interlink or be reasoned about by computer systems.</a:t>
-            </a:r>
-          </a:p>
-        </p:txBody>
-      </p:sp>
-      <p:sp>
-        <p:nvSpPr>
-          <p:cNvPr id="15" name="Title 1">
-            <a:extLst>
-              <a:ext uri="{FF2B5EF4-FFF2-40B4-BE49-F238E27FC236}">
-                <a16:creationId xmlns:a16="http://schemas.microsoft.com/office/drawing/2014/main" id="{A798BD3C-6025-7D47-BFE5-958354466177}"/>
+                <a16:creationId xmlns:a16="http://schemas.microsoft.com/office/drawing/2014/main" id="{93C22BF1-8236-E34E-9A53-2352A46724F3}"/>
               </a:ext>
             </a:extLst>
           </p:cNvPr>
@@ -9480,28 +12217,125 @@
             <p:ph type="title"/>
           </p:nvPr>
         </p:nvSpPr>
-        <p:spPr>
-          <a:xfrm>
-            <a:off x="838200" y="365125"/>
-            <a:ext cx="10515600" cy="1325563"/>
-          </a:xfrm>
-        </p:spPr>
+        <p:spPr/>
         <p:txBody>
           <a:bodyPr/>
           <a:lstStyle/>
           <a:p>
             <a:r>
+              <a:rPr lang="pl-PL" dirty="0"/>
+              <a:t>M</a:t>
+            </a:r>
+            <a:r>
+              <a:rPr lang="en-GB" dirty="0" err="1"/>
+              <a:t>etadata</a:t>
+            </a:r>
+            <a:r>
+              <a:rPr lang="en-GB" dirty="0"/>
+              <a:t> is data about the data</a:t>
+            </a:r>
+            <a:r>
+              <a:rPr lang="pl-PL" dirty="0"/>
+              <a:t>!</a:t>
+            </a:r>
+            <a:r>
+              <a:rPr lang="en-GB" dirty="0"/>
+              <a:t> </a:t>
+            </a:r>
+          </a:p>
+        </p:txBody>
+      </p:sp>
+      <p:sp>
+        <p:nvSpPr>
+          <p:cNvPr id="3" name="Content Placeholder 2">
+            <a:extLst>
+              <a:ext uri="{FF2B5EF4-FFF2-40B4-BE49-F238E27FC236}">
+                <a16:creationId xmlns:a16="http://schemas.microsoft.com/office/drawing/2014/main" id="{ADED73CA-3D6B-544D-9189-A469EB518254}"/>
+              </a:ext>
+            </a:extLst>
+          </p:cNvPr>
+          <p:cNvSpPr>
+            <a:spLocks noGrp="1"/>
+          </p:cNvSpPr>
+          <p:nvPr>
+            <p:ph idx="1"/>
+          </p:nvPr>
+        </p:nvSpPr>
+        <p:spPr/>
+        <p:txBody>
+          <a:bodyPr/>
+          <a:lstStyle/>
+          <a:p>
+            <a:r>
+              <a:rPr lang="pl-PL" dirty="0"/>
+              <a:t>M</a:t>
+            </a:r>
+            <a:r>
+              <a:rPr lang="en-GB" dirty="0" err="1"/>
+              <a:t>etadata</a:t>
+            </a:r>
+            <a:r>
+              <a:rPr lang="en-GB" dirty="0"/>
+              <a:t> is the </a:t>
+            </a:r>
+            <a:r>
+              <a:rPr lang="en-GB" b="1" dirty="0"/>
+              <a:t>description of data</a:t>
+            </a:r>
+            <a:endParaRPr lang="pl-PL" b="1" dirty="0"/>
+          </a:p>
+          <a:p>
+            <a:r>
               <a:rPr lang="pl-PL" dirty="0" err="1"/>
-              <a:t>Metadata</a:t>
+              <a:t>permits</a:t>
             </a:r>
             <a:r>
               <a:rPr lang="pl-PL" dirty="0"/>
-              <a:t> and FAIR </a:t>
-            </a:r>
-            <a:r>
-              <a:rPr lang="pl-PL" dirty="0" err="1"/>
-              <a:t>guidelines</a:t>
-            </a:r>
+              <a:t> </a:t>
+            </a:r>
+            <a:r>
+              <a:rPr lang="en-GB" dirty="0"/>
+              <a:t>understanding </a:t>
+            </a:r>
+            <a:r>
+              <a:rPr lang="pl-PL" dirty="0"/>
+              <a:t>and </a:t>
+            </a:r>
+            <a:r>
+              <a:rPr lang="en-GB" dirty="0"/>
+              <a:t>interpretation </a:t>
+            </a:r>
+            <a:r>
+              <a:rPr lang="pl-PL" dirty="0"/>
+              <a:t>o</a:t>
+            </a:r>
+            <a:r>
+              <a:rPr lang="en-GB" dirty="0"/>
+              <a:t>f data</a:t>
+            </a:r>
+            <a:endParaRPr lang="pl-PL" dirty="0"/>
+          </a:p>
+          <a:p>
+            <a:r>
+              <a:rPr lang="en-GB" dirty="0"/>
+              <a:t>as important as your data </a:t>
+            </a:r>
+            <a:endParaRPr lang="pl-PL" dirty="0"/>
+          </a:p>
+          <a:p>
+            <a:r>
+              <a:rPr lang="en-GB" dirty="0"/>
+              <a:t>It should be continuously added to your research data</a:t>
+            </a:r>
+            <a:endParaRPr lang="pl-PL" dirty="0"/>
+          </a:p>
+          <a:p>
+            <a:r>
+              <a:rPr lang="en-GB" dirty="0"/>
+              <a:t>Metadata can be produced in an automated way or manually</a:t>
+            </a:r>
+          </a:p>
+          <a:p>
             <a:endParaRPr lang="en-GB" dirty="0"/>
           </a:p>
         </p:txBody>
@@ -9509,7 +12343,7 @@
     </p:spTree>
     <p:extLst>
       <p:ext uri="{BB962C8B-B14F-4D97-AF65-F5344CB8AC3E}">
-        <p14:creationId xmlns:p14="http://schemas.microsoft.com/office/powerpoint/2010/main" val="3946935514"/>
+        <p14:creationId xmlns:p14="http://schemas.microsoft.com/office/powerpoint/2010/main" val="3395286700"/>
       </p:ext>
     </p:extLst>
   </p:cSld>
@@ -9519,7 +12353,7 @@
 </p:sld>
 </file>
 
-<file path=ppt/slides/slide16.xml><?xml version="1.0" encoding="utf-8"?>
+<file path=ppt/slides/slide20.xml><?xml version="1.0" encoding="utf-8"?>
 <p:sld xmlns:a="http://schemas.openxmlformats.org/drawingml/2006/main" xmlns:r="http://schemas.openxmlformats.org/officeDocument/2006/relationships" xmlns:p="http://schemas.openxmlformats.org/presentationml/2006/main">
   <p:cSld>
     <p:spTree>
@@ -9536,51 +12370,12 @@
           <a:chExt cx="0" cy="0"/>
         </a:xfrm>
       </p:grpSpPr>
-      <p:pic>
-        <p:nvPicPr>
-          <p:cNvPr id="3" name="Graphic 2" descr="Questions with solid fill">
+      <p:sp>
+        <p:nvSpPr>
+          <p:cNvPr id="8" name="TextBox 7">
             <a:extLst>
               <a:ext uri="{FF2B5EF4-FFF2-40B4-BE49-F238E27FC236}">
-                <a16:creationId xmlns:a16="http://schemas.microsoft.com/office/drawing/2014/main" id="{DF39BE61-2720-CE4D-B4FB-9F43082C690C}"/>
-              </a:ext>
-            </a:extLst>
-          </p:cNvPr>
-          <p:cNvPicPr>
-            <a:picLocks noChangeAspect="1"/>
-          </p:cNvPicPr>
-          <p:nvPr/>
-        </p:nvPicPr>
-        <p:blipFill>
-          <a:blip r:embed="rId2">
-            <a:extLst>
-              <a:ext uri="{28A0092B-C50C-407E-A947-70E740481C1C}">
-                <a14:useLocalDpi xmlns:a14="http://schemas.microsoft.com/office/drawing/2010/main" val="0"/>
-              </a:ext>
-              <a:ext uri="{96DAC541-7B7A-43D3-8B79-37D633B846F1}">
-                <asvg:svgBlip xmlns:asvg="http://schemas.microsoft.com/office/drawing/2016/SVG/main" r:embed="rId3"/>
-              </a:ext>
-            </a:extLst>
-          </a:blip>
-          <a:stretch>
-            <a:fillRect/>
-          </a:stretch>
-        </p:blipFill>
-        <p:spPr>
-          <a:xfrm>
-            <a:off x="7531503" y="2129307"/>
-            <a:ext cx="3217333" cy="3217333"/>
-          </a:xfrm>
-          <a:prstGeom prst="rect">
-            <a:avLst/>
-          </a:prstGeom>
-        </p:spPr>
-      </p:pic>
-      <p:sp>
-        <p:nvSpPr>
-          <p:cNvPr id="4" name="TextBox 3">
-            <a:extLst>
-              <a:ext uri="{FF2B5EF4-FFF2-40B4-BE49-F238E27FC236}">
-                <a16:creationId xmlns:a16="http://schemas.microsoft.com/office/drawing/2014/main" id="{5AA655DF-653D-4F7E-9024-9CE64FF8848B}"/>
+                <a16:creationId xmlns:a16="http://schemas.microsoft.com/office/drawing/2014/main" id="{D8565959-91AC-416B-8E5F-D550B9E166C9}"/>
               </a:ext>
             </a:extLst>
           </p:cNvPr>
@@ -9589,8 +12384,8 @@
         </p:nvSpPr>
         <p:spPr>
           <a:xfrm>
-            <a:off x="1363735" y="1815387"/>
-            <a:ext cx="9464530" cy="1031051"/>
+            <a:off x="838200" y="1690688"/>
+            <a:ext cx="10206318" cy="3359061"/>
           </a:xfrm>
           <a:prstGeom prst="rect">
             <a:avLst/>
@@ -9598,42 +12393,69 @@
           <a:noFill/>
         </p:spPr>
         <p:txBody>
-          <a:bodyPr wrap="square" anchor="ctr">
+          <a:bodyPr wrap="square">
             <a:spAutoFit/>
           </a:bodyPr>
           <a:lstStyle/>
           <a:p>
-            <a:pPr algn="ctr">
-              <a:spcAft>
-                <a:spcPts val="600"/>
-              </a:spcAft>
+            <a:pPr marL="285750" indent="-285750">
+              <a:lnSpc>
+                <a:spcPct val="150000"/>
+              </a:lnSpc>
+              <a:buFont typeface="Arial" panose="020B0604020202020204" pitchFamily="34" charset="0"/>
+              <a:buChar char="•"/>
             </a:pPr>
-            <a:endParaRPr lang="en-GB" sz="2800">
-              <a:solidFill>
-                <a:srgbClr val="0070C0"/>
-              </a:solidFill>
-            </a:endParaRPr>
-          </a:p>
-          <a:p>
-            <a:pPr algn="ctr">
-              <a:spcAft>
-                <a:spcPts val="600"/>
-              </a:spcAft>
+            <a:r>
+              <a:rPr lang="en-GB" sz="2400" dirty="0">
+                <a:solidFill>
+                  <a:srgbClr val="0070C0"/>
+                </a:solidFill>
+              </a:rPr>
+              <a:t>Metadata provides extreme valuable information for us and others to be able to interpret, process, reuse and reproduce the research data it accompanies.</a:t>
+            </a:r>
+          </a:p>
+          <a:p>
+            <a:pPr marL="285750" indent="-285750">
+              <a:lnSpc>
+                <a:spcPct val="150000"/>
+              </a:lnSpc>
+              <a:buFont typeface="Arial" panose="020B0604020202020204" pitchFamily="34" charset="0"/>
+              <a:buChar char="•"/>
             </a:pPr>
-            <a:endParaRPr lang="en-GB" sz="2800">
-              <a:solidFill>
-                <a:srgbClr val="0070C0"/>
-              </a:solidFill>
-            </a:endParaRPr>
+            <a:r>
+              <a:rPr lang="en-GB" sz="2400" dirty="0">
+                <a:solidFill>
+                  <a:srgbClr val="0070C0"/>
+                </a:solidFill>
+              </a:rPr>
+              <a:t>Because metadata are data about data, all of the FAIR principles i.e. Findable, Accessible, Interoperable and Reusable apply to metadata.</a:t>
+            </a:r>
+          </a:p>
+          <a:p>
+            <a:pPr marL="285750" indent="-285750">
+              <a:lnSpc>
+                <a:spcPct val="150000"/>
+              </a:lnSpc>
+              <a:buFont typeface="Arial" panose="020B0604020202020204" pitchFamily="34" charset="0"/>
+              <a:buChar char="•"/>
+            </a:pPr>
+            <a:r>
+              <a:rPr lang="en-GB" sz="2400" dirty="0">
+                <a:solidFill>
+                  <a:srgbClr val="0070C0"/>
+                </a:solidFill>
+              </a:rPr>
+              <a:t>Ideally, metadata should not only be machine-readable, but also interoperable so that they can interlink or be reasoned about by computer systems.</a:t>
+            </a:r>
           </a:p>
         </p:txBody>
       </p:sp>
       <p:sp>
         <p:nvSpPr>
-          <p:cNvPr id="7" name="Title 6">
+          <p:cNvPr id="15" name="Title 1">
             <a:extLst>
               <a:ext uri="{FF2B5EF4-FFF2-40B4-BE49-F238E27FC236}">
-                <a16:creationId xmlns:a16="http://schemas.microsoft.com/office/drawing/2014/main" id="{C678E66A-FF58-D54E-AF38-B62A5507A5A1}"/>
+                <a16:creationId xmlns:a16="http://schemas.microsoft.com/office/drawing/2014/main" id="{A798BD3C-6025-7D47-BFE5-958354466177}"/>
               </a:ext>
             </a:extLst>
           </p:cNvPr>
@@ -9644,11 +12466,28 @@
             <p:ph type="title"/>
           </p:nvPr>
         </p:nvSpPr>
-        <p:spPr/>
+        <p:spPr>
+          <a:xfrm>
+            <a:off x="838200" y="365125"/>
+            <a:ext cx="10515600" cy="1325563"/>
+          </a:xfrm>
+        </p:spPr>
         <p:txBody>
           <a:bodyPr/>
           <a:lstStyle/>
           <a:p>
+            <a:r>
+              <a:rPr lang="pl-PL" dirty="0" err="1"/>
+              <a:t>Metadata</a:t>
+            </a:r>
+            <a:r>
+              <a:rPr lang="pl-PL" dirty="0"/>
+              <a:t> and FAIR </a:t>
+            </a:r>
+            <a:r>
+              <a:rPr lang="pl-PL" dirty="0" err="1"/>
+              <a:t>guidelines</a:t>
+            </a:r>
             <a:endParaRPr lang="en-GB" dirty="0"/>
           </a:p>
         </p:txBody>
@@ -9656,7 +12495,7 @@
     </p:spTree>
     <p:extLst>
       <p:ext uri="{BB962C8B-B14F-4D97-AF65-F5344CB8AC3E}">
-        <p14:creationId xmlns:p14="http://schemas.microsoft.com/office/powerpoint/2010/main" val="1629616353"/>
+        <p14:creationId xmlns:p14="http://schemas.microsoft.com/office/powerpoint/2010/main" val="3946935514"/>
       </p:ext>
     </p:extLst>
   </p:cSld>
@@ -9666,7 +12505,7 @@
 </p:sld>
 </file>
 
-<file path=ppt/slides/slide17.xml><?xml version="1.0" encoding="utf-8"?>
+<file path=ppt/slides/slide21.xml><?xml version="1.0" encoding="utf-8"?>
 <p:sld xmlns:a="http://schemas.openxmlformats.org/drawingml/2006/main" xmlns:r="http://schemas.openxmlformats.org/officeDocument/2006/relationships" xmlns:p="http://schemas.openxmlformats.org/presentationml/2006/main">
   <p:cSld>
     <p:bg>
@@ -10658,175 +13497,6 @@
 </p:sld>
 </file>
 
-<file path=ppt/slides/slide2.xml><?xml version="1.0" encoding="utf-8"?>
-<p:sld xmlns:a="http://schemas.openxmlformats.org/drawingml/2006/main" xmlns:r="http://schemas.openxmlformats.org/officeDocument/2006/relationships" xmlns:p="http://schemas.openxmlformats.org/presentationml/2006/main">
-  <p:cSld>
-    <p:spTree>
-      <p:nvGrpSpPr>
-        <p:cNvPr id="1" name=""/>
-        <p:cNvGrpSpPr/>
-        <p:nvPr/>
-      </p:nvGrpSpPr>
-      <p:grpSpPr>
-        <a:xfrm>
-          <a:off x="0" y="0"/>
-          <a:ext cx="0" cy="0"/>
-          <a:chOff x="0" y="0"/>
-          <a:chExt cx="0" cy="0"/>
-        </a:xfrm>
-      </p:grpSpPr>
-      <p:sp>
-        <p:nvSpPr>
-          <p:cNvPr id="2" name="Title 1">
-            <a:extLst>
-              <a:ext uri="{FF2B5EF4-FFF2-40B4-BE49-F238E27FC236}">
-                <a16:creationId xmlns:a16="http://schemas.microsoft.com/office/drawing/2014/main" id="{93C22BF1-8236-E34E-9A53-2352A46724F3}"/>
-              </a:ext>
-            </a:extLst>
-          </p:cNvPr>
-          <p:cNvSpPr>
-            <a:spLocks noGrp="1"/>
-          </p:cNvSpPr>
-          <p:nvPr>
-            <p:ph type="title"/>
-          </p:nvPr>
-        </p:nvSpPr>
-        <p:spPr/>
-        <p:txBody>
-          <a:bodyPr/>
-          <a:lstStyle/>
-          <a:p>
-            <a:r>
-              <a:rPr lang="pl-PL" dirty="0"/>
-              <a:t>M</a:t>
-            </a:r>
-            <a:r>
-              <a:rPr lang="en-GB" dirty="0" err="1"/>
-              <a:t>etadata</a:t>
-            </a:r>
-            <a:r>
-              <a:rPr lang="en-GB" dirty="0"/>
-              <a:t> is data about the data</a:t>
-            </a:r>
-            <a:r>
-              <a:rPr lang="pl-PL" dirty="0"/>
-              <a:t>!</a:t>
-            </a:r>
-            <a:r>
-              <a:rPr lang="en-GB" dirty="0"/>
-              <a:t> </a:t>
-            </a:r>
-          </a:p>
-        </p:txBody>
-      </p:sp>
-      <p:sp>
-        <p:nvSpPr>
-          <p:cNvPr id="3" name="Content Placeholder 2">
-            <a:extLst>
-              <a:ext uri="{FF2B5EF4-FFF2-40B4-BE49-F238E27FC236}">
-                <a16:creationId xmlns:a16="http://schemas.microsoft.com/office/drawing/2014/main" id="{ADED73CA-3D6B-544D-9189-A469EB518254}"/>
-              </a:ext>
-            </a:extLst>
-          </p:cNvPr>
-          <p:cNvSpPr>
-            <a:spLocks noGrp="1"/>
-          </p:cNvSpPr>
-          <p:nvPr>
-            <p:ph idx="1"/>
-          </p:nvPr>
-        </p:nvSpPr>
-        <p:spPr/>
-        <p:txBody>
-          <a:bodyPr/>
-          <a:lstStyle/>
-          <a:p>
-            <a:r>
-              <a:rPr lang="pl-PL" dirty="0"/>
-              <a:t>M</a:t>
-            </a:r>
-            <a:r>
-              <a:rPr lang="en-GB" dirty="0" err="1"/>
-              <a:t>etadata</a:t>
-            </a:r>
-            <a:r>
-              <a:rPr lang="en-GB" dirty="0"/>
-              <a:t> is the </a:t>
-            </a:r>
-            <a:r>
-              <a:rPr lang="en-GB" b="1" dirty="0"/>
-              <a:t>description of data</a:t>
-            </a:r>
-            <a:endParaRPr lang="pl-PL" b="1" dirty="0"/>
-          </a:p>
-          <a:p>
-            <a:r>
-              <a:rPr lang="pl-PL" dirty="0" err="1"/>
-              <a:t>permits</a:t>
-            </a:r>
-            <a:r>
-              <a:rPr lang="pl-PL" dirty="0"/>
-              <a:t> </a:t>
-            </a:r>
-            <a:r>
-              <a:rPr lang="en-GB" dirty="0"/>
-              <a:t>understanding </a:t>
-            </a:r>
-            <a:r>
-              <a:rPr lang="pl-PL" dirty="0"/>
-              <a:t>and </a:t>
-            </a:r>
-            <a:r>
-              <a:rPr lang="en-GB" dirty="0"/>
-              <a:t>interpretation </a:t>
-            </a:r>
-            <a:r>
-              <a:rPr lang="pl-PL" dirty="0"/>
-              <a:t>o</a:t>
-            </a:r>
-            <a:r>
-              <a:rPr lang="en-GB" dirty="0"/>
-              <a:t>f data</a:t>
-            </a:r>
-            <a:endParaRPr lang="pl-PL" dirty="0"/>
-          </a:p>
-          <a:p>
-            <a:r>
-              <a:rPr lang="en-GB" dirty="0"/>
-              <a:t>as important as your data </a:t>
-            </a:r>
-            <a:endParaRPr lang="pl-PL" dirty="0"/>
-          </a:p>
-          <a:p>
-            <a:r>
-              <a:rPr lang="en-GB" dirty="0"/>
-              <a:t>It should be continuously added to your research data</a:t>
-            </a:r>
-            <a:endParaRPr lang="pl-PL" dirty="0"/>
-          </a:p>
-          <a:p>
-            <a:r>
-              <a:rPr lang="en-GB" dirty="0"/>
-              <a:t>Metadata can be produced in an automated way or manually</a:t>
-            </a:r>
-          </a:p>
-          <a:p>
-            <a:endParaRPr lang="en-GB" dirty="0"/>
-          </a:p>
-        </p:txBody>
-      </p:sp>
-    </p:spTree>
-    <p:extLst>
-      <p:ext uri="{BB962C8B-B14F-4D97-AF65-F5344CB8AC3E}">
-        <p14:creationId xmlns:p14="http://schemas.microsoft.com/office/powerpoint/2010/main" val="3395286700"/>
-      </p:ext>
-    </p:extLst>
-  </p:cSld>
-  <p:clrMapOvr>
-    <a:masterClrMapping/>
-  </p:clrMapOvr>
-</p:sld>
-</file>
-
 <file path=ppt/slides/slide3.xml><?xml version="1.0" encoding="utf-8"?>
 <p:sld xmlns:a="http://schemas.openxmlformats.org/drawingml/2006/main" xmlns:r="http://schemas.openxmlformats.org/officeDocument/2006/relationships" xmlns:p="http://schemas.openxmlformats.org/presentationml/2006/main">
   <p:cSld>
@@ -11229,28 +13899,12 @@
           <a:lstStyle/>
           <a:p>
             <a:r>
+              <a:rPr lang="en-GB" dirty="0"/>
+              <a:t>Real l</a:t>
+            </a:r>
+            <a:r>
               <a:rPr lang="pl-PL" dirty="0"/>
-              <a:t>Life </a:t>
-            </a:r>
-            <a:r>
-              <a:rPr lang="pl-PL" dirty="0" err="1"/>
-              <a:t>example</a:t>
-            </a:r>
-            <a:r>
-              <a:rPr lang="pl-PL" dirty="0"/>
-              <a:t> of </a:t>
-            </a:r>
-            <a:r>
-              <a:rPr lang="pl-PL" dirty="0" err="1"/>
-              <a:t>metadata</a:t>
-            </a:r>
-            <a:r>
-              <a:rPr lang="pl-PL" dirty="0"/>
-              <a:t> </a:t>
-            </a:r>
-            <a:r>
-              <a:rPr lang="pl-PL" dirty="0" err="1"/>
-              <a:t>types</a:t>
+              <a:t>ife example of metadata</a:t>
             </a:r>
             <a:endParaRPr lang="en-GB" dirty="0"/>
           </a:p>
@@ -11288,20 +13942,14 @@
       </p:grpSpPr>
       <p:sp>
         <p:nvSpPr>
-          <p:cNvPr id="5" name="TextBox 4">
-            <a:extLst>
-              <a:ext uri="{FF2B5EF4-FFF2-40B4-BE49-F238E27FC236}">
-                <a16:creationId xmlns:a16="http://schemas.microsoft.com/office/drawing/2014/main" id="{3A7A1F5C-9C70-4DE3-BA39-7835B2935EB3}"/>
-              </a:ext>
-            </a:extLst>
-          </p:cNvPr>
+          <p:cNvPr id="4" name="TextBox 3"/>
           <p:cNvSpPr txBox="1"/>
           <p:nvPr/>
         </p:nvSpPr>
         <p:spPr>
           <a:xfrm>
-            <a:off x="970418" y="1659285"/>
-            <a:ext cx="9464530" cy="3539430"/>
+            <a:off x="498764" y="365760"/>
+            <a:ext cx="2157001" cy="523220"/>
           </a:xfrm>
           <a:prstGeom prst="rect">
             <a:avLst/>
@@ -11309,144 +13957,69 @@
           <a:noFill/>
         </p:spPr>
         <p:txBody>
-          <a:bodyPr wrap="square">
+          <a:bodyPr wrap="none" rtlCol="0">
             <a:spAutoFit/>
           </a:bodyPr>
           <a:lstStyle/>
           <a:p>
-            <a:pPr marL="457200" indent="-457200">
-              <a:buFont typeface="Arial" panose="020B0604020202020204" pitchFamily="34" charset="0"/>
-              <a:buChar char="•"/>
-            </a:pPr>
             <a:r>
               <a:rPr lang="en-GB" sz="2800" dirty="0">
                 <a:solidFill>
                   <a:srgbClr val="0070C0"/>
                 </a:solidFill>
               </a:rPr>
-              <a:t>Administrative: relevant to managing it </a:t>
-            </a:r>
-          </a:p>
-          <a:p>
-            <a:r>
-              <a:rPr lang="en-GB" sz="2800" dirty="0">
+              <a:t>Public </a:t>
+            </a:r>
+            <a:r>
+              <a:rPr lang="en-GB" sz="2800" dirty="0" err="1">
                 <a:solidFill>
                   <a:srgbClr val="0070C0"/>
                 </a:solidFill>
               </a:rPr>
-              <a:t>	e.g. Experimental code, PI</a:t>
-            </a:r>
-          </a:p>
-          <a:p>
+              <a:t>Omero</a:t>
+            </a:r>
             <a:endParaRPr lang="en-GB" sz="2800" dirty="0">
               <a:solidFill>
                 <a:srgbClr val="0070C0"/>
               </a:solidFill>
             </a:endParaRPr>
           </a:p>
-          <a:p>
-            <a:pPr marL="457200" indent="-457200">
-              <a:buFont typeface="Arial" panose="020B0604020202020204" pitchFamily="34" charset="0"/>
-              <a:buChar char="•"/>
-            </a:pPr>
-            <a:r>
-              <a:rPr lang="en-GB" sz="2800" dirty="0">
-                <a:solidFill>
-                  <a:srgbClr val="0070C0"/>
-                </a:solidFill>
-              </a:rPr>
-              <a:t>Descriptive/citation: assists with discovery/identity </a:t>
-            </a:r>
-          </a:p>
-          <a:p>
-            <a:r>
-              <a:rPr lang="en-GB" sz="2800" dirty="0">
-                <a:solidFill>
-                  <a:srgbClr val="0070C0"/>
-                </a:solidFill>
-              </a:rPr>
-              <a:t>	e.g. Authors, persistent identifier</a:t>
-            </a:r>
-          </a:p>
-          <a:p>
-            <a:endParaRPr lang="en-GB" sz="2800" dirty="0">
-              <a:solidFill>
-                <a:srgbClr val="0070C0"/>
-              </a:solidFill>
-            </a:endParaRPr>
-          </a:p>
-          <a:p>
-            <a:pPr marL="457200" indent="-457200">
-              <a:buFont typeface="Arial" panose="020B0604020202020204" pitchFamily="34" charset="0"/>
-              <a:buChar char="•"/>
-            </a:pPr>
-            <a:r>
-              <a:rPr lang="en-GB" sz="2800" dirty="0">
-                <a:solidFill>
-                  <a:srgbClr val="0070C0"/>
-                </a:solidFill>
-              </a:rPr>
-              <a:t>Structural: how the data came about &amp; is structured </a:t>
-            </a:r>
-          </a:p>
-          <a:p>
-            <a:r>
-              <a:rPr lang="en-GB" sz="2800" dirty="0">
-                <a:solidFill>
-                  <a:srgbClr val="0070C0"/>
-                </a:solidFill>
-              </a:rPr>
-              <a:t>	e.g. Collection method, folder structures</a:t>
-            </a:r>
-          </a:p>
         </p:txBody>
       </p:sp>
-      <p:sp>
-        <p:nvSpPr>
-          <p:cNvPr id="7" name="Title 1">
+      <p:pic>
+        <p:nvPicPr>
+          <p:cNvPr id="6" name="Picture 5"/>
+          <p:cNvPicPr>
+            <a:picLocks noChangeAspect="1"/>
+          </p:cNvPicPr>
+          <p:nvPr/>
+        </p:nvPicPr>
+        <p:blipFill>
+          <a:blip r:embed="rId3">
             <a:extLst>
-              <a:ext uri="{FF2B5EF4-FFF2-40B4-BE49-F238E27FC236}">
-                <a16:creationId xmlns:a16="http://schemas.microsoft.com/office/drawing/2014/main" id="{4B35E320-09F7-A249-9D11-797D5A963554}"/>
+              <a:ext uri="{28A0092B-C50C-407E-A947-70E740481C1C}">
+                <a14:useLocalDpi xmlns:a14="http://schemas.microsoft.com/office/drawing/2010/main" val="0"/>
               </a:ext>
             </a:extLst>
-          </p:cNvPr>
-          <p:cNvSpPr>
-            <a:spLocks noGrp="1"/>
-          </p:cNvSpPr>
-          <p:nvPr>
-            <p:ph type="title"/>
-          </p:nvPr>
-        </p:nvSpPr>
+          </a:blip>
+          <a:stretch>
+            <a:fillRect/>
+          </a:stretch>
+        </p:blipFill>
         <p:spPr>
           <a:xfrm>
-            <a:off x="838200" y="365125"/>
-            <a:ext cx="10515600" cy="1325563"/>
+            <a:off x="1066800" y="1283004"/>
+            <a:ext cx="10080928" cy="4896000"/>
           </a:xfrm>
+          <a:prstGeom prst="rect">
+            <a:avLst/>
+          </a:prstGeom>
         </p:spPr>
-        <p:txBody>
-          <a:bodyPr/>
-          <a:lstStyle/>
-          <a:p>
-            <a:r>
-              <a:rPr lang="pl-PL" dirty="0" err="1"/>
-              <a:t>Types</a:t>
-            </a:r>
-            <a:r>
-              <a:rPr lang="pl-PL" dirty="0"/>
-              <a:t> of </a:t>
-            </a:r>
-            <a:r>
-              <a:rPr lang="pl-PL" dirty="0" err="1"/>
-              <a:t>metadata</a:t>
-            </a:r>
-            <a:endParaRPr lang="en-GB" dirty="0"/>
-          </a:p>
-        </p:txBody>
-      </p:sp>
+      </p:pic>
     </p:spTree>
     <p:extLst>
       <p:ext uri="{BB962C8B-B14F-4D97-AF65-F5344CB8AC3E}">
-        <p14:creationId xmlns:p14="http://schemas.microsoft.com/office/powerpoint/2010/main" val="269579055"/>
+        <p14:creationId xmlns:p14="http://schemas.microsoft.com/office/powerpoint/2010/main" val="700391783"/>
       </p:ext>
     </p:extLst>
   </p:cSld>
@@ -11475,20 +14048,14 @@
       </p:grpSpPr>
       <p:sp>
         <p:nvSpPr>
-          <p:cNvPr id="5" name="TextBox 4">
-            <a:extLst>
-              <a:ext uri="{FF2B5EF4-FFF2-40B4-BE49-F238E27FC236}">
-                <a16:creationId xmlns:a16="http://schemas.microsoft.com/office/drawing/2014/main" id="{3A7A1F5C-9C70-4DE3-BA39-7835B2935EB3}"/>
-              </a:ext>
-            </a:extLst>
-          </p:cNvPr>
+          <p:cNvPr id="4" name="TextBox 3"/>
           <p:cNvSpPr txBox="1"/>
           <p:nvPr/>
         </p:nvSpPr>
         <p:spPr>
           <a:xfrm>
-            <a:off x="729767" y="100234"/>
-            <a:ext cx="9464530" cy="954107"/>
+            <a:off x="498764" y="365760"/>
+            <a:ext cx="4163256" cy="523220"/>
           </a:xfrm>
           <a:prstGeom prst="rect">
             <a:avLst/>
@@ -11496,7 +14063,7 @@
           <a:noFill/>
         </p:spPr>
         <p:txBody>
-          <a:bodyPr wrap="square">
+          <a:bodyPr wrap="none" rtlCol="0">
             <a:spAutoFit/>
           </a:bodyPr>
           <a:lstStyle/>
@@ -11507,88 +14074,20 @@
                   <a:srgbClr val="0070C0"/>
                 </a:solidFill>
               </a:rPr>
-              <a:t>Exercise/challenge 1: </a:t>
-            </a:r>
-          </a:p>
-          <a:p>
-            <a:pPr algn="ctr"/>
-            <a:r>
-              <a:rPr lang="en-GB" sz="2800" dirty="0">
-                <a:solidFill>
-                  <a:srgbClr val="0070C0"/>
-                </a:solidFill>
-              </a:rPr>
-              <a:t>Identifying metadata types</a:t>
-            </a:r>
-          </a:p>
-        </p:txBody>
-      </p:sp>
-      <p:sp>
-        <p:nvSpPr>
-          <p:cNvPr id="4" name="TextBox 3">
-            <a:extLst>
-              <a:ext uri="{FF2B5EF4-FFF2-40B4-BE49-F238E27FC236}">
-                <a16:creationId xmlns:a16="http://schemas.microsoft.com/office/drawing/2014/main" id="{544FEB5C-3600-FE4E-B43F-A4B3E93657F2}"/>
-              </a:ext>
-            </a:extLst>
-          </p:cNvPr>
-          <p:cNvSpPr txBox="1"/>
-          <p:nvPr/>
-        </p:nvSpPr>
-        <p:spPr>
-          <a:xfrm>
-            <a:off x="6749144" y="6480767"/>
-            <a:ext cx="3812596" cy="276999"/>
-          </a:xfrm>
-          <a:prstGeom prst="rect">
-            <a:avLst/>
-          </a:prstGeom>
-          <a:noFill/>
-        </p:spPr>
-        <p:txBody>
-          <a:bodyPr wrap="square">
-            <a:spAutoFit/>
-          </a:bodyPr>
-          <a:lstStyle/>
-          <a:p>
-            <a:r>
-              <a:rPr lang="en-GB" sz="1200" b="0" i="1" dirty="0">
-                <a:solidFill>
-                  <a:srgbClr val="333333"/>
-                </a:solidFill>
-                <a:effectLst/>
-                <a:latin typeface="Ubuntu"/>
-              </a:rPr>
-              <a:t>Figure credits: </a:t>
-            </a:r>
-            <a:r>
-              <a:rPr lang="en-GB" sz="1200" i="1" dirty="0">
-                <a:solidFill>
-                  <a:srgbClr val="333333"/>
-                </a:solidFill>
-                <a:latin typeface="Ubuntu"/>
-              </a:rPr>
-              <a:t>Tomasz Zielinski and Andrés Romanowski</a:t>
-            </a:r>
-            <a:endParaRPr lang="en-GB" sz="1200" dirty="0"/>
+              <a:t>Image associated metadata</a:t>
+            </a:r>
           </a:p>
         </p:txBody>
       </p:sp>
       <p:pic>
         <p:nvPicPr>
-          <p:cNvPr id="3" name="Picture 2" descr="Graphical user interface, application, table, Excel&#10;&#10;Description automatically generated">
-            <a:extLst>
-              <a:ext uri="{FF2B5EF4-FFF2-40B4-BE49-F238E27FC236}">
-                <a16:creationId xmlns:a16="http://schemas.microsoft.com/office/drawing/2014/main" id="{45120055-0C4E-A64A-A666-D4512601C814}"/>
-              </a:ext>
-            </a:extLst>
-          </p:cNvPr>
+          <p:cNvPr id="6" name="Picture 5"/>
           <p:cNvPicPr>
             <a:picLocks noChangeAspect="1"/>
           </p:cNvPicPr>
           <p:nvPr/>
         </p:nvPicPr>
-        <p:blipFill rotWithShape="1">
+        <p:blipFill>
           <a:blip r:embed="rId3">
             <a:extLst>
               <a:ext uri="{28A0092B-C50C-407E-A947-70E740481C1C}">
@@ -11596,23 +14095,169 @@
               </a:ext>
             </a:extLst>
           </a:blip>
-          <a:srcRect r="2407" b="3419"/>
-          <a:stretch/>
+          <a:stretch>
+            <a:fillRect/>
+          </a:stretch>
         </p:blipFill>
         <p:spPr>
           <a:xfrm>
-            <a:off x="456350" y="1054341"/>
-            <a:ext cx="10301760" cy="5139630"/>
+            <a:off x="1066800" y="1276651"/>
+            <a:ext cx="10058400" cy="4895542"/>
           </a:xfrm>
           <a:prstGeom prst="rect">
             <a:avLst/>
           </a:prstGeom>
         </p:spPr>
       </p:pic>
+      <p:sp>
+        <p:nvSpPr>
+          <p:cNvPr id="3" name="Rectangle 2"/>
+          <p:cNvSpPr/>
+          <p:nvPr/>
+        </p:nvSpPr>
+        <p:spPr>
+          <a:xfrm>
+            <a:off x="9173182" y="2243389"/>
+            <a:ext cx="1961745" cy="1971225"/>
+          </a:xfrm>
+          <a:prstGeom prst="rect">
+            <a:avLst/>
+          </a:prstGeom>
+          <a:noFill/>
+          <a:ln>
+            <a:solidFill>
+              <a:srgbClr val="FF0000"/>
+            </a:solidFill>
+          </a:ln>
+        </p:spPr>
+        <p:style>
+          <a:lnRef idx="2">
+            <a:schemeClr val="accent1">
+              <a:shade val="50000"/>
+            </a:schemeClr>
+          </a:lnRef>
+          <a:fillRef idx="1">
+            <a:schemeClr val="accent1"/>
+          </a:fillRef>
+          <a:effectRef idx="0">
+            <a:schemeClr val="accent1"/>
+          </a:effectRef>
+          <a:fontRef idx="minor">
+            <a:schemeClr val="lt1"/>
+          </a:fontRef>
+        </p:style>
+        <p:txBody>
+          <a:bodyPr rtlCol="0" anchor="ctr"/>
+          <a:lstStyle/>
+          <a:p>
+            <a:pPr algn="ctr"/>
+            <a:endParaRPr lang="en-GB"/>
+          </a:p>
+        </p:txBody>
+      </p:sp>
+      <p:cxnSp>
+        <p:nvCxnSpPr>
+          <p:cNvPr id="7" name="Straight Connector 6"/>
+          <p:cNvCxnSpPr/>
+          <p:nvPr/>
+        </p:nvCxnSpPr>
+        <p:spPr>
+          <a:xfrm flipH="1" flipV="1">
+            <a:off x="8000939" y="1361663"/>
+            <a:ext cx="3124261" cy="881726"/>
+          </a:xfrm>
+          <a:prstGeom prst="line">
+            <a:avLst/>
+          </a:prstGeom>
+          <a:ln>
+            <a:solidFill>
+              <a:srgbClr val="FF0000"/>
+            </a:solidFill>
+          </a:ln>
+        </p:spPr>
+        <p:style>
+          <a:lnRef idx="1">
+            <a:schemeClr val="accent1"/>
+          </a:lnRef>
+          <a:fillRef idx="0">
+            <a:schemeClr val="accent1"/>
+          </a:fillRef>
+          <a:effectRef idx="0">
+            <a:schemeClr val="accent1"/>
+          </a:effectRef>
+          <a:fontRef idx="minor">
+            <a:schemeClr val="tx1"/>
+          </a:fontRef>
+        </p:style>
+      </p:cxnSp>
+      <p:cxnSp>
+        <p:nvCxnSpPr>
+          <p:cNvPr id="9" name="Straight Connector 8"/>
+          <p:cNvCxnSpPr/>
+          <p:nvPr/>
+        </p:nvCxnSpPr>
+        <p:spPr>
+          <a:xfrm flipH="1">
+            <a:off x="8000940" y="4214614"/>
+            <a:ext cx="3124260" cy="1872567"/>
+          </a:xfrm>
+          <a:prstGeom prst="line">
+            <a:avLst/>
+          </a:prstGeom>
+          <a:ln>
+            <a:solidFill>
+              <a:srgbClr val="FF0000"/>
+            </a:solidFill>
+          </a:ln>
+        </p:spPr>
+        <p:style>
+          <a:lnRef idx="1">
+            <a:schemeClr val="accent1"/>
+          </a:lnRef>
+          <a:fillRef idx="0">
+            <a:schemeClr val="accent1"/>
+          </a:fillRef>
+          <a:effectRef idx="0">
+            <a:schemeClr val="accent1"/>
+          </a:effectRef>
+          <a:fontRef idx="minor">
+            <a:schemeClr val="tx1"/>
+          </a:fontRef>
+        </p:style>
+      </p:cxnSp>
+      <p:pic>
+        <p:nvPicPr>
+          <p:cNvPr id="5" name="Picture 4"/>
+          <p:cNvPicPr>
+            <a:picLocks noChangeAspect="1"/>
+          </p:cNvPicPr>
+          <p:nvPr/>
+        </p:nvPicPr>
+        <p:blipFill>
+          <a:blip r:embed="rId4"/>
+          <a:stretch>
+            <a:fillRect/>
+          </a:stretch>
+        </p:blipFill>
+        <p:spPr>
+          <a:xfrm>
+            <a:off x="3593720" y="1361663"/>
+            <a:ext cx="4407219" cy="4725518"/>
+          </a:xfrm>
+          <a:prstGeom prst="rect">
+            <a:avLst/>
+          </a:prstGeom>
+          <a:ln w="38100">
+            <a:solidFill>
+              <a:srgbClr val="FF0000"/>
+            </a:solidFill>
+          </a:ln>
+        </p:spPr>
+      </p:pic>
     </p:spTree>
     <p:extLst>
       <p:ext uri="{BB962C8B-B14F-4D97-AF65-F5344CB8AC3E}">
-        <p14:creationId xmlns:p14="http://schemas.microsoft.com/office/powerpoint/2010/main" val="4286087962"/>
+        <p14:creationId xmlns:p14="http://schemas.microsoft.com/office/powerpoint/2010/main" val="1425576213"/>
       </p:ext>
     </p:extLst>
   </p:cSld>
@@ -11641,20 +14286,14 @@
       </p:grpSpPr>
       <p:sp>
         <p:nvSpPr>
-          <p:cNvPr id="5" name="TextBox 4">
-            <a:extLst>
-              <a:ext uri="{FF2B5EF4-FFF2-40B4-BE49-F238E27FC236}">
-                <a16:creationId xmlns:a16="http://schemas.microsoft.com/office/drawing/2014/main" id="{3A7A1F5C-9C70-4DE3-BA39-7835B2935EB3}"/>
-              </a:ext>
-            </a:extLst>
-          </p:cNvPr>
+          <p:cNvPr id="4" name="TextBox 3"/>
           <p:cNvSpPr txBox="1"/>
           <p:nvPr/>
         </p:nvSpPr>
         <p:spPr>
           <a:xfrm>
-            <a:off x="729767" y="100234"/>
-            <a:ext cx="9464530" cy="954107"/>
+            <a:off x="498764" y="365760"/>
+            <a:ext cx="6430478" cy="523220"/>
           </a:xfrm>
           <a:prstGeom prst="rect">
             <a:avLst/>
@@ -11662,7 +14301,7 @@
           <a:noFill/>
         </p:spPr>
         <p:txBody>
-          <a:bodyPr wrap="square">
+          <a:bodyPr wrap="none" rtlCol="0">
             <a:spAutoFit/>
           </a:bodyPr>
           <a:lstStyle/>
@@ -11673,88 +14312,20 @@
                   <a:srgbClr val="0070C0"/>
                 </a:solidFill>
               </a:rPr>
-              <a:t>Exercise/challenge 1: </a:t>
-            </a:r>
-          </a:p>
-          <a:p>
-            <a:pPr algn="ctr"/>
-            <a:r>
-              <a:rPr lang="en-GB" sz="2800" dirty="0">
-                <a:solidFill>
-                  <a:srgbClr val="0070C0"/>
-                </a:solidFill>
-              </a:rPr>
-              <a:t>Identifying metadata types</a:t>
-            </a:r>
-          </a:p>
-        </p:txBody>
-      </p:sp>
-      <p:sp>
-        <p:nvSpPr>
-          <p:cNvPr id="4" name="TextBox 3">
-            <a:extLst>
-              <a:ext uri="{FF2B5EF4-FFF2-40B4-BE49-F238E27FC236}">
-                <a16:creationId xmlns:a16="http://schemas.microsoft.com/office/drawing/2014/main" id="{544FEB5C-3600-FE4E-B43F-A4B3E93657F2}"/>
-              </a:ext>
-            </a:extLst>
-          </p:cNvPr>
-          <p:cNvSpPr txBox="1"/>
-          <p:nvPr/>
-        </p:nvSpPr>
-        <p:spPr>
-          <a:xfrm>
-            <a:off x="6749144" y="6480767"/>
-            <a:ext cx="3812596" cy="276999"/>
-          </a:xfrm>
-          <a:prstGeom prst="rect">
-            <a:avLst/>
-          </a:prstGeom>
-          <a:noFill/>
-        </p:spPr>
-        <p:txBody>
-          <a:bodyPr wrap="square">
-            <a:spAutoFit/>
-          </a:bodyPr>
-          <a:lstStyle/>
-          <a:p>
-            <a:r>
-              <a:rPr lang="en-GB" sz="1200" b="0" i="1" dirty="0">
-                <a:solidFill>
-                  <a:srgbClr val="333333"/>
-                </a:solidFill>
-                <a:effectLst/>
-                <a:latin typeface="Ubuntu"/>
-              </a:rPr>
-              <a:t>Figure credits: </a:t>
-            </a:r>
-            <a:r>
-              <a:rPr lang="en-GB" sz="1200" i="1" dirty="0">
-                <a:solidFill>
-                  <a:srgbClr val="333333"/>
-                </a:solidFill>
-                <a:latin typeface="Ubuntu"/>
-              </a:rPr>
-              <a:t>Tomasz Zielinski and Andrés Romanowski</a:t>
-            </a:r>
-            <a:endParaRPr lang="en-GB" sz="1200" dirty="0"/>
+              <a:t>Dataset structure and associated metadata</a:t>
+            </a:r>
           </a:p>
         </p:txBody>
       </p:sp>
       <p:pic>
         <p:nvPicPr>
-          <p:cNvPr id="7" name="Picture 6" descr="Graphical user interface, application, table, Excel&#10;&#10;Description automatically generated">
-            <a:extLst>
-              <a:ext uri="{FF2B5EF4-FFF2-40B4-BE49-F238E27FC236}">
-                <a16:creationId xmlns:a16="http://schemas.microsoft.com/office/drawing/2014/main" id="{BC560355-C489-6649-9863-0DEC79A7969B}"/>
-              </a:ext>
-            </a:extLst>
-          </p:cNvPr>
+          <p:cNvPr id="5" name="Picture 4"/>
           <p:cNvPicPr>
             <a:picLocks noChangeAspect="1"/>
           </p:cNvPicPr>
           <p:nvPr/>
         </p:nvPicPr>
-        <p:blipFill rotWithShape="1">
+        <p:blipFill>
           <a:blip r:embed="rId3">
             <a:extLst>
               <a:ext uri="{28A0092B-C50C-407E-A947-70E740481C1C}">
@@ -11762,13 +14333,14 @@
               </a:ext>
             </a:extLst>
           </a:blip>
-          <a:srcRect r="2304" b="3640"/>
-          <a:stretch/>
+          <a:stretch>
+            <a:fillRect/>
+          </a:stretch>
         </p:blipFill>
         <p:spPr>
           <a:xfrm>
-            <a:off x="426914" y="1067206"/>
-            <a:ext cx="10287737" cy="5185596"/>
+            <a:off x="1066800" y="1283004"/>
+            <a:ext cx="10080928" cy="4896000"/>
           </a:xfrm>
           <a:prstGeom prst="rect">
             <a:avLst/>
@@ -11777,89 +14349,153 @@
       </p:pic>
       <p:sp>
         <p:nvSpPr>
-          <p:cNvPr id="8" name="Rectangle 7">
-            <a:extLst>
-              <a:ext uri="{FF2B5EF4-FFF2-40B4-BE49-F238E27FC236}">
-                <a16:creationId xmlns:a16="http://schemas.microsoft.com/office/drawing/2014/main" id="{41AA8545-5391-1A40-B90D-6ABD28C838D1}"/>
-              </a:ext>
-            </a:extLst>
-          </p:cNvPr>
+          <p:cNvPr id="7" name="Rectangle 6"/>
           <p:cNvSpPr/>
           <p:nvPr/>
         </p:nvSpPr>
         <p:spPr>
           <a:xfrm>
-            <a:off x="9470571" y="201022"/>
-            <a:ext cx="2550124" cy="1384995"/>
+            <a:off x="9200866" y="2457210"/>
+            <a:ext cx="1785582" cy="3721794"/>
           </a:xfrm>
           <a:prstGeom prst="rect">
             <a:avLst/>
           </a:prstGeom>
-          <a:solidFill>
-            <a:schemeClr val="tx1">
-              <a:lumMod val="50000"/>
-              <a:lumOff val="50000"/>
+          <a:noFill/>
+          <a:ln>
+            <a:solidFill>
+              <a:srgbClr val="92D050"/>
+            </a:solidFill>
+          </a:ln>
+        </p:spPr>
+        <p:style>
+          <a:lnRef idx="2">
+            <a:schemeClr val="accent1">
+              <a:shade val="50000"/>
             </a:schemeClr>
-          </a:solidFill>
+          </a:lnRef>
+          <a:fillRef idx="1">
+            <a:schemeClr val="accent1"/>
+          </a:fillRef>
+          <a:effectRef idx="0">
+            <a:schemeClr val="accent1"/>
+          </a:effectRef>
+          <a:fontRef idx="minor">
+            <a:schemeClr val="lt1"/>
+          </a:fontRef>
+        </p:style>
+        <p:txBody>
+          <a:bodyPr rtlCol="0" anchor="ctr"/>
+          <a:lstStyle/>
+          <a:p>
+            <a:pPr algn="ctr"/>
+            <a:endParaRPr lang="en-GB"/>
+          </a:p>
+        </p:txBody>
+      </p:sp>
+      <p:cxnSp>
+        <p:nvCxnSpPr>
+          <p:cNvPr id="9" name="Straight Connector 8"/>
+          <p:cNvCxnSpPr/>
+          <p:nvPr/>
+        </p:nvCxnSpPr>
+        <p:spPr>
+          <a:xfrm>
+            <a:off x="7743824" y="370839"/>
+            <a:ext cx="3242624" cy="2086371"/>
+          </a:xfrm>
+          <a:prstGeom prst="line">
+            <a:avLst/>
+          </a:prstGeom>
+          <a:ln>
+            <a:solidFill>
+              <a:srgbClr val="92D050"/>
+            </a:solidFill>
+          </a:ln>
         </p:spPr>
-        <p:txBody>
-          <a:bodyPr wrap="square">
-            <a:spAutoFit/>
-          </a:bodyPr>
-          <a:lstStyle/>
-          <a:p>
-            <a:pPr algn="ctr"/>
-            <a:r>
-              <a:rPr lang="en-GB" sz="2800" b="1" dirty="0">
-                <a:solidFill>
-                  <a:schemeClr val="accent1">
-                    <a:lumMod val="40000"/>
-                    <a:lumOff val="60000"/>
-                  </a:schemeClr>
-                </a:solidFill>
-              </a:rPr>
-              <a:t>Administrative</a:t>
-            </a:r>
-            <a:endParaRPr lang="en-GB" sz="2800" dirty="0"/>
-          </a:p>
-          <a:p>
-            <a:pPr algn="ctr"/>
-            <a:r>
-              <a:rPr lang="en-GB" sz="2800" b="1" dirty="0">
-                <a:solidFill>
-                  <a:schemeClr val="accent4">
-                    <a:lumMod val="40000"/>
-                    <a:lumOff val="60000"/>
-                  </a:schemeClr>
-                </a:solidFill>
-              </a:rPr>
-              <a:t>Descriptive</a:t>
-            </a:r>
-            <a:endParaRPr lang="en-GB" sz="2800" dirty="0"/>
-          </a:p>
-          <a:p>
-            <a:pPr algn="ctr"/>
-            <a:r>
-              <a:rPr lang="en-GB" sz="2800" b="1" dirty="0">
-                <a:solidFill>
-                  <a:schemeClr val="accent6">
-                    <a:lumMod val="60000"/>
-                    <a:lumOff val="40000"/>
-                  </a:schemeClr>
-                </a:solidFill>
-              </a:rPr>
-              <a:t>Structural</a:t>
-            </a:r>
-            <a:endParaRPr lang="en-GB" sz="2800" b="0" i="0" dirty="0">
-              <a:effectLst/>
-            </a:endParaRPr>
-          </a:p>
-        </p:txBody>
-      </p:sp>
+        <p:style>
+          <a:lnRef idx="1">
+            <a:schemeClr val="accent1"/>
+          </a:lnRef>
+          <a:fillRef idx="0">
+            <a:schemeClr val="accent1"/>
+          </a:fillRef>
+          <a:effectRef idx="0">
+            <a:schemeClr val="accent1"/>
+          </a:effectRef>
+          <a:fontRef idx="minor">
+            <a:schemeClr val="tx1"/>
+          </a:fontRef>
+        </p:style>
+      </p:cxnSp>
+      <p:cxnSp>
+        <p:nvCxnSpPr>
+          <p:cNvPr id="11" name="Straight Connector 10"/>
+          <p:cNvCxnSpPr/>
+          <p:nvPr/>
+        </p:nvCxnSpPr>
+        <p:spPr>
+          <a:xfrm flipV="1">
+            <a:off x="7743824" y="6179004"/>
+            <a:ext cx="3242624" cy="283708"/>
+          </a:xfrm>
+          <a:prstGeom prst="line">
+            <a:avLst/>
+          </a:prstGeom>
+          <a:ln>
+            <a:solidFill>
+              <a:srgbClr val="92D050"/>
+            </a:solidFill>
+          </a:ln>
+        </p:spPr>
+        <p:style>
+          <a:lnRef idx="1">
+            <a:schemeClr val="accent1"/>
+          </a:lnRef>
+          <a:fillRef idx="0">
+            <a:schemeClr val="accent1"/>
+          </a:fillRef>
+          <a:effectRef idx="0">
+            <a:schemeClr val="accent1"/>
+          </a:effectRef>
+          <a:fontRef idx="minor">
+            <a:schemeClr val="tx1"/>
+          </a:fontRef>
+        </p:style>
+      </p:cxnSp>
+      <p:pic>
+        <p:nvPicPr>
+          <p:cNvPr id="2" name="Picture 1"/>
+          <p:cNvPicPr>
+            <a:picLocks noChangeAspect="1"/>
+          </p:cNvPicPr>
+          <p:nvPr/>
+        </p:nvPicPr>
+        <p:blipFill>
+          <a:blip r:embed="rId4"/>
+          <a:stretch>
+            <a:fillRect/>
+          </a:stretch>
+        </p:blipFill>
+        <p:spPr>
+          <a:xfrm>
+            <a:off x="4457700" y="395287"/>
+            <a:ext cx="3276600" cy="6067425"/>
+          </a:xfrm>
+          <a:prstGeom prst="rect">
+            <a:avLst/>
+          </a:prstGeom>
+          <a:ln w="38100">
+            <a:solidFill>
+              <a:srgbClr val="92D050"/>
+            </a:solidFill>
+          </a:ln>
+        </p:spPr>
+      </p:pic>
     </p:spTree>
     <p:extLst>
       <p:ext uri="{BB962C8B-B14F-4D97-AF65-F5344CB8AC3E}">
-        <p14:creationId xmlns:p14="http://schemas.microsoft.com/office/powerpoint/2010/main" val="983723164"/>
+        <p14:creationId xmlns:p14="http://schemas.microsoft.com/office/powerpoint/2010/main" val="1608006042"/>
       </p:ext>
     </p:extLst>
   </p:cSld>
@@ -11886,20 +14522,57 @@
           <a:chExt cx="0" cy="0"/>
         </a:xfrm>
       </p:grpSpPr>
-      <p:sp>
-        <p:nvSpPr>
-          <p:cNvPr id="2" name="Rectangle 1"/>
-          <p:cNvSpPr/>
+      <p:pic>
+        <p:nvPicPr>
+          <p:cNvPr id="5" name="Picture 4">
+            <a:extLst>
+              <a:ext uri="{FF2B5EF4-FFF2-40B4-BE49-F238E27FC236}">
+                <a16:creationId xmlns:a16="http://schemas.microsoft.com/office/drawing/2014/main" id="{A1DB7A90-6D66-412A-B918-AB94FA68C3FA}"/>
+              </a:ext>
+            </a:extLst>
+          </p:cNvPr>
+          <p:cNvPicPr>
+            <a:picLocks noChangeAspect="1"/>
+          </p:cNvPicPr>
           <p:nvPr/>
-        </p:nvSpPr>
+        </p:nvPicPr>
+        <p:blipFill>
+          <a:blip r:embed="rId3"/>
+          <a:stretch>
+            <a:fillRect/>
+          </a:stretch>
+        </p:blipFill>
         <p:spPr>
           <a:xfrm>
-            <a:off x="765728" y="1690688"/>
-            <a:ext cx="10304584" cy="2308324"/>
+            <a:off x="951499" y="2314419"/>
+            <a:ext cx="7144747" cy="2229161"/>
           </a:xfrm>
           <a:prstGeom prst="rect">
             <a:avLst/>
           </a:prstGeom>
+        </p:spPr>
+      </p:pic>
+      <p:sp>
+        <p:nvSpPr>
+          <p:cNvPr id="6" name="TextBox 5">
+            <a:extLst>
+              <a:ext uri="{FF2B5EF4-FFF2-40B4-BE49-F238E27FC236}">
+                <a16:creationId xmlns:a16="http://schemas.microsoft.com/office/drawing/2014/main" id="{53E9F6BF-B972-412F-B98F-0D7194DF8213}"/>
+              </a:ext>
+            </a:extLst>
+          </p:cNvPr>
+          <p:cNvSpPr txBox="1"/>
+          <p:nvPr/>
+        </p:nvSpPr>
+        <p:spPr>
+          <a:xfrm>
+            <a:off x="8581626" y="4131917"/>
+            <a:ext cx="3061981" cy="276999"/>
+          </a:xfrm>
+          <a:prstGeom prst="rect">
+            <a:avLst/>
+          </a:prstGeom>
+          <a:noFill/>
         </p:spPr>
         <p:txBody>
           <a:bodyPr wrap="square">
@@ -11908,109 +14581,70 @@
           <a:lstStyle/>
           <a:p>
             <a:r>
-              <a:rPr lang="en-GB" sz="2400" dirty="0">
-                <a:solidFill>
-                  <a:srgbClr val="0070C0"/>
-                </a:solidFill>
-              </a:rPr>
-              <a:t>What is "data" and what is "metadata" can be a matter of perspective: </a:t>
-            </a:r>
-            <a:endParaRPr lang="pl-PL" sz="2400" dirty="0">
-              <a:solidFill>
-                <a:srgbClr val="0070C0"/>
-              </a:solidFill>
-            </a:endParaRPr>
-          </a:p>
-          <a:p>
-            <a:endParaRPr lang="pl-PL" sz="2400" dirty="0">
-              <a:solidFill>
-                <a:srgbClr val="0070C0"/>
-              </a:solidFill>
-            </a:endParaRPr>
-          </a:p>
-          <a:p>
-            <a:r>
-              <a:rPr lang="en-GB" sz="2400" b="1" dirty="0">
-                <a:solidFill>
-                  <a:srgbClr val="0070C0"/>
-                </a:solidFill>
-              </a:rPr>
-              <a:t>Some researchers' metadata can be other researchers' data.</a:t>
-            </a:r>
-            <a:endParaRPr lang="pl-PL" sz="2400" dirty="0">
-              <a:solidFill>
-                <a:srgbClr val="0070C0"/>
-              </a:solidFill>
-            </a:endParaRPr>
-          </a:p>
-          <a:p>
-            <a:pPr marL="285750" indent="-285750">
-              <a:buFont typeface="Arial" panose="020B0604020202020204" pitchFamily="34" charset="0"/>
-              <a:buChar char="•"/>
-            </a:pPr>
-            <a:endParaRPr lang="pl-PL" sz="2400" dirty="0">
-              <a:solidFill>
-                <a:srgbClr val="0070C0"/>
-              </a:solidFill>
-            </a:endParaRPr>
-          </a:p>
-          <a:p>
-            <a:r>
-              <a:rPr lang="pl-PL" sz="2400" dirty="0">
-                <a:solidFill>
-                  <a:srgbClr val="0070C0"/>
-                </a:solidFill>
-              </a:rPr>
-              <a:t>Think of </a:t>
-            </a:r>
-            <a:r>
-              <a:rPr lang="pl-PL" sz="2400" dirty="0" err="1">
-                <a:solidFill>
-                  <a:srgbClr val="0070C0"/>
-                </a:solidFill>
-              </a:rPr>
-              <a:t>an</a:t>
-            </a:r>
-            <a:r>
-              <a:rPr lang="pl-PL" sz="2400" dirty="0">
-                <a:solidFill>
-                  <a:srgbClr val="0070C0"/>
-                </a:solidFill>
-              </a:rPr>
-              <a:t> </a:t>
-            </a:r>
-            <a:r>
-              <a:rPr lang="pl-PL" sz="2400" dirty="0" err="1">
-                <a:solidFill>
-                  <a:srgbClr val="0070C0"/>
-                </a:solidFill>
-              </a:rPr>
-              <a:t>example</a:t>
-            </a:r>
-            <a:r>
-              <a:rPr lang="pl-PL" sz="2400" dirty="0">
-                <a:solidFill>
-                  <a:srgbClr val="0070C0"/>
-                </a:solidFill>
-              </a:rPr>
-              <a:t> from our „excel” table</a:t>
-            </a:r>
-          </a:p>
-          <a:p>
-            <a:endParaRPr lang="en-GB" sz="2400" dirty="0">
-              <a:solidFill>
-                <a:srgbClr val="0070C0"/>
-              </a:solidFill>
-            </a:endParaRPr>
+              <a:rPr lang="en-GB" sz="1200" b="0" i="1" dirty="0">
+                <a:solidFill>
+                  <a:srgbClr val="333333"/>
+                </a:solidFill>
+                <a:effectLst/>
+                <a:latin typeface="Ubuntu"/>
+              </a:rPr>
+              <a:t>Figure credits: </a:t>
+            </a:r>
+            <a:r>
+              <a:rPr lang="en-GB" sz="1200" i="1" dirty="0">
+                <a:solidFill>
+                  <a:srgbClr val="333333"/>
+                </a:solidFill>
+                <a:latin typeface="Ubuntu"/>
+              </a:rPr>
+              <a:t>María Eugenia Goya</a:t>
+            </a:r>
+            <a:endParaRPr lang="en-GB" sz="1200" dirty="0"/>
           </a:p>
         </p:txBody>
       </p:sp>
-      <p:sp>
-        <p:nvSpPr>
-          <p:cNvPr id="5" name="Title 1">
+      <p:pic>
+        <p:nvPicPr>
+          <p:cNvPr id="7" name="Picture 6" descr="A picture containing invertebrate, worm, green&#10;&#10;Description automatically generated">
             <a:extLst>
               <a:ext uri="{FF2B5EF4-FFF2-40B4-BE49-F238E27FC236}">
-                <a16:creationId xmlns:a16="http://schemas.microsoft.com/office/drawing/2014/main" id="{52653BC0-E458-4F4C-982A-94720B229AC9}"/>
+                <a16:creationId xmlns:a16="http://schemas.microsoft.com/office/drawing/2014/main" id="{81F43220-6BF0-49F7-86BB-6B4010C71BFF}"/>
+              </a:ext>
+            </a:extLst>
+          </p:cNvPr>
+          <p:cNvPicPr>
+            <a:picLocks noChangeAspect="1"/>
+          </p:cNvPicPr>
+          <p:nvPr/>
+        </p:nvPicPr>
+        <p:blipFill>
+          <a:blip r:embed="rId4">
+            <a:extLst>
+              <a:ext uri="{28A0092B-C50C-407E-A947-70E740481C1C}">
+                <a14:useLocalDpi xmlns:a14="http://schemas.microsoft.com/office/drawing/2010/main" val="0"/>
+              </a:ext>
+            </a:extLst>
+          </a:blip>
+          <a:stretch>
+            <a:fillRect/>
+          </a:stretch>
+        </p:blipFill>
+        <p:spPr>
+          <a:xfrm>
+            <a:off x="8581626" y="1569212"/>
+            <a:ext cx="3183169" cy="2425272"/>
+          </a:xfrm>
+          <a:prstGeom prst="rect">
+            <a:avLst/>
+          </a:prstGeom>
+        </p:spPr>
+      </p:pic>
+      <p:sp>
+        <p:nvSpPr>
+          <p:cNvPr id="8" name="Title 1">
+            <a:extLst>
+              <a:ext uri="{FF2B5EF4-FFF2-40B4-BE49-F238E27FC236}">
+                <a16:creationId xmlns:a16="http://schemas.microsoft.com/office/drawing/2014/main" id="{EF38175B-3B02-4691-B574-3A3D30AAC29F}"/>
               </a:ext>
             </a:extLst>
           </p:cNvPr>
@@ -12033,15 +14667,20 @@
           <a:p>
             <a:r>
               <a:rPr lang="en-GB" dirty="0"/>
-              <a:t>Where does data end and metadata start?</a:t>
-            </a:r>
+              <a:t>Real l</a:t>
+            </a:r>
+            <a:r>
+              <a:rPr lang="pl-PL" dirty="0"/>
+              <a:t>ife example of metadata</a:t>
+            </a:r>
+            <a:endParaRPr lang="en-GB" dirty="0"/>
           </a:p>
         </p:txBody>
       </p:sp>
     </p:spTree>
     <p:extLst>
       <p:ext uri="{BB962C8B-B14F-4D97-AF65-F5344CB8AC3E}">
-        <p14:creationId xmlns:p14="http://schemas.microsoft.com/office/powerpoint/2010/main" val="4064081264"/>
+        <p14:creationId xmlns:p14="http://schemas.microsoft.com/office/powerpoint/2010/main" val="334851125"/>
       </p:ext>
     </p:extLst>
   </p:cSld>
@@ -12070,10 +14709,10 @@
       </p:grpSpPr>
       <p:sp>
         <p:nvSpPr>
-          <p:cNvPr id="4" name="TextBox 3">
+          <p:cNvPr id="6" name="TextBox 5">
             <a:extLst>
               <a:ext uri="{FF2B5EF4-FFF2-40B4-BE49-F238E27FC236}">
-                <a16:creationId xmlns:a16="http://schemas.microsoft.com/office/drawing/2014/main" id="{544FEB5C-3600-FE4E-B43F-A4B3E93657F2}"/>
+                <a16:creationId xmlns:a16="http://schemas.microsoft.com/office/drawing/2014/main" id="{53E9F6BF-B972-412F-B98F-0D7194DF8213}"/>
               </a:ext>
             </a:extLst>
           </p:cNvPr>
@@ -12082,8 +14721,8 @@
         </p:nvSpPr>
         <p:spPr>
           <a:xfrm>
-            <a:off x="6749144" y="6480767"/>
-            <a:ext cx="3812596" cy="276999"/>
+            <a:off x="8581626" y="4131917"/>
+            <a:ext cx="3061981" cy="276999"/>
           </a:xfrm>
           <a:prstGeom prst="rect">
             <a:avLst/>
@@ -12113,7 +14752,7 @@
                 </a:solidFill>
                 <a:latin typeface="Ubuntu"/>
               </a:rPr>
-              <a:t>Tomasz Zielinski and Andrés Romanowski</a:t>
+              <a:t>María Eugenia Goya</a:t>
             </a:r>
             <a:endParaRPr lang="en-GB" sz="1200" dirty="0"/>
           </a:p>
@@ -12121,10 +14760,10 @@
       </p:sp>
       <p:pic>
         <p:nvPicPr>
-          <p:cNvPr id="3" name="Picture 2" descr="Graphical user interface, application, table, Excel&#10;&#10;Description automatically generated">
+          <p:cNvPr id="7" name="Picture 6" descr="A picture containing invertebrate, worm, green&#10;&#10;Description automatically generated">
             <a:extLst>
               <a:ext uri="{FF2B5EF4-FFF2-40B4-BE49-F238E27FC236}">
-                <a16:creationId xmlns:a16="http://schemas.microsoft.com/office/drawing/2014/main" id="{45120055-0C4E-A64A-A666-D4512601C814}"/>
+                <a16:creationId xmlns:a16="http://schemas.microsoft.com/office/drawing/2014/main" id="{81F43220-6BF0-49F7-86BB-6B4010C71BFF}"/>
               </a:ext>
             </a:extLst>
           </p:cNvPr>
@@ -12133,21 +14772,52 @@
           </p:cNvPicPr>
           <p:nvPr/>
         </p:nvPicPr>
-        <p:blipFill rotWithShape="1">
-          <a:blip r:embed="rId3">
+        <p:blipFill>
+          <a:blip r:embed="rId2">
             <a:extLst>
               <a:ext uri="{28A0092B-C50C-407E-A947-70E740481C1C}">
                 <a14:useLocalDpi xmlns:a14="http://schemas.microsoft.com/office/drawing/2010/main" val="0"/>
               </a:ext>
             </a:extLst>
           </a:blip>
-          <a:srcRect r="2407" b="3419"/>
-          <a:stretch/>
+          <a:stretch>
+            <a:fillRect/>
+          </a:stretch>
         </p:blipFill>
         <p:spPr>
           <a:xfrm>
-            <a:off x="456350" y="1054341"/>
-            <a:ext cx="10301760" cy="5139630"/>
+            <a:off x="8581626" y="1569212"/>
+            <a:ext cx="3183169" cy="2425272"/>
+          </a:xfrm>
+          <a:prstGeom prst="rect">
+            <a:avLst/>
+          </a:prstGeom>
+        </p:spPr>
+      </p:pic>
+      <p:pic>
+        <p:nvPicPr>
+          <p:cNvPr id="3" name="Picture 2">
+            <a:extLst>
+              <a:ext uri="{FF2B5EF4-FFF2-40B4-BE49-F238E27FC236}">
+                <a16:creationId xmlns:a16="http://schemas.microsoft.com/office/drawing/2014/main" id="{4A7F65A8-ECC3-41C5-9FC5-0CA0B4D1A663}"/>
+              </a:ext>
+            </a:extLst>
+          </p:cNvPr>
+          <p:cNvPicPr>
+            <a:picLocks noChangeAspect="1"/>
+          </p:cNvPicPr>
+          <p:nvPr/>
+        </p:nvPicPr>
+        <p:blipFill>
+          <a:blip r:embed="rId3"/>
+          <a:stretch>
+            <a:fillRect/>
+          </a:stretch>
+        </p:blipFill>
+        <p:spPr>
+          <a:xfrm>
+            <a:off x="838200" y="313412"/>
+            <a:ext cx="6963747" cy="6544588"/>
           </a:xfrm>
           <a:prstGeom prst="rect">
             <a:avLst/>
@@ -12157,7 +14827,7 @@
     </p:spTree>
     <p:extLst>
       <p:ext uri="{BB962C8B-B14F-4D97-AF65-F5344CB8AC3E}">
-        <p14:creationId xmlns:p14="http://schemas.microsoft.com/office/powerpoint/2010/main" val="840223466"/>
+        <p14:creationId xmlns:p14="http://schemas.microsoft.com/office/powerpoint/2010/main" val="1736982312"/>
       </p:ext>
     </p:extLst>
   </p:cSld>
